--- a/Thesis/Thesis Presentation.pptx
+++ b/Thesis/Thesis Presentation.pptx
@@ -2,18 +2,18 @@
 <file path=ppt/presentation.xml><?xml version="1.0" encoding="utf-8"?>
 <p:presentation xmlns:a="http://schemas.openxmlformats.org/drawingml/2006/main" xmlns:r="http://schemas.openxmlformats.org/officeDocument/2006/relationships" xmlns:p="http://schemas.openxmlformats.org/presentationml/2006/main" saveSubsetFonts="1">
   <p:sldMasterIdLst>
-    <p:sldMasterId id="2147483816" r:id="rId1"/>
+    <p:sldMasterId id="2147483855" r:id="rId1"/>
   </p:sldMasterIdLst>
   <p:sldIdLst>
     <p:sldId id="256" r:id="rId2"/>
-    <p:sldId id="257" r:id="rId3"/>
-    <p:sldId id="259" r:id="rId4"/>
-    <p:sldId id="258" r:id="rId5"/>
+    <p:sldId id="276" r:id="rId3"/>
+    <p:sldId id="257" r:id="rId4"/>
+    <p:sldId id="260" r:id="rId5"/>
     <p:sldId id="266" r:id="rId6"/>
-    <p:sldId id="260" r:id="rId7"/>
-    <p:sldId id="261" r:id="rId8"/>
-    <p:sldId id="262" r:id="rId9"/>
-    <p:sldId id="263" r:id="rId10"/>
+    <p:sldId id="261" r:id="rId7"/>
+    <p:sldId id="259" r:id="rId8"/>
+    <p:sldId id="263" r:id="rId9"/>
+    <p:sldId id="258" r:id="rId10"/>
     <p:sldId id="264" r:id="rId11"/>
     <p:sldId id="274" r:id="rId12"/>
     <p:sldId id="267" r:id="rId13"/>
@@ -123,12 +123,17 @@
       </a:defRPr>
     </a:lvl9pPr>
   </p:defaultTextStyle>
+  <p:extLst>
+    <p:ext uri="{EFAFB233-063F-42B5-8137-9DF3F51BA10A}">
+      <p15:sldGuideLst xmlns:p15="http://schemas.microsoft.com/office/powerpoint/2012/main"/>
+    </p:ext>
+  </p:extLst>
 </p:presentation>
 </file>
 
 <file path=ppt/slideLayouts/slideLayout1.xml><?xml version="1.0" encoding="utf-8"?>
 <p:sldLayout xmlns:a="http://schemas.openxmlformats.org/drawingml/2006/main" xmlns:r="http://schemas.openxmlformats.org/officeDocument/2006/relationships" xmlns:p="http://schemas.openxmlformats.org/presentationml/2006/main" showMasterSp="0" type="title" preserve="1">
-  <p:cSld name="Title Slide">
+  <p:cSld name="Tittellysbilde">
     <p:bg>
       <p:bgPr>
         <a:solidFill>
@@ -187,8 +192,8 @@
           </a:lstStyle>
           <a:p>
             <a:r>
-              <a:rPr lang="en-US"/>
-              <a:t>Click to edit Master title style</a:t>
+              <a:rPr lang="nb-NO"/>
+              <a:t>Klikk for å redigere tittelstil</a:t>
             </a:r>
             <a:endParaRPr lang="en-US" dirty="0"/>
           </a:p>
@@ -260,8 +265,8 @@
           </a:lstStyle>
           <a:p>
             <a:r>
-              <a:rPr lang="en-US"/>
-              <a:t>Click to edit Master subtitle style</a:t>
+              <a:rPr lang="nb-NO"/>
+              <a:t>Klikk for å redigere undertittelstil i malen</a:t>
             </a:r>
             <a:endParaRPr lang="en-US" dirty="0"/>
           </a:p>
@@ -294,7 +299,7 @@
           <a:p>
             <a:fld id="{2B324E1D-5BFC-4A26-948C-815C71133AD7}" type="datetimeFigureOut">
               <a:rPr lang="en-US" smtClean="0"/>
-              <a:t>10/25/2022</a:t>
+              <a:t>10/31/2022</a:t>
             </a:fld>
             <a:endParaRPr lang="en-US"/>
           </a:p>
@@ -403,7 +408,7 @@
     </p:spTree>
     <p:extLst>
       <p:ext uri="{BB962C8B-B14F-4D97-AF65-F5344CB8AC3E}">
-        <p14:creationId xmlns:p14="http://schemas.microsoft.com/office/powerpoint/2010/main" val="97511027"/>
+        <p14:creationId xmlns:p14="http://schemas.microsoft.com/office/powerpoint/2010/main" val="3546672756"/>
       </p:ext>
     </p:extLst>
   </p:cSld>
@@ -415,7 +420,7 @@
 
 <file path=ppt/slideLayouts/slideLayout10.xml><?xml version="1.0" encoding="utf-8"?>
 <p:sldLayout xmlns:a="http://schemas.openxmlformats.org/drawingml/2006/main" xmlns:r="http://schemas.openxmlformats.org/officeDocument/2006/relationships" xmlns:p="http://schemas.openxmlformats.org/presentationml/2006/main" type="vertTx" preserve="1">
-  <p:cSld name="Title and Vertical Text">
+  <p:cSld name="Loddrett tekst">
     <p:spTree>
       <p:nvGrpSpPr>
         <p:cNvPr id="1" name=""/>
@@ -446,8 +451,8 @@
           <a:lstStyle/>
           <a:p>
             <a:r>
-              <a:rPr lang="en-US"/>
-              <a:t>Click to edit Master title style</a:t>
+              <a:rPr lang="nb-NO"/>
+              <a:t>Klikk for å redigere tittelstil</a:t>
             </a:r>
             <a:endParaRPr lang="en-US" dirty="0"/>
           </a:p>
@@ -470,36 +475,36 @@
           <a:p>
             <a:pPr lvl="0"/>
             <a:r>
-              <a:rPr lang="en-US"/>
-              <a:t>Click to edit Master text styles</a:t>
+              <a:rPr lang="nb-NO"/>
+              <a:t>Klikk for å redigere tekststiler i malen</a:t>
             </a:r>
           </a:p>
           <a:p>
             <a:pPr lvl="1"/>
             <a:r>
-              <a:rPr lang="en-US"/>
-              <a:t>Second level</a:t>
+              <a:rPr lang="nb-NO"/>
+              <a:t>Andre nivå</a:t>
             </a:r>
           </a:p>
           <a:p>
             <a:pPr lvl="2"/>
             <a:r>
-              <a:rPr lang="en-US"/>
-              <a:t>Third level</a:t>
+              <a:rPr lang="nb-NO"/>
+              <a:t>Tredje nivå</a:t>
             </a:r>
           </a:p>
           <a:p>
             <a:pPr lvl="3"/>
             <a:r>
-              <a:rPr lang="en-US"/>
-              <a:t>Fourth level</a:t>
+              <a:rPr lang="nb-NO"/>
+              <a:t>Fjerde nivå</a:t>
             </a:r>
           </a:p>
           <a:p>
             <a:pPr lvl="4"/>
             <a:r>
-              <a:rPr lang="en-US"/>
-              <a:t>Fifth level</a:t>
+              <a:rPr lang="nb-NO"/>
+              <a:t>Femte nivå</a:t>
             </a:r>
             <a:endParaRPr lang="en-US" dirty="0"/>
           </a:p>
@@ -522,7 +527,7 @@
           <a:p>
             <a:fld id="{2B324E1D-5BFC-4A26-948C-815C71133AD7}" type="datetimeFigureOut">
               <a:rPr lang="en-US" smtClean="0"/>
-              <a:t>10/25/2022</a:t>
+              <a:t>10/31/2022</a:t>
             </a:fld>
             <a:endParaRPr lang="en-US"/>
           </a:p>
@@ -573,7 +578,7 @@
     </p:spTree>
     <p:extLst>
       <p:ext uri="{BB962C8B-B14F-4D97-AF65-F5344CB8AC3E}">
-        <p14:creationId xmlns:p14="http://schemas.microsoft.com/office/powerpoint/2010/main" val="1869537835"/>
+        <p14:creationId xmlns:p14="http://schemas.microsoft.com/office/powerpoint/2010/main" val="3171780141"/>
       </p:ext>
     </p:extLst>
   </p:cSld>
@@ -585,7 +590,7 @@
 
 <file path=ppt/slideLayouts/slideLayout11.xml><?xml version="1.0" encoding="utf-8"?>
 <p:sldLayout xmlns:a="http://schemas.openxmlformats.org/drawingml/2006/main" xmlns:r="http://schemas.openxmlformats.org/officeDocument/2006/relationships" xmlns:p="http://schemas.openxmlformats.org/presentationml/2006/main" type="vertTitleAndTx" preserve="1">
-  <p:cSld name="Vertical Title and Text">
+  <p:cSld name="Loddrett tittel og tekst">
     <p:spTree>
       <p:nvGrpSpPr>
         <p:cNvPr id="1" name=""/>
@@ -621,8 +626,8 @@
           <a:lstStyle/>
           <a:p>
             <a:r>
-              <a:rPr lang="en-US"/>
-              <a:t>Click to edit Master title style</a:t>
+              <a:rPr lang="nb-NO"/>
+              <a:t>Klikk for å redigere tittelstil</a:t>
             </a:r>
             <a:endParaRPr lang="en-US" dirty="0"/>
           </a:p>
@@ -650,36 +655,36 @@
           <a:p>
             <a:pPr lvl="0"/>
             <a:r>
-              <a:rPr lang="en-US"/>
-              <a:t>Click to edit Master text styles</a:t>
+              <a:rPr lang="nb-NO"/>
+              <a:t>Klikk for å redigere tekststiler i malen</a:t>
             </a:r>
           </a:p>
           <a:p>
             <a:pPr lvl="1"/>
             <a:r>
-              <a:rPr lang="en-US"/>
-              <a:t>Second level</a:t>
+              <a:rPr lang="nb-NO"/>
+              <a:t>Andre nivå</a:t>
             </a:r>
           </a:p>
           <a:p>
             <a:pPr lvl="2"/>
             <a:r>
-              <a:rPr lang="en-US"/>
-              <a:t>Third level</a:t>
+              <a:rPr lang="nb-NO"/>
+              <a:t>Tredje nivå</a:t>
             </a:r>
           </a:p>
           <a:p>
             <a:pPr lvl="3"/>
             <a:r>
-              <a:rPr lang="en-US"/>
-              <a:t>Fourth level</a:t>
+              <a:rPr lang="nb-NO"/>
+              <a:t>Fjerde nivå</a:t>
             </a:r>
           </a:p>
           <a:p>
             <a:pPr lvl="4"/>
             <a:r>
-              <a:rPr lang="en-US"/>
-              <a:t>Fifth level</a:t>
+              <a:rPr lang="nb-NO"/>
+              <a:t>Femte nivå</a:t>
             </a:r>
             <a:endParaRPr lang="en-US" dirty="0"/>
           </a:p>
@@ -702,7 +707,7 @@
           <a:p>
             <a:fld id="{2B324E1D-5BFC-4A26-948C-815C71133AD7}" type="datetimeFigureOut">
               <a:rPr lang="en-US" smtClean="0"/>
-              <a:t>10/25/2022</a:t>
+              <a:t>10/31/2022</a:t>
             </a:fld>
             <a:endParaRPr lang="en-US"/>
           </a:p>
@@ -753,7 +758,7 @@
     </p:spTree>
     <p:extLst>
       <p:ext uri="{BB962C8B-B14F-4D97-AF65-F5344CB8AC3E}">
-        <p14:creationId xmlns:p14="http://schemas.microsoft.com/office/powerpoint/2010/main" val="1355200046"/>
+        <p14:creationId xmlns:p14="http://schemas.microsoft.com/office/powerpoint/2010/main" val="4087460011"/>
       </p:ext>
     </p:extLst>
   </p:cSld>
@@ -765,7 +770,7 @@
 
 <file path=ppt/slideLayouts/slideLayout2.xml><?xml version="1.0" encoding="utf-8"?>
 <p:sldLayout xmlns:a="http://schemas.openxmlformats.org/drawingml/2006/main" xmlns:r="http://schemas.openxmlformats.org/officeDocument/2006/relationships" xmlns:p="http://schemas.openxmlformats.org/presentationml/2006/main" type="obj" preserve="1">
-  <p:cSld name="Title and Content">
+  <p:cSld name="Tittel og innhold">
     <p:spTree>
       <p:nvGrpSpPr>
         <p:cNvPr id="1" name=""/>
@@ -796,8 +801,8 @@
           <a:lstStyle/>
           <a:p>
             <a:r>
-              <a:rPr lang="en-US"/>
-              <a:t>Click to edit Master title style</a:t>
+              <a:rPr lang="nb-NO"/>
+              <a:t>Klikk for å redigere tittelstil</a:t>
             </a:r>
             <a:endParaRPr lang="en-US" dirty="0"/>
           </a:p>
@@ -820,36 +825,36 @@
           <a:p>
             <a:pPr lvl="0"/>
             <a:r>
-              <a:rPr lang="en-US"/>
-              <a:t>Click to edit Master text styles</a:t>
+              <a:rPr lang="nb-NO"/>
+              <a:t>Klikk for å redigere tekststiler i malen</a:t>
             </a:r>
           </a:p>
           <a:p>
             <a:pPr lvl="1"/>
             <a:r>
-              <a:rPr lang="en-US"/>
-              <a:t>Second level</a:t>
+              <a:rPr lang="nb-NO"/>
+              <a:t>Andre nivå</a:t>
             </a:r>
           </a:p>
           <a:p>
             <a:pPr lvl="2"/>
             <a:r>
-              <a:rPr lang="en-US"/>
-              <a:t>Third level</a:t>
+              <a:rPr lang="nb-NO"/>
+              <a:t>Tredje nivå</a:t>
             </a:r>
           </a:p>
           <a:p>
             <a:pPr lvl="3"/>
             <a:r>
-              <a:rPr lang="en-US"/>
-              <a:t>Fourth level</a:t>
+              <a:rPr lang="nb-NO"/>
+              <a:t>Fjerde nivå</a:t>
             </a:r>
           </a:p>
           <a:p>
             <a:pPr lvl="4"/>
             <a:r>
-              <a:rPr lang="en-US"/>
-              <a:t>Fifth level</a:t>
+              <a:rPr lang="nb-NO"/>
+              <a:t>Femte nivå</a:t>
             </a:r>
             <a:endParaRPr lang="en-US" dirty="0"/>
           </a:p>
@@ -872,7 +877,7 @@
           <a:p>
             <a:fld id="{2B324E1D-5BFC-4A26-948C-815C71133AD7}" type="datetimeFigureOut">
               <a:rPr lang="en-US" smtClean="0"/>
-              <a:t>10/25/2022</a:t>
+              <a:t>10/31/2022</a:t>
             </a:fld>
             <a:endParaRPr lang="en-US"/>
           </a:p>
@@ -923,7 +928,7 @@
     </p:spTree>
     <p:extLst>
       <p:ext uri="{BB962C8B-B14F-4D97-AF65-F5344CB8AC3E}">
-        <p14:creationId xmlns:p14="http://schemas.microsoft.com/office/powerpoint/2010/main" val="657462524"/>
+        <p14:creationId xmlns:p14="http://schemas.microsoft.com/office/powerpoint/2010/main" val="2337471243"/>
       </p:ext>
     </p:extLst>
   </p:cSld>
@@ -935,7 +940,7 @@
 
 <file path=ppt/slideLayouts/slideLayout3.xml><?xml version="1.0" encoding="utf-8"?>
 <p:sldLayout xmlns:a="http://schemas.openxmlformats.org/drawingml/2006/main" xmlns:r="http://schemas.openxmlformats.org/officeDocument/2006/relationships" xmlns:p="http://schemas.openxmlformats.org/presentationml/2006/main" type="secHead" preserve="1">
-  <p:cSld name="Section Header">
+  <p:cSld name="Deloverskrift">
     <p:spTree>
       <p:nvGrpSpPr>
         <p:cNvPr id="1" name=""/>
@@ -980,8 +985,8 @@
           </a:lstStyle>
           <a:p>
             <a:r>
-              <a:rPr lang="en-US"/>
-              <a:t>Click to edit Master title style</a:t>
+              <a:rPr lang="nb-NO"/>
+              <a:t>Klikk for å redigere tittelstil</a:t>
             </a:r>
             <a:endParaRPr lang="en-US" dirty="0"/>
           </a:p>
@@ -1103,8 +1108,8 @@
           <a:p>
             <a:pPr lvl="0"/>
             <a:r>
-              <a:rPr lang="en-US"/>
-              <a:t>Click to edit Master text styles</a:t>
+              <a:rPr lang="nb-NO"/>
+              <a:t>Klikk for å redigere tekststiler i malen</a:t>
             </a:r>
           </a:p>
         </p:txBody>
@@ -1126,7 +1131,7 @@
           <a:p>
             <a:fld id="{2B324E1D-5BFC-4A26-948C-815C71133AD7}" type="datetimeFigureOut">
               <a:rPr lang="en-US" smtClean="0"/>
-              <a:t>10/25/2022</a:t>
+              <a:t>10/31/2022</a:t>
             </a:fld>
             <a:endParaRPr lang="en-US"/>
           </a:p>
@@ -1215,7 +1220,7 @@
     </p:spTree>
     <p:extLst>
       <p:ext uri="{BB962C8B-B14F-4D97-AF65-F5344CB8AC3E}">
-        <p14:creationId xmlns:p14="http://schemas.microsoft.com/office/powerpoint/2010/main" val="799160117"/>
+        <p14:creationId xmlns:p14="http://schemas.microsoft.com/office/powerpoint/2010/main" val="3059851827"/>
       </p:ext>
     </p:extLst>
   </p:cSld>
@@ -1227,7 +1232,7 @@
 
 <file path=ppt/slideLayouts/slideLayout4.xml><?xml version="1.0" encoding="utf-8"?>
 <p:sldLayout xmlns:a="http://schemas.openxmlformats.org/drawingml/2006/main" xmlns:r="http://schemas.openxmlformats.org/officeDocument/2006/relationships" xmlns:p="http://schemas.openxmlformats.org/presentationml/2006/main" type="twoObj" preserve="1">
-  <p:cSld name="Two Content">
+  <p:cSld name="To innholdsdeler">
     <p:spTree>
       <p:nvGrpSpPr>
         <p:cNvPr id="1" name=""/>
@@ -1258,8 +1263,8 @@
           <a:lstStyle/>
           <a:p>
             <a:r>
-              <a:rPr lang="en-US"/>
-              <a:t>Click to edit Master title style</a:t>
+              <a:rPr lang="nb-NO"/>
+              <a:t>Klikk for å redigere tittelstil</a:t>
             </a:r>
             <a:endParaRPr lang="en-US" dirty="0"/>
           </a:p>
@@ -1315,36 +1320,36 @@
           <a:p>
             <a:pPr lvl="0"/>
             <a:r>
-              <a:rPr lang="en-US"/>
-              <a:t>Click to edit Master text styles</a:t>
+              <a:rPr lang="nb-NO"/>
+              <a:t>Klikk for å redigere tekststiler i malen</a:t>
             </a:r>
           </a:p>
           <a:p>
             <a:pPr lvl="1"/>
             <a:r>
-              <a:rPr lang="en-US"/>
-              <a:t>Second level</a:t>
+              <a:rPr lang="nb-NO"/>
+              <a:t>Andre nivå</a:t>
             </a:r>
           </a:p>
           <a:p>
             <a:pPr lvl="2"/>
             <a:r>
-              <a:rPr lang="en-US"/>
-              <a:t>Third level</a:t>
+              <a:rPr lang="nb-NO"/>
+              <a:t>Tredje nivå</a:t>
             </a:r>
           </a:p>
           <a:p>
             <a:pPr lvl="3"/>
             <a:r>
-              <a:rPr lang="en-US"/>
-              <a:t>Fourth level</a:t>
+              <a:rPr lang="nb-NO"/>
+              <a:t>Fjerde nivå</a:t>
             </a:r>
           </a:p>
           <a:p>
             <a:pPr lvl="4"/>
             <a:r>
-              <a:rPr lang="en-US"/>
-              <a:t>Fifth level</a:t>
+              <a:rPr lang="nb-NO"/>
+              <a:t>Femte nivå</a:t>
             </a:r>
             <a:endParaRPr lang="en-US" dirty="0"/>
           </a:p>
@@ -1400,36 +1405,36 @@
           <a:p>
             <a:pPr lvl="0"/>
             <a:r>
-              <a:rPr lang="en-US"/>
-              <a:t>Click to edit Master text styles</a:t>
+              <a:rPr lang="nb-NO"/>
+              <a:t>Klikk for å redigere tekststiler i malen</a:t>
             </a:r>
           </a:p>
           <a:p>
             <a:pPr lvl="1"/>
             <a:r>
-              <a:rPr lang="en-US"/>
-              <a:t>Second level</a:t>
+              <a:rPr lang="nb-NO"/>
+              <a:t>Andre nivå</a:t>
             </a:r>
           </a:p>
           <a:p>
             <a:pPr lvl="2"/>
             <a:r>
-              <a:rPr lang="en-US"/>
-              <a:t>Third level</a:t>
+              <a:rPr lang="nb-NO"/>
+              <a:t>Tredje nivå</a:t>
             </a:r>
           </a:p>
           <a:p>
             <a:pPr lvl="3"/>
             <a:r>
-              <a:rPr lang="en-US"/>
-              <a:t>Fourth level</a:t>
+              <a:rPr lang="nb-NO"/>
+              <a:t>Fjerde nivå</a:t>
             </a:r>
           </a:p>
           <a:p>
             <a:pPr lvl="4"/>
             <a:r>
-              <a:rPr lang="en-US"/>
-              <a:t>Fifth level</a:t>
+              <a:rPr lang="nb-NO"/>
+              <a:t>Femte nivå</a:t>
             </a:r>
             <a:endParaRPr lang="en-US" dirty="0"/>
           </a:p>
@@ -1452,7 +1457,7 @@
           <a:p>
             <a:fld id="{2B324E1D-5BFC-4A26-948C-815C71133AD7}" type="datetimeFigureOut">
               <a:rPr lang="en-US" smtClean="0"/>
-              <a:t>10/25/2022</a:t>
+              <a:t>10/31/2022</a:t>
             </a:fld>
             <a:endParaRPr lang="en-US"/>
           </a:p>
@@ -1503,7 +1508,7 @@
     </p:spTree>
     <p:extLst>
       <p:ext uri="{BB962C8B-B14F-4D97-AF65-F5344CB8AC3E}">
-        <p14:creationId xmlns:p14="http://schemas.microsoft.com/office/powerpoint/2010/main" val="86274129"/>
+        <p14:creationId xmlns:p14="http://schemas.microsoft.com/office/powerpoint/2010/main" val="3843723328"/>
       </p:ext>
     </p:extLst>
   </p:cSld>
@@ -1515,7 +1520,7 @@
 
 <file path=ppt/slideLayouts/slideLayout5.xml><?xml version="1.0" encoding="utf-8"?>
 <p:sldLayout xmlns:a="http://schemas.openxmlformats.org/drawingml/2006/main" xmlns:r="http://schemas.openxmlformats.org/officeDocument/2006/relationships" xmlns:p="http://schemas.openxmlformats.org/presentationml/2006/main" type="twoTxTwoObj" preserve="1">
-  <p:cSld name="Comparison">
+  <p:cSld name="Sammenligning">
     <p:spTree>
       <p:nvGrpSpPr>
         <p:cNvPr id="1" name=""/>
@@ -1546,8 +1551,8 @@
           <a:lstStyle/>
           <a:p>
             <a:r>
-              <a:rPr lang="en-US"/>
-              <a:t>Click to edit Master title style</a:t>
+              <a:rPr lang="nb-NO"/>
+              <a:t>Klikk for å redigere tittelstil</a:t>
             </a:r>
             <a:endParaRPr lang="en-US" dirty="0"/>
           </a:p>
@@ -1621,8 +1626,8 @@
           <a:p>
             <a:pPr lvl="0"/>
             <a:r>
-              <a:rPr lang="en-US"/>
-              <a:t>Click to edit Master text styles</a:t>
+              <a:rPr lang="nb-NO"/>
+              <a:t>Klikk for å redigere tekststiler i malen</a:t>
             </a:r>
           </a:p>
         </p:txBody>
@@ -1677,36 +1682,36 @@
           <a:p>
             <a:pPr lvl="0"/>
             <a:r>
-              <a:rPr lang="en-US"/>
-              <a:t>Click to edit Master text styles</a:t>
+              <a:rPr lang="nb-NO"/>
+              <a:t>Klikk for å redigere tekststiler i malen</a:t>
             </a:r>
           </a:p>
           <a:p>
             <a:pPr lvl="1"/>
             <a:r>
-              <a:rPr lang="en-US"/>
-              <a:t>Second level</a:t>
+              <a:rPr lang="nb-NO"/>
+              <a:t>Andre nivå</a:t>
             </a:r>
           </a:p>
           <a:p>
             <a:pPr lvl="2"/>
             <a:r>
-              <a:rPr lang="en-US"/>
-              <a:t>Third level</a:t>
+              <a:rPr lang="nb-NO"/>
+              <a:t>Tredje nivå</a:t>
             </a:r>
           </a:p>
           <a:p>
             <a:pPr lvl="3"/>
             <a:r>
-              <a:rPr lang="en-US"/>
-              <a:t>Fourth level</a:t>
+              <a:rPr lang="nb-NO"/>
+              <a:t>Fjerde nivå</a:t>
             </a:r>
           </a:p>
           <a:p>
             <a:pPr lvl="4"/>
             <a:r>
-              <a:rPr lang="en-US"/>
-              <a:t>Fifth level</a:t>
+              <a:rPr lang="nb-NO"/>
+              <a:t>Femte nivå</a:t>
             </a:r>
             <a:endParaRPr lang="en-US" dirty="0"/>
           </a:p>
@@ -1795,8 +1800,8 @@
               <a:buNone/>
             </a:pPr>
             <a:r>
-              <a:rPr lang="en-US"/>
-              <a:t>Click to edit Master text styles</a:t>
+              <a:rPr lang="nb-NO"/>
+              <a:t>Klikk for å redigere tekststiler i malen</a:t>
             </a:r>
           </a:p>
         </p:txBody>
@@ -1851,36 +1856,36 @@
           <a:p>
             <a:pPr lvl="0"/>
             <a:r>
-              <a:rPr lang="en-US"/>
-              <a:t>Click to edit Master text styles</a:t>
+              <a:rPr lang="nb-NO"/>
+              <a:t>Klikk for å redigere tekststiler i malen</a:t>
             </a:r>
           </a:p>
           <a:p>
             <a:pPr lvl="1"/>
             <a:r>
-              <a:rPr lang="en-US"/>
-              <a:t>Second level</a:t>
+              <a:rPr lang="nb-NO"/>
+              <a:t>Andre nivå</a:t>
             </a:r>
           </a:p>
           <a:p>
             <a:pPr lvl="2"/>
             <a:r>
-              <a:rPr lang="en-US"/>
-              <a:t>Third level</a:t>
+              <a:rPr lang="nb-NO"/>
+              <a:t>Tredje nivå</a:t>
             </a:r>
           </a:p>
           <a:p>
             <a:pPr lvl="3"/>
             <a:r>
-              <a:rPr lang="en-US"/>
-              <a:t>Fourth level</a:t>
+              <a:rPr lang="nb-NO"/>
+              <a:t>Fjerde nivå</a:t>
             </a:r>
           </a:p>
           <a:p>
             <a:pPr lvl="4"/>
             <a:r>
-              <a:rPr lang="en-US"/>
-              <a:t>Fifth level</a:t>
+              <a:rPr lang="nb-NO"/>
+              <a:t>Femte nivå</a:t>
             </a:r>
             <a:endParaRPr lang="en-US" dirty="0"/>
           </a:p>
@@ -1903,7 +1908,7 @@
           <a:p>
             <a:fld id="{2B324E1D-5BFC-4A26-948C-815C71133AD7}" type="datetimeFigureOut">
               <a:rPr lang="en-US" smtClean="0"/>
-              <a:t>10/25/2022</a:t>
+              <a:t>10/31/2022</a:t>
             </a:fld>
             <a:endParaRPr lang="en-US"/>
           </a:p>
@@ -1954,7 +1959,7 @@
     </p:spTree>
     <p:extLst>
       <p:ext uri="{BB962C8B-B14F-4D97-AF65-F5344CB8AC3E}">
-        <p14:creationId xmlns:p14="http://schemas.microsoft.com/office/powerpoint/2010/main" val="4250533207"/>
+        <p14:creationId xmlns:p14="http://schemas.microsoft.com/office/powerpoint/2010/main" val="3714789659"/>
       </p:ext>
     </p:extLst>
   </p:cSld>
@@ -1966,7 +1971,7 @@
 
 <file path=ppt/slideLayouts/slideLayout6.xml><?xml version="1.0" encoding="utf-8"?>
 <p:sldLayout xmlns:a="http://schemas.openxmlformats.org/drawingml/2006/main" xmlns:r="http://schemas.openxmlformats.org/officeDocument/2006/relationships" xmlns:p="http://schemas.openxmlformats.org/presentationml/2006/main" type="titleOnly" preserve="1">
-  <p:cSld name="Title Only">
+  <p:cSld name="Bare tittel">
     <p:spTree>
       <p:nvGrpSpPr>
         <p:cNvPr id="1" name=""/>
@@ -1997,8 +2002,8 @@
           <a:lstStyle/>
           <a:p>
             <a:r>
-              <a:rPr lang="en-US"/>
-              <a:t>Click to edit Master title style</a:t>
+              <a:rPr lang="nb-NO"/>
+              <a:t>Klikk for å redigere tittelstil</a:t>
             </a:r>
             <a:endParaRPr lang="en-US" dirty="0"/>
           </a:p>
@@ -2021,7 +2026,7 @@
           <a:p>
             <a:fld id="{2B324E1D-5BFC-4A26-948C-815C71133AD7}" type="datetimeFigureOut">
               <a:rPr lang="en-US" smtClean="0"/>
-              <a:t>10/25/2022</a:t>
+              <a:t>10/31/2022</a:t>
             </a:fld>
             <a:endParaRPr lang="en-US"/>
           </a:p>
@@ -2072,7 +2077,7 @@
     </p:spTree>
     <p:extLst>
       <p:ext uri="{BB962C8B-B14F-4D97-AF65-F5344CB8AC3E}">
-        <p14:creationId xmlns:p14="http://schemas.microsoft.com/office/powerpoint/2010/main" val="573716345"/>
+        <p14:creationId xmlns:p14="http://schemas.microsoft.com/office/powerpoint/2010/main" val="2459390843"/>
       </p:ext>
     </p:extLst>
   </p:cSld>
@@ -2084,7 +2089,7 @@
 
 <file path=ppt/slideLayouts/slideLayout7.xml><?xml version="1.0" encoding="utf-8"?>
 <p:sldLayout xmlns:a="http://schemas.openxmlformats.org/drawingml/2006/main" xmlns:r="http://schemas.openxmlformats.org/officeDocument/2006/relationships" xmlns:p="http://schemas.openxmlformats.org/presentationml/2006/main" type="blank" preserve="1">
-  <p:cSld name="Blank">
+  <p:cSld name="Tomt">
     <p:spTree>
       <p:nvGrpSpPr>
         <p:cNvPr id="1" name=""/>
@@ -2116,7 +2121,7 @@
           <a:p>
             <a:fld id="{2B324E1D-5BFC-4A26-948C-815C71133AD7}" type="datetimeFigureOut">
               <a:rPr lang="en-US" smtClean="0"/>
-              <a:t>10/25/2022</a:t>
+              <a:t>10/31/2022</a:t>
             </a:fld>
             <a:endParaRPr lang="en-US"/>
           </a:p>
@@ -2167,7 +2172,7 @@
     </p:spTree>
     <p:extLst>
       <p:ext uri="{BB962C8B-B14F-4D97-AF65-F5344CB8AC3E}">
-        <p14:creationId xmlns:p14="http://schemas.microsoft.com/office/powerpoint/2010/main" val="2047510797"/>
+        <p14:creationId xmlns:p14="http://schemas.microsoft.com/office/powerpoint/2010/main" val="3819644959"/>
       </p:ext>
     </p:extLst>
   </p:cSld>
@@ -2179,7 +2184,7 @@
 
 <file path=ppt/slideLayouts/slideLayout8.xml><?xml version="1.0" encoding="utf-8"?>
 <p:sldLayout xmlns:a="http://schemas.openxmlformats.org/drawingml/2006/main" xmlns:r="http://schemas.openxmlformats.org/officeDocument/2006/relationships" xmlns:p="http://schemas.openxmlformats.org/presentationml/2006/main" type="objTx" preserve="1">
-  <p:cSld name="Content with Caption">
+  <p:cSld name="Innhold med tekst">
     <p:spTree>
       <p:nvGrpSpPr>
         <p:cNvPr id="1" name=""/>
@@ -2221,8 +2226,8 @@
           </a:lstStyle>
           <a:p>
             <a:r>
-              <a:rPr lang="en-US"/>
-              <a:t>Click to edit Master title style</a:t>
+              <a:rPr lang="nb-NO"/>
+              <a:t>Klikk for å redigere tittelstil</a:t>
             </a:r>
             <a:endParaRPr lang="en-US" dirty="0"/>
           </a:p>
@@ -2278,36 +2283,36 @@
           <a:p>
             <a:pPr lvl="0"/>
             <a:r>
-              <a:rPr lang="en-US"/>
-              <a:t>Click to edit Master text styles</a:t>
+              <a:rPr lang="nb-NO"/>
+              <a:t>Klikk for å redigere tekststiler i malen</a:t>
             </a:r>
           </a:p>
           <a:p>
             <a:pPr lvl="1"/>
             <a:r>
-              <a:rPr lang="en-US"/>
-              <a:t>Second level</a:t>
+              <a:rPr lang="nb-NO"/>
+              <a:t>Andre nivå</a:t>
             </a:r>
           </a:p>
           <a:p>
             <a:pPr lvl="2"/>
             <a:r>
-              <a:rPr lang="en-US"/>
-              <a:t>Third level</a:t>
+              <a:rPr lang="nb-NO"/>
+              <a:t>Tredje nivå</a:t>
             </a:r>
           </a:p>
           <a:p>
             <a:pPr lvl="3"/>
             <a:r>
-              <a:rPr lang="en-US"/>
-              <a:t>Fourth level</a:t>
+              <a:rPr lang="nb-NO"/>
+              <a:t>Fjerde nivå</a:t>
             </a:r>
           </a:p>
           <a:p>
             <a:pPr lvl="4"/>
             <a:r>
-              <a:rPr lang="en-US"/>
-              <a:t>Fifth level</a:t>
+              <a:rPr lang="nb-NO"/>
+              <a:t>Femte nivå</a:t>
             </a:r>
             <a:endParaRPr lang="en-US" dirty="0"/>
           </a:p>
@@ -2380,8 +2385,8 @@
           <a:p>
             <a:pPr lvl="0"/>
             <a:r>
-              <a:rPr lang="en-US"/>
-              <a:t>Click to edit Master text styles</a:t>
+              <a:rPr lang="nb-NO"/>
+              <a:t>Klikk for å redigere tekststiler i malen</a:t>
             </a:r>
           </a:p>
         </p:txBody>
@@ -2403,7 +2408,7 @@
           <a:p>
             <a:fld id="{2B324E1D-5BFC-4A26-948C-815C71133AD7}" type="datetimeFigureOut">
               <a:rPr lang="en-US" smtClean="0"/>
-              <a:t>10/25/2022</a:t>
+              <a:t>10/31/2022</a:t>
             </a:fld>
             <a:endParaRPr lang="en-US"/>
           </a:p>
@@ -2454,7 +2459,7 @@
     </p:spTree>
     <p:extLst>
       <p:ext uri="{BB962C8B-B14F-4D97-AF65-F5344CB8AC3E}">
-        <p14:creationId xmlns:p14="http://schemas.microsoft.com/office/powerpoint/2010/main" val="1985659513"/>
+        <p14:creationId xmlns:p14="http://schemas.microsoft.com/office/powerpoint/2010/main" val="2572474412"/>
       </p:ext>
     </p:extLst>
   </p:cSld>
@@ -2466,7 +2471,7 @@
 
 <file path=ppt/slideLayouts/slideLayout9.xml><?xml version="1.0" encoding="utf-8"?>
 <p:sldLayout xmlns:a="http://schemas.openxmlformats.org/drawingml/2006/main" xmlns:r="http://schemas.openxmlformats.org/officeDocument/2006/relationships" xmlns:p="http://schemas.openxmlformats.org/presentationml/2006/main" type="picTx" preserve="1">
-  <p:cSld name="Picture with Caption">
+  <p:cSld name="Bilde med tekst">
     <p:spTree>
       <p:nvGrpSpPr>
         <p:cNvPr id="1" name=""/>
@@ -2550,8 +2555,8 @@
           </a:lstStyle>
           <a:p>
             <a:r>
-              <a:rPr lang="en-US"/>
-              <a:t>Click to edit Master title style</a:t>
+              <a:rPr lang="nb-NO"/>
+              <a:t>Klikk for å redigere tittelstil</a:t>
             </a:r>
             <a:endParaRPr lang="en-US" dirty="0"/>
           </a:p>
@@ -2622,8 +2627,8 @@
           </a:lstStyle>
           <a:p>
             <a:r>
-              <a:rPr lang="en-US"/>
-              <a:t>Click icon to add picture</a:t>
+              <a:rPr lang="nb-NO"/>
+              <a:t>Klikk på ikonet for å legge til et bilde</a:t>
             </a:r>
             <a:endParaRPr lang="en-US" dirty="0"/>
           </a:p>
@@ -2702,8 +2707,8 @@
           <a:p>
             <a:pPr lvl="0"/>
             <a:r>
-              <a:rPr lang="en-US"/>
-              <a:t>Click to edit Master text styles</a:t>
+              <a:rPr lang="nb-NO"/>
+              <a:t>Klikk for å redigere tekststiler i malen</a:t>
             </a:r>
           </a:p>
         </p:txBody>
@@ -2725,7 +2730,7 @@
           <a:p>
             <a:fld id="{2B324E1D-5BFC-4A26-948C-815C71133AD7}" type="datetimeFigureOut">
               <a:rPr lang="en-US" smtClean="0"/>
-              <a:t>10/25/2022</a:t>
+              <a:t>10/31/2022</a:t>
             </a:fld>
             <a:endParaRPr lang="en-US"/>
           </a:p>
@@ -2776,7 +2781,7 @@
     </p:spTree>
     <p:extLst>
       <p:ext uri="{BB962C8B-B14F-4D97-AF65-F5344CB8AC3E}">
-        <p14:creationId xmlns:p14="http://schemas.microsoft.com/office/powerpoint/2010/main" val="1645434160"/>
+        <p14:creationId xmlns:p14="http://schemas.microsoft.com/office/powerpoint/2010/main" val="3396202165"/>
       </p:ext>
     </p:extLst>
   </p:cSld>
@@ -2874,8 +2879,8 @@
           <a:lstStyle/>
           <a:p>
             <a:r>
-              <a:rPr lang="en-US"/>
-              <a:t>Click to edit Master title style</a:t>
+              <a:rPr lang="nb-NO"/>
+              <a:t>Klikk for å redigere tittelstil</a:t>
             </a:r>
             <a:endParaRPr lang="en-US" dirty="0"/>
           </a:p>
@@ -2908,36 +2913,36 @@
           <a:p>
             <a:pPr lvl="0"/>
             <a:r>
-              <a:rPr lang="en-US"/>
-              <a:t>Click to edit Master text styles</a:t>
+              <a:rPr lang="nb-NO"/>
+              <a:t>Klikk for å redigere tekststiler i malen</a:t>
             </a:r>
           </a:p>
           <a:p>
             <a:pPr lvl="1"/>
             <a:r>
-              <a:rPr lang="en-US"/>
-              <a:t>Second level</a:t>
+              <a:rPr lang="nb-NO"/>
+              <a:t>Andre nivå</a:t>
             </a:r>
           </a:p>
           <a:p>
             <a:pPr lvl="2"/>
             <a:r>
-              <a:rPr lang="en-US"/>
-              <a:t>Third level</a:t>
+              <a:rPr lang="nb-NO"/>
+              <a:t>Tredje nivå</a:t>
             </a:r>
           </a:p>
           <a:p>
             <a:pPr lvl="3"/>
             <a:r>
-              <a:rPr lang="en-US"/>
-              <a:t>Fourth level</a:t>
+              <a:rPr lang="nb-NO"/>
+              <a:t>Fjerde nivå</a:t>
             </a:r>
           </a:p>
           <a:p>
             <a:pPr lvl="4"/>
             <a:r>
-              <a:rPr lang="en-US"/>
-              <a:t>Fifth level</a:t>
+              <a:rPr lang="nb-NO"/>
+              <a:t>Femte nivå</a:t>
             </a:r>
             <a:endParaRPr lang="en-US" dirty="0"/>
           </a:p>
@@ -2979,7 +2984,7 @@
           <a:p>
             <a:fld id="{2B324E1D-5BFC-4A26-948C-815C71133AD7}" type="datetimeFigureOut">
               <a:rPr lang="en-US" smtClean="0"/>
-              <a:t>10/25/2022</a:t>
+              <a:t>10/31/2022</a:t>
             </a:fld>
             <a:endParaRPr lang="en-US"/>
           </a:p>
@@ -3070,23 +3075,23 @@
     </p:spTree>
     <p:extLst>
       <p:ext uri="{BB962C8B-B14F-4D97-AF65-F5344CB8AC3E}">
-        <p14:creationId xmlns:p14="http://schemas.microsoft.com/office/powerpoint/2010/main" val="478362975"/>
+        <p14:creationId xmlns:p14="http://schemas.microsoft.com/office/powerpoint/2010/main" val="2083624275"/>
       </p:ext>
     </p:extLst>
   </p:cSld>
   <p:clrMap bg1="lt1" tx1="dk1" bg2="lt2" tx2="dk2" accent1="accent1" accent2="accent2" accent3="accent3" accent4="accent4" accent5="accent5" accent6="accent6" hlink="hlink" folHlink="folHlink"/>
   <p:sldLayoutIdLst>
-    <p:sldLayoutId id="2147483817" r:id="rId1"/>
-    <p:sldLayoutId id="2147483818" r:id="rId2"/>
-    <p:sldLayoutId id="2147483819" r:id="rId3"/>
-    <p:sldLayoutId id="2147483820" r:id="rId4"/>
-    <p:sldLayoutId id="2147483821" r:id="rId5"/>
-    <p:sldLayoutId id="2147483822" r:id="rId6"/>
-    <p:sldLayoutId id="2147483823" r:id="rId7"/>
-    <p:sldLayoutId id="2147483824" r:id="rId8"/>
-    <p:sldLayoutId id="2147483825" r:id="rId9"/>
-    <p:sldLayoutId id="2147483826" r:id="rId10"/>
-    <p:sldLayoutId id="2147483827" r:id="rId11"/>
+    <p:sldLayoutId id="2147483856" r:id="rId1"/>
+    <p:sldLayoutId id="2147483857" r:id="rId2"/>
+    <p:sldLayoutId id="2147483858" r:id="rId3"/>
+    <p:sldLayoutId id="2147483859" r:id="rId4"/>
+    <p:sldLayoutId id="2147483860" r:id="rId5"/>
+    <p:sldLayoutId id="2147483861" r:id="rId6"/>
+    <p:sldLayoutId id="2147483862" r:id="rId7"/>
+    <p:sldLayoutId id="2147483863" r:id="rId8"/>
+    <p:sldLayoutId id="2147483864" r:id="rId9"/>
+    <p:sldLayoutId id="2147483865" r:id="rId10"/>
+    <p:sldLayoutId id="2147483866" r:id="rId11"/>
   </p:sldLayoutIdLst>
   <p:txStyles>
     <p:titleStyle>
@@ -3518,10 +3523,7 @@
           <a:bodyPr/>
           <a:lstStyle/>
           <a:p>
-            <a:r>
-              <a:rPr lang="en-US" noProof="0" dirty="0"/>
-              <a:t>Master’s thesis defense by Karl Henrik Fredly</a:t>
-            </a:r>
+            <a:endParaRPr lang="en-US" noProof="0" dirty="0"/>
           </a:p>
         </p:txBody>
       </p:sp>
@@ -3577,9 +3579,10 @@
           <a:lstStyle/>
           <a:p>
             <a:r>
-              <a:rPr lang="en-US" noProof="0" dirty="0"/>
+              <a:rPr lang="en-US" noProof="0"/>
               <a:t>Our trial wave function</a:t>
             </a:r>
+            <a:endParaRPr lang="en-US" noProof="0" dirty="0"/>
           </a:p>
         </p:txBody>
       </p:sp>
@@ -3604,7 +3607,7 @@
           <a:bodyPr/>
           <a:lstStyle/>
           <a:p>
-            <a:endParaRPr lang="en-US"/>
+            <a:endParaRPr lang="en-US" dirty="0"/>
           </a:p>
         </p:txBody>
       </p:sp>
@@ -4393,10 +4396,10 @@
       </p:grpSpPr>
       <p:sp>
         <p:nvSpPr>
-          <p:cNvPr id="2" name="Title 1">
+          <p:cNvPr id="2" name="Tittel 1">
             <a:extLst>
               <a:ext uri="{FF2B5EF4-FFF2-40B4-BE49-F238E27FC236}">
-                <a16:creationId xmlns:a16="http://schemas.microsoft.com/office/drawing/2014/main" id="{74043427-3212-635F-7412-AF4FEF5AD051}"/>
+                <a16:creationId xmlns:a16="http://schemas.microsoft.com/office/drawing/2014/main" id="{AD05931B-027F-F607-D453-E51343F31B8A}"/>
               </a:ext>
             </a:extLst>
           </p:cNvPr>
@@ -4413,18 +4416,19 @@
           <a:lstStyle/>
           <a:p>
             <a:r>
-              <a:rPr lang="en-US" noProof="0" dirty="0"/>
-              <a:t>Quantum Dots</a:t>
-            </a:r>
-          </a:p>
-        </p:txBody>
-      </p:sp>
-      <p:sp>
-        <p:nvSpPr>
-          <p:cNvPr id="3" name="Content Placeholder 2">
+              <a:rPr lang="nb-NO" dirty="0" err="1"/>
+              <a:t>Overview</a:t>
+            </a:r>
+            <a:endParaRPr lang="en-US" dirty="0"/>
+          </a:p>
+        </p:txBody>
+      </p:sp>
+      <p:sp>
+        <p:nvSpPr>
+          <p:cNvPr id="3" name="Plassholder for innhold 2">
             <a:extLst>
               <a:ext uri="{FF2B5EF4-FFF2-40B4-BE49-F238E27FC236}">
-                <a16:creationId xmlns:a16="http://schemas.microsoft.com/office/drawing/2014/main" id="{8678EA26-4E0A-756E-BB1D-C05A7B0651CF}"/>
+                <a16:creationId xmlns:a16="http://schemas.microsoft.com/office/drawing/2014/main" id="{F8A73E80-4057-AAE8-569E-9600E63383B5}"/>
               </a:ext>
             </a:extLst>
           </p:cNvPr>
@@ -4440,38 +4444,98 @@
           <a:bodyPr/>
           <a:lstStyle/>
           <a:p>
-            <a:r>
-              <a:rPr lang="nb-NO" dirty="0"/>
-              <a:t>Electrons </a:t>
-            </a:r>
-            <a:r>
-              <a:rPr lang="nb-NO" dirty="0" err="1"/>
-              <a:t>trapped</a:t>
-            </a:r>
-            <a:r>
-              <a:rPr lang="nb-NO" dirty="0"/>
-              <a:t> in a </a:t>
-            </a:r>
-            <a:r>
-              <a:rPr lang="nb-NO" dirty="0" err="1"/>
-              <a:t>Harmonic</a:t>
-            </a:r>
-            <a:r>
-              <a:rPr lang="nb-NO" dirty="0"/>
-              <a:t> </a:t>
-            </a:r>
-            <a:r>
-              <a:rPr lang="nb-NO"/>
-              <a:t>Potential</a:t>
-            </a:r>
-            <a:endParaRPr lang="en-US"/>
+            <a:pPr marL="0" indent="0">
+              <a:buNone/>
+            </a:pPr>
+            <a:r>
+              <a:rPr lang="en-US" sz="1800" noProof="0" dirty="0"/>
+              <a:t>   System we want to solve:</a:t>
+            </a:r>
+            <a:endParaRPr lang="en-US" sz="1800" b="1" noProof="0" dirty="0"/>
+          </a:p>
+          <a:p>
+            <a:r>
+              <a:rPr lang="en-US" sz="1800" b="1" noProof="0" dirty="0"/>
+              <a:t>Quantum Dots </a:t>
+            </a:r>
+            <a:r>
+              <a:rPr lang="en-US" sz="1800" noProof="0" dirty="0"/>
+              <a:t>- Trapped electrons</a:t>
+            </a:r>
+          </a:p>
+          <a:p>
+            <a:endParaRPr lang="en-US" sz="1800" noProof="0" dirty="0"/>
+          </a:p>
+          <a:p>
+            <a:pPr marL="0" indent="0">
+              <a:buNone/>
+            </a:pPr>
+            <a:r>
+              <a:rPr lang="en-US" dirty="0"/>
+              <a:t>   Methods we will use to solve it:</a:t>
+            </a:r>
+          </a:p>
+          <a:p>
+            <a:r>
+              <a:rPr lang="en-US" sz="1800" noProof="0" dirty="0"/>
+              <a:t>Hartree-</a:t>
+            </a:r>
+            <a:r>
+              <a:rPr lang="en-US" sz="1800" noProof="0" dirty="0" err="1"/>
+              <a:t>Fock</a:t>
+            </a:r>
+            <a:r>
+              <a:rPr lang="en-US" sz="1800" noProof="0" dirty="0"/>
+              <a:t> – Simple solution, useful starting point</a:t>
+            </a:r>
+          </a:p>
+          <a:p>
+            <a:r>
+              <a:rPr lang="en-US" b="1" dirty="0"/>
+              <a:t>Coupled Cluster </a:t>
+            </a:r>
+            <a:r>
+              <a:rPr lang="en-US" dirty="0"/>
+              <a:t>– Builds on Hartree-</a:t>
+            </a:r>
+            <a:r>
+              <a:rPr lang="en-US" dirty="0" err="1"/>
+              <a:t>Fock</a:t>
+            </a:r>
+            <a:r>
+              <a:rPr lang="en-US" dirty="0"/>
+              <a:t>, fast and accurate</a:t>
+            </a:r>
+            <a:endParaRPr lang="en-US" sz="1800" noProof="0" dirty="0"/>
+          </a:p>
+          <a:p>
+            <a:r>
+              <a:rPr lang="en-US" dirty="0"/>
+              <a:t>Variational Monte Carlo – Can optimize any function towards being a good solution: In our case a combination of Hartree-</a:t>
+            </a:r>
+            <a:r>
+              <a:rPr lang="en-US" dirty="0" err="1"/>
+              <a:t>Fock</a:t>
+            </a:r>
+            <a:r>
+              <a:rPr lang="en-US" dirty="0"/>
+              <a:t> and a </a:t>
+            </a:r>
+            <a:r>
+              <a:rPr lang="en-US" b="1" dirty="0"/>
+              <a:t>Neural Network</a:t>
+            </a:r>
+            <a:endParaRPr lang="en-US" sz="1800" b="1" noProof="0" dirty="0"/>
+          </a:p>
+          <a:p>
+            <a:endParaRPr lang="en-US" dirty="0"/>
           </a:p>
         </p:txBody>
       </p:sp>
     </p:spTree>
     <p:extLst>
       <p:ext uri="{BB962C8B-B14F-4D97-AF65-F5344CB8AC3E}">
-        <p14:creationId xmlns:p14="http://schemas.microsoft.com/office/powerpoint/2010/main" val="3443197157"/>
+        <p14:creationId xmlns:p14="http://schemas.microsoft.com/office/powerpoint/2010/main" val="3723907965"/>
       </p:ext>
     </p:extLst>
   </p:cSld>
@@ -4586,7 +4650,7 @@
           <p:cNvPr id="2" name="Title 1">
             <a:extLst>
               <a:ext uri="{FF2B5EF4-FFF2-40B4-BE49-F238E27FC236}">
-                <a16:creationId xmlns:a16="http://schemas.microsoft.com/office/drawing/2014/main" id="{1F7C74C9-6C68-F353-9856-8598C7746238}"/>
+                <a16:creationId xmlns:a16="http://schemas.microsoft.com/office/drawing/2014/main" id="{74043427-3212-635F-7412-AF4FEF5AD051}"/>
               </a:ext>
             </a:extLst>
           </p:cNvPr>
@@ -4604,7 +4668,7 @@
           <a:p>
             <a:r>
               <a:rPr lang="en-US" noProof="0" dirty="0"/>
-              <a:t>Coupled Cluster</a:t>
+              <a:t>Quantum Dots</a:t>
             </a:r>
           </a:p>
         </p:txBody>
@@ -4614,7 +4678,7 @@
           <p:cNvPr id="3" name="Content Placeholder 2">
             <a:extLst>
               <a:ext uri="{FF2B5EF4-FFF2-40B4-BE49-F238E27FC236}">
-                <a16:creationId xmlns:a16="http://schemas.microsoft.com/office/drawing/2014/main" id="{B5C213DA-2D7B-C2A2-A1B8-96767B69CB55}"/>
+                <a16:creationId xmlns:a16="http://schemas.microsoft.com/office/drawing/2014/main" id="{8678EA26-4E0A-756E-BB1D-C05A7B0651CF}"/>
               </a:ext>
             </a:extLst>
           </p:cNvPr>
@@ -4625,19 +4689,218 @@
             <p:ph idx="1"/>
           </p:nvPr>
         </p:nvSpPr>
-        <p:spPr/>
-        <p:txBody>
-          <a:bodyPr/>
-          <a:lstStyle/>
-          <a:p>
-            <a:endParaRPr lang="en-US"/>
-          </a:p>
-        </p:txBody>
-      </p:sp>
+        <p:spPr>
+          <a:xfrm>
+            <a:off x="1261872" y="1828800"/>
+            <a:ext cx="4392479" cy="4351337"/>
+          </a:xfrm>
+        </p:spPr>
+        <p:txBody>
+          <a:bodyPr/>
+          <a:lstStyle/>
+          <a:p>
+            <a:r>
+              <a:rPr lang="nb-NO" dirty="0"/>
+              <a:t>Electrons </a:t>
+            </a:r>
+            <a:r>
+              <a:rPr lang="nb-NO" dirty="0" err="1"/>
+              <a:t>trapped</a:t>
+            </a:r>
+            <a:r>
+              <a:rPr lang="nb-NO" dirty="0"/>
+              <a:t> in a </a:t>
+            </a:r>
+            <a:r>
+              <a:rPr lang="nb-NO" dirty="0" err="1"/>
+              <a:t>Harmonic</a:t>
+            </a:r>
+            <a:r>
+              <a:rPr lang="nb-NO" dirty="0"/>
+              <a:t> </a:t>
+            </a:r>
+            <a:r>
+              <a:rPr lang="nb-NO" dirty="0" err="1"/>
+              <a:t>Potential</a:t>
+            </a:r>
+            <a:br>
+              <a:rPr lang="nb-NO" dirty="0"/>
+            </a:br>
+            <a:r>
+              <a:rPr lang="nb-NO" dirty="0"/>
+              <a:t>- The </a:t>
+            </a:r>
+            <a:r>
+              <a:rPr lang="nb-NO" dirty="0" err="1"/>
+              <a:t>potential</a:t>
+            </a:r>
+            <a:r>
+              <a:rPr lang="nb-NO" dirty="0"/>
+              <a:t> pulls them in</a:t>
+            </a:r>
+            <a:br>
+              <a:rPr lang="nb-NO" dirty="0"/>
+            </a:br>
+            <a:r>
+              <a:rPr lang="nb-NO" dirty="0"/>
+              <a:t>- The electrons </a:t>
+            </a:r>
+            <a:r>
+              <a:rPr lang="nb-NO" dirty="0" err="1"/>
+              <a:t>repel</a:t>
+            </a:r>
+            <a:r>
+              <a:rPr lang="nb-NO" dirty="0"/>
+              <a:t> </a:t>
+            </a:r>
+            <a:r>
+              <a:rPr lang="nb-NO" dirty="0" err="1"/>
+              <a:t>each</a:t>
+            </a:r>
+            <a:r>
+              <a:rPr lang="nb-NO" dirty="0"/>
+              <a:t> </a:t>
+            </a:r>
+            <a:r>
+              <a:rPr lang="nb-NO" dirty="0" err="1"/>
+              <a:t>other</a:t>
+            </a:r>
+            <a:endParaRPr lang="nb-NO" dirty="0"/>
+          </a:p>
+          <a:p>
+            <a:r>
+              <a:rPr lang="nb-NO" dirty="0"/>
+              <a:t>Good </a:t>
+            </a:r>
+            <a:r>
+              <a:rPr lang="nb-NO" dirty="0" err="1"/>
+              <a:t>approximation</a:t>
+            </a:r>
+            <a:r>
+              <a:rPr lang="nb-NO" dirty="0"/>
+              <a:t> to </a:t>
+            </a:r>
+            <a:r>
+              <a:rPr lang="nb-NO" dirty="0" err="1"/>
+              <a:t>other</a:t>
+            </a:r>
+            <a:r>
+              <a:rPr lang="nb-NO" dirty="0"/>
+              <a:t> </a:t>
+            </a:r>
+            <a:r>
+              <a:rPr lang="nb-NO" dirty="0" err="1"/>
+              <a:t>potentials</a:t>
+            </a:r>
+            <a:endParaRPr lang="nb-NO" dirty="0"/>
+          </a:p>
+          <a:p>
+            <a:r>
+              <a:rPr lang="nb-NO" dirty="0"/>
+              <a:t>Non-</a:t>
+            </a:r>
+            <a:r>
+              <a:rPr lang="nb-NO" dirty="0" err="1"/>
+              <a:t>interacting</a:t>
+            </a:r>
+            <a:r>
+              <a:rPr lang="nb-NO" dirty="0"/>
+              <a:t> case has an </a:t>
+            </a:r>
+            <a:r>
+              <a:rPr lang="nb-NO" dirty="0" err="1"/>
+              <a:t>exact</a:t>
+            </a:r>
+            <a:r>
+              <a:rPr lang="nb-NO" dirty="0"/>
+              <a:t> </a:t>
+            </a:r>
+            <a:r>
+              <a:rPr lang="nb-NO" dirty="0" err="1"/>
+              <a:t>analytical</a:t>
+            </a:r>
+            <a:r>
+              <a:rPr lang="nb-NO" dirty="0"/>
+              <a:t> </a:t>
+            </a:r>
+            <a:r>
+              <a:rPr lang="nb-NO" dirty="0" err="1"/>
+              <a:t>solution</a:t>
+            </a:r>
+            <a:endParaRPr lang="nb-NO" dirty="0"/>
+          </a:p>
+        </p:txBody>
+      </p:sp>
+      <p:pic>
+        <p:nvPicPr>
+          <p:cNvPr id="6" name="Bilde 5">
+            <a:extLst>
+              <a:ext uri="{FF2B5EF4-FFF2-40B4-BE49-F238E27FC236}">
+                <a16:creationId xmlns:a16="http://schemas.microsoft.com/office/drawing/2014/main" id="{9D9EE489-605E-42AB-9257-D01A17663F65}"/>
+              </a:ext>
+            </a:extLst>
+          </p:cNvPr>
+          <p:cNvPicPr>
+            <a:picLocks noChangeAspect="1"/>
+          </p:cNvPicPr>
+          <p:nvPr/>
+        </p:nvPicPr>
+        <p:blipFill>
+          <a:blip r:embed="rId2">
+            <a:extLst>
+              <a:ext uri="{28A0092B-C50C-407E-A947-70E740481C1C}">
+                <a14:useLocalDpi xmlns:a14="http://schemas.microsoft.com/office/drawing/2010/main" val="0"/>
+              </a:ext>
+            </a:extLst>
+          </a:blip>
+          <a:stretch>
+            <a:fillRect/>
+          </a:stretch>
+        </p:blipFill>
+        <p:spPr>
+          <a:xfrm>
+            <a:off x="6108192" y="3051626"/>
+            <a:ext cx="4324055" cy="2882703"/>
+          </a:xfrm>
+          <a:prstGeom prst="rect">
+            <a:avLst/>
+          </a:prstGeom>
+        </p:spPr>
+      </p:pic>
+      <p:pic>
+        <p:nvPicPr>
+          <p:cNvPr id="21" name="Bilde 20">
+            <a:extLst>
+              <a:ext uri="{FF2B5EF4-FFF2-40B4-BE49-F238E27FC236}">
+                <a16:creationId xmlns:a16="http://schemas.microsoft.com/office/drawing/2014/main" id="{B7372A06-10EC-CF47-63B9-1DDC9F6F71D7}"/>
+              </a:ext>
+            </a:extLst>
+          </p:cNvPr>
+          <p:cNvPicPr>
+            <a:picLocks noChangeAspect="1"/>
+          </p:cNvPicPr>
+          <p:nvPr/>
+        </p:nvPicPr>
+        <p:blipFill>
+          <a:blip r:embed="rId3"/>
+          <a:stretch>
+            <a:fillRect/>
+          </a:stretch>
+        </p:blipFill>
+        <p:spPr>
+          <a:xfrm>
+            <a:off x="5654351" y="1828800"/>
+            <a:ext cx="1262280" cy="977019"/>
+          </a:xfrm>
+          <a:prstGeom prst="rect">
+            <a:avLst/>
+          </a:prstGeom>
+        </p:spPr>
+      </p:pic>
     </p:spTree>
     <p:extLst>
       <p:ext uri="{BB962C8B-B14F-4D97-AF65-F5344CB8AC3E}">
-        <p14:creationId xmlns:p14="http://schemas.microsoft.com/office/powerpoint/2010/main" val="2550532346"/>
+        <p14:creationId xmlns:p14="http://schemas.microsoft.com/office/powerpoint/2010/main" val="3443197157"/>
       </p:ext>
     </p:extLst>
   </p:cSld>
@@ -4669,7 +4932,7 @@
           <p:cNvPr id="2" name="Title 1">
             <a:extLst>
               <a:ext uri="{FF2B5EF4-FFF2-40B4-BE49-F238E27FC236}">
-                <a16:creationId xmlns:a16="http://schemas.microsoft.com/office/drawing/2014/main" id="{B1E12DC7-49F9-A6C7-D63E-2221E2EB5EDB}"/>
+                <a16:creationId xmlns:a16="http://schemas.microsoft.com/office/drawing/2014/main" id="{224F0C93-FA87-15B9-97AE-671E52E36DA0}"/>
               </a:ext>
             </a:extLst>
           </p:cNvPr>
@@ -4687,8 +4950,13 @@
           <a:p>
             <a:r>
               <a:rPr lang="en-US" noProof="0" dirty="0"/>
-              <a:t>Neural Networks</a:t>
-            </a:r>
+              <a:t>The </a:t>
+            </a:r>
+            <a:r>
+              <a:rPr lang="en-US" dirty="0"/>
+              <a:t>Equation we want to solve</a:t>
+            </a:r>
+            <a:endParaRPr lang="en-US" noProof="0" dirty="0"/>
           </a:p>
         </p:txBody>
       </p:sp>
@@ -4697,7 +4965,7 @@
           <p:cNvPr id="3" name="Content Placeholder 2">
             <a:extLst>
               <a:ext uri="{FF2B5EF4-FFF2-40B4-BE49-F238E27FC236}">
-                <a16:creationId xmlns:a16="http://schemas.microsoft.com/office/drawing/2014/main" id="{2DE65328-0DD8-ECCA-A842-DBF06975A1B9}"/>
+                <a16:creationId xmlns:a16="http://schemas.microsoft.com/office/drawing/2014/main" id="{97BA2941-F018-5D42-C555-DD83118D9A89}"/>
               </a:ext>
             </a:extLst>
           </p:cNvPr>
@@ -4713,14 +4981,144 @@
           <a:bodyPr/>
           <a:lstStyle/>
           <a:p>
-            <a:endParaRPr lang="en-US"/>
-          </a:p>
-        </p:txBody>
-      </p:sp>
+            <a:r>
+              <a:rPr lang="nb-NO" dirty="0"/>
+              <a:t>The time-</a:t>
+            </a:r>
+            <a:r>
+              <a:rPr lang="nb-NO" dirty="0" err="1"/>
+              <a:t>independent</a:t>
+            </a:r>
+            <a:r>
+              <a:rPr lang="nb-NO" dirty="0"/>
+              <a:t> </a:t>
+            </a:r>
+            <a:r>
+              <a:rPr lang="nb-NO" dirty="0" err="1"/>
+              <a:t>electronic</a:t>
+            </a:r>
+            <a:r>
+              <a:rPr lang="nb-NO" dirty="0"/>
+              <a:t> </a:t>
+            </a:r>
+            <a:r>
+              <a:rPr lang="nb-NO" dirty="0" err="1"/>
+              <a:t>Schrödinger</a:t>
+            </a:r>
+            <a:r>
+              <a:rPr lang="nb-NO" dirty="0"/>
+              <a:t> </a:t>
+            </a:r>
+            <a:r>
+              <a:rPr lang="nb-NO" dirty="0" err="1"/>
+              <a:t>equation</a:t>
+            </a:r>
+            <a:endParaRPr lang="en-US" dirty="0"/>
+          </a:p>
+          <a:p>
+            <a:endParaRPr lang="en-US" dirty="0"/>
+          </a:p>
+          <a:p>
+            <a:endParaRPr lang="en-US" dirty="0"/>
+          </a:p>
+          <a:p>
+            <a:endParaRPr lang="en-US" dirty="0"/>
+          </a:p>
+          <a:p>
+            <a:endParaRPr lang="en-US" dirty="0"/>
+          </a:p>
+          <a:p>
+            <a:endParaRPr lang="en-US" dirty="0"/>
+          </a:p>
+          <a:p>
+            <a:r>
+              <a:rPr lang="en-US" dirty="0"/>
+              <a:t>The variational method</a:t>
+            </a:r>
+            <a:br>
+              <a:rPr lang="en-US" dirty="0"/>
+            </a:br>
+            <a:r>
+              <a:rPr lang="en-US" dirty="0"/>
+              <a:t>- Trial wave function</a:t>
+            </a:r>
+            <a:br>
+              <a:rPr lang="en-US" dirty="0"/>
+            </a:br>
+            <a:r>
+              <a:rPr lang="en-US" dirty="0"/>
+              <a:t>- Optimization</a:t>
+            </a:r>
+          </a:p>
+          <a:p>
+            <a:endParaRPr lang="en-US" dirty="0"/>
+          </a:p>
+        </p:txBody>
+      </p:sp>
+      <p:pic>
+        <p:nvPicPr>
+          <p:cNvPr id="5" name="Bilde 4">
+            <a:extLst>
+              <a:ext uri="{FF2B5EF4-FFF2-40B4-BE49-F238E27FC236}">
+                <a16:creationId xmlns:a16="http://schemas.microsoft.com/office/drawing/2014/main" id="{A926737E-0CE9-CB30-07AF-10945535551E}"/>
+              </a:ext>
+            </a:extLst>
+          </p:cNvPr>
+          <p:cNvPicPr>
+            <a:picLocks noChangeAspect="1"/>
+          </p:cNvPicPr>
+          <p:nvPr/>
+        </p:nvPicPr>
+        <p:blipFill>
+          <a:blip r:embed="rId2"/>
+          <a:stretch>
+            <a:fillRect/>
+          </a:stretch>
+        </p:blipFill>
+        <p:spPr>
+          <a:xfrm>
+            <a:off x="2033783" y="2706049"/>
+            <a:ext cx="5818794" cy="1766420"/>
+          </a:xfrm>
+          <a:prstGeom prst="rect">
+            <a:avLst/>
+          </a:prstGeom>
+        </p:spPr>
+      </p:pic>
+      <p:pic>
+        <p:nvPicPr>
+          <p:cNvPr id="7" name="Bilde 6">
+            <a:extLst>
+              <a:ext uri="{FF2B5EF4-FFF2-40B4-BE49-F238E27FC236}">
+                <a16:creationId xmlns:a16="http://schemas.microsoft.com/office/drawing/2014/main" id="{F2C5ED5E-30AE-0817-DF36-D3E6EB898F37}"/>
+              </a:ext>
+            </a:extLst>
+          </p:cNvPr>
+          <p:cNvPicPr>
+            <a:picLocks noChangeAspect="1"/>
+          </p:cNvPicPr>
+          <p:nvPr/>
+        </p:nvPicPr>
+        <p:blipFill>
+          <a:blip r:embed="rId3"/>
+          <a:stretch>
+            <a:fillRect/>
+          </a:stretch>
+        </p:blipFill>
+        <p:spPr>
+          <a:xfrm>
+            <a:off x="3538547" y="2142865"/>
+            <a:ext cx="2809266" cy="904270"/>
+          </a:xfrm>
+          <a:prstGeom prst="rect">
+            <a:avLst/>
+          </a:prstGeom>
+        </p:spPr>
+      </p:pic>
     </p:spTree>
     <p:extLst>
       <p:ext uri="{BB962C8B-B14F-4D97-AF65-F5344CB8AC3E}">
-        <p14:creationId xmlns:p14="http://schemas.microsoft.com/office/powerpoint/2010/main" val="2236621290"/>
+        <p14:creationId xmlns:p14="http://schemas.microsoft.com/office/powerpoint/2010/main" val="2448575732"/>
       </p:ext>
     </p:extLst>
   </p:cSld>
@@ -4793,10 +5191,98 @@
         </p:nvSpPr>
         <p:spPr/>
         <p:txBody>
-          <a:bodyPr/>
-          <a:lstStyle/>
-          <a:p>
-            <a:endParaRPr lang="en-US"/>
+          <a:bodyPr>
+            <a:normAutofit/>
+          </a:bodyPr>
+          <a:lstStyle/>
+          <a:p>
+            <a:pPr marL="342900" indent="-342900">
+              <a:buFont typeface="+mj-lt"/>
+              <a:buAutoNum type="arabicPeriod"/>
+            </a:pPr>
+            <a:r>
+              <a:rPr lang="en-GB" sz="2400" dirty="0"/>
+              <a:t>Implement a variational Monte Carlo code combining the Hartree-</a:t>
+            </a:r>
+            <a:r>
+              <a:rPr lang="en-GB" sz="2400" dirty="0" err="1"/>
+              <a:t>Fock</a:t>
+            </a:r>
+            <a:r>
+              <a:rPr lang="en-GB" sz="2400" dirty="0"/>
+              <a:t> solution with a neural network</a:t>
+            </a:r>
+            <a:endParaRPr lang="nb-NO" sz="2400" dirty="0"/>
+          </a:p>
+          <a:p>
+            <a:pPr marL="342900" indent="-342900">
+              <a:buFont typeface="+mj-lt"/>
+              <a:buAutoNum type="arabicPeriod"/>
+            </a:pPr>
+            <a:r>
+              <a:rPr lang="nb-NO" sz="2400" dirty="0" err="1"/>
+              <a:t>Implement</a:t>
+            </a:r>
+            <a:r>
+              <a:rPr lang="nb-NO" sz="2400" dirty="0"/>
+              <a:t> </a:t>
+            </a:r>
+            <a:r>
+              <a:rPr lang="nb-NO" sz="2400" dirty="0" err="1"/>
+              <a:t>the</a:t>
+            </a:r>
+            <a:r>
+              <a:rPr lang="nb-NO" sz="2400" dirty="0"/>
+              <a:t> </a:t>
+            </a:r>
+            <a:r>
+              <a:rPr lang="nb-NO" sz="2400" dirty="0" err="1"/>
+              <a:t>Hartree-Fock</a:t>
+            </a:r>
+            <a:r>
+              <a:rPr lang="nb-NO" sz="2400" dirty="0"/>
+              <a:t> and </a:t>
+            </a:r>
+            <a:r>
+              <a:rPr lang="nb-NO" sz="2400" dirty="0" err="1"/>
+              <a:t>Coupled</a:t>
+            </a:r>
+            <a:r>
+              <a:rPr lang="nb-NO" sz="2400" dirty="0"/>
+              <a:t> Cluster </a:t>
+            </a:r>
+            <a:r>
+              <a:rPr lang="nb-NO" sz="2400" dirty="0" err="1"/>
+              <a:t>methods</a:t>
+            </a:r>
+            <a:endParaRPr lang="nb-NO" sz="2400" dirty="0"/>
+          </a:p>
+          <a:p>
+            <a:pPr marL="342900" indent="-342900">
+              <a:buFont typeface="+mj-lt"/>
+              <a:buAutoNum type="arabicPeriod"/>
+            </a:pPr>
+            <a:r>
+              <a:rPr lang="nb-NO" sz="2400" dirty="0"/>
+              <a:t>Make </a:t>
+            </a:r>
+            <a:r>
+              <a:rPr lang="nb-NO" sz="2400" dirty="0" err="1"/>
+              <a:t>the</a:t>
+            </a:r>
+            <a:r>
+              <a:rPr lang="nb-NO" sz="2400" dirty="0"/>
+              <a:t> </a:t>
+            </a:r>
+            <a:r>
+              <a:rPr lang="nb-NO" sz="2400" dirty="0" err="1"/>
+              <a:t>code</a:t>
+            </a:r>
+            <a:r>
+              <a:rPr lang="nb-NO" sz="2400" dirty="0"/>
+              <a:t> really fast</a:t>
+            </a:r>
+            <a:endParaRPr lang="en-US" sz="2400" dirty="0"/>
           </a:p>
         </p:txBody>
       </p:sp>
@@ -4835,7 +5321,7 @@
           <p:cNvPr id="2" name="Title 1">
             <a:extLst>
               <a:ext uri="{FF2B5EF4-FFF2-40B4-BE49-F238E27FC236}">
-                <a16:creationId xmlns:a16="http://schemas.microsoft.com/office/drawing/2014/main" id="{224F0C93-FA87-15B9-97AE-671E52E36DA0}"/>
+                <a16:creationId xmlns:a16="http://schemas.microsoft.com/office/drawing/2014/main" id="{E82202D1-0B2A-0631-54E7-EF7887D8B123}"/>
               </a:ext>
             </a:extLst>
           </p:cNvPr>
@@ -4853,7 +5339,15 @@
           <a:p>
             <a:r>
               <a:rPr lang="en-US" noProof="0" dirty="0"/>
-              <a:t>The Schrödinger Equation</a:t>
+              <a:t>The Hartree-</a:t>
+            </a:r>
+            <a:r>
+              <a:rPr lang="en-US" noProof="0" dirty="0" err="1"/>
+              <a:t>Fock</a:t>
+            </a:r>
+            <a:r>
+              <a:rPr lang="en-US" noProof="0" dirty="0"/>
+              <a:t> Method</a:t>
             </a:r>
           </a:p>
         </p:txBody>
@@ -4863,7 +5357,7 @@
           <p:cNvPr id="3" name="Content Placeholder 2">
             <a:extLst>
               <a:ext uri="{FF2B5EF4-FFF2-40B4-BE49-F238E27FC236}">
-                <a16:creationId xmlns:a16="http://schemas.microsoft.com/office/drawing/2014/main" id="{97BA2941-F018-5D42-C555-DD83118D9A89}"/>
+                <a16:creationId xmlns:a16="http://schemas.microsoft.com/office/drawing/2014/main" id="{8635EFA5-0FFF-D7A1-0200-12AEBCCFABFF}"/>
               </a:ext>
             </a:extLst>
           </p:cNvPr>
@@ -4879,14 +5373,97 @@
           <a:bodyPr/>
           <a:lstStyle/>
           <a:p>
-            <a:endParaRPr lang="en-US"/>
-          </a:p>
-        </p:txBody>
-      </p:sp>
+            <a:r>
+              <a:rPr lang="nb-NO" dirty="0"/>
+              <a:t>A single </a:t>
+            </a:r>
+            <a:r>
+              <a:rPr lang="nb-NO" dirty="0" err="1"/>
+              <a:t>Slater</a:t>
+            </a:r>
+            <a:r>
+              <a:rPr lang="nb-NO" dirty="0"/>
+              <a:t> determinant</a:t>
+            </a:r>
+          </a:p>
+          <a:p>
+            <a:r>
+              <a:rPr lang="nb-NO" dirty="0"/>
+              <a:t>Combinations of </a:t>
+            </a:r>
+            <a:r>
+              <a:rPr lang="nb-NO" dirty="0" err="1"/>
+              <a:t>Harmonic</a:t>
+            </a:r>
+            <a:r>
+              <a:rPr lang="nb-NO" dirty="0"/>
+              <a:t> Oscillator basis </a:t>
+            </a:r>
+            <a:r>
+              <a:rPr lang="nb-NO" dirty="0" err="1"/>
+              <a:t>functions</a:t>
+            </a:r>
+            <a:endParaRPr lang="nb-NO" dirty="0"/>
+          </a:p>
+          <a:p>
+            <a:r>
+              <a:rPr lang="nb-NO" dirty="0" err="1"/>
+              <a:t>Optimize</a:t>
+            </a:r>
+            <a:r>
+              <a:rPr lang="nb-NO" dirty="0"/>
+              <a:t> </a:t>
+            </a:r>
+            <a:r>
+              <a:rPr lang="nb-NO" dirty="0" err="1"/>
+              <a:t>using</a:t>
+            </a:r>
+            <a:r>
+              <a:rPr lang="nb-NO" dirty="0"/>
+              <a:t> an iterative </a:t>
+            </a:r>
+            <a:r>
+              <a:rPr lang="nb-NO" dirty="0" err="1"/>
+              <a:t>scheme</a:t>
+            </a:r>
+            <a:endParaRPr lang="en-US" dirty="0"/>
+          </a:p>
+        </p:txBody>
+      </p:sp>
+      <p:pic>
+        <p:nvPicPr>
+          <p:cNvPr id="7" name="Bilde 6">
+            <a:extLst>
+              <a:ext uri="{FF2B5EF4-FFF2-40B4-BE49-F238E27FC236}">
+                <a16:creationId xmlns:a16="http://schemas.microsoft.com/office/drawing/2014/main" id="{A260D95A-C6BE-6B4E-C23E-2FED885D7676}"/>
+              </a:ext>
+            </a:extLst>
+          </p:cNvPr>
+          <p:cNvPicPr>
+            <a:picLocks noChangeAspect="1"/>
+          </p:cNvPicPr>
+          <p:nvPr/>
+        </p:nvPicPr>
+        <p:blipFill>
+          <a:blip r:embed="rId2"/>
+          <a:stretch>
+            <a:fillRect/>
+          </a:stretch>
+        </p:blipFill>
+        <p:spPr>
+          <a:xfrm>
+            <a:off x="1261872" y="3823298"/>
+            <a:ext cx="6323043" cy="2120301"/>
+          </a:xfrm>
+          <a:prstGeom prst="rect">
+            <a:avLst/>
+          </a:prstGeom>
+        </p:spPr>
+      </p:pic>
     </p:spTree>
     <p:extLst>
       <p:ext uri="{BB962C8B-B14F-4D97-AF65-F5344CB8AC3E}">
-        <p14:creationId xmlns:p14="http://schemas.microsoft.com/office/powerpoint/2010/main" val="2448575732"/>
+        <p14:creationId xmlns:p14="http://schemas.microsoft.com/office/powerpoint/2010/main" val="3801046699"/>
       </p:ext>
     </p:extLst>
   </p:cSld>
@@ -4918,7 +5495,7 @@
           <p:cNvPr id="2" name="Title 1">
             <a:extLst>
               <a:ext uri="{FF2B5EF4-FFF2-40B4-BE49-F238E27FC236}">
-                <a16:creationId xmlns:a16="http://schemas.microsoft.com/office/drawing/2014/main" id="{E82202D1-0B2A-0631-54E7-EF7887D8B123}"/>
+                <a16:creationId xmlns:a16="http://schemas.microsoft.com/office/drawing/2014/main" id="{1F7C74C9-6C68-F353-9856-8598C7746238}"/>
               </a:ext>
             </a:extLst>
           </p:cNvPr>
@@ -4936,15 +5513,7 @@
           <a:p>
             <a:r>
               <a:rPr lang="en-US" noProof="0" dirty="0"/>
-              <a:t>The Hartree-</a:t>
-            </a:r>
-            <a:r>
-              <a:rPr lang="en-US" noProof="0" dirty="0" err="1"/>
-              <a:t>Fock</a:t>
-            </a:r>
-            <a:r>
-              <a:rPr lang="en-US" noProof="0" dirty="0"/>
-              <a:t> Method</a:t>
+              <a:t>Coupled Cluster</a:t>
             </a:r>
           </a:p>
         </p:txBody>
@@ -4954,7 +5523,7 @@
           <p:cNvPr id="3" name="Content Placeholder 2">
             <a:extLst>
               <a:ext uri="{FF2B5EF4-FFF2-40B4-BE49-F238E27FC236}">
-                <a16:creationId xmlns:a16="http://schemas.microsoft.com/office/drawing/2014/main" id="{8635EFA5-0FFF-D7A1-0200-12AEBCCFABFF}"/>
+                <a16:creationId xmlns:a16="http://schemas.microsoft.com/office/drawing/2014/main" id="{B5C213DA-2D7B-C2A2-A1B8-96767B69CB55}"/>
               </a:ext>
             </a:extLst>
           </p:cNvPr>
@@ -4965,19 +5534,332 @@
             <p:ph idx="1"/>
           </p:nvPr>
         </p:nvSpPr>
-        <p:spPr/>
-        <p:txBody>
-          <a:bodyPr/>
-          <a:lstStyle/>
-          <a:p>
-            <a:endParaRPr lang="en-US"/>
-          </a:p>
-        </p:txBody>
-      </p:sp>
+        <p:spPr>
+          <a:xfrm>
+            <a:off x="1261871" y="1828800"/>
+            <a:ext cx="7154341" cy="4351337"/>
+          </a:xfrm>
+        </p:spPr>
+        <p:txBody>
+          <a:bodyPr/>
+          <a:lstStyle/>
+          <a:p>
+            <a:r>
+              <a:rPr lang="nb-NO" dirty="0"/>
+              <a:t>Linear combination of many </a:t>
+            </a:r>
+            <a:r>
+              <a:rPr lang="nb-NO" dirty="0" err="1"/>
+              <a:t>Slater</a:t>
+            </a:r>
+            <a:r>
+              <a:rPr lang="nb-NO" dirty="0"/>
+              <a:t> determinants</a:t>
+            </a:r>
+          </a:p>
+          <a:p>
+            <a:r>
+              <a:rPr lang="nb-NO" dirty="0" err="1"/>
+              <a:t>Written</a:t>
+            </a:r>
+            <a:r>
+              <a:rPr lang="nb-NO" dirty="0"/>
+              <a:t> in terms of combinations of just a few operators</a:t>
+            </a:r>
+          </a:p>
+          <a:p>
+            <a:endParaRPr lang="nb-NO" dirty="0"/>
+          </a:p>
+          <a:p>
+            <a:endParaRPr lang="nb-NO" dirty="0"/>
+          </a:p>
+          <a:p>
+            <a:endParaRPr lang="nb-NO" dirty="0"/>
+          </a:p>
+          <a:p>
+            <a:r>
+              <a:rPr lang="nb-NO" dirty="0"/>
+              <a:t>We </a:t>
+            </a:r>
+            <a:r>
+              <a:rPr lang="nb-NO" dirty="0" err="1"/>
+              <a:t>solve</a:t>
+            </a:r>
+            <a:r>
+              <a:rPr lang="nb-NO" dirty="0"/>
+              <a:t> an </a:t>
+            </a:r>
+            <a:r>
+              <a:rPr lang="nb-NO" dirty="0" err="1"/>
+              <a:t>equation</a:t>
+            </a:r>
+            <a:r>
+              <a:rPr lang="nb-NO" dirty="0"/>
+              <a:t> </a:t>
+            </a:r>
+            <a:r>
+              <a:rPr lang="nb-NO" dirty="0" err="1"/>
+              <a:t>close</a:t>
+            </a:r>
+            <a:r>
+              <a:rPr lang="nb-NO" dirty="0"/>
+              <a:t> to </a:t>
+            </a:r>
+            <a:r>
+              <a:rPr lang="nb-NO" dirty="0" err="1"/>
+              <a:t>the</a:t>
+            </a:r>
+            <a:r>
+              <a:rPr lang="nb-NO" dirty="0"/>
+              <a:t> </a:t>
+            </a:r>
+            <a:r>
+              <a:rPr lang="nb-NO" dirty="0" err="1"/>
+              <a:t>Schrödinger</a:t>
+            </a:r>
+            <a:r>
+              <a:rPr lang="nb-NO" dirty="0"/>
+              <a:t> </a:t>
+            </a:r>
+            <a:r>
+              <a:rPr lang="nb-NO" dirty="0" err="1"/>
+              <a:t>equation</a:t>
+            </a:r>
+            <a:endParaRPr lang="nb-NO" dirty="0"/>
+          </a:p>
+          <a:p>
+            <a:endParaRPr lang="nb-NO" dirty="0"/>
+          </a:p>
+          <a:p>
+            <a:endParaRPr lang="nb-NO" dirty="0"/>
+          </a:p>
+          <a:p>
+            <a:r>
+              <a:rPr lang="nb-NO" dirty="0" err="1"/>
+              <a:t>Often</a:t>
+            </a:r>
+            <a:r>
+              <a:rPr lang="nb-NO" dirty="0"/>
+              <a:t> </a:t>
+            </a:r>
+            <a:r>
+              <a:rPr lang="nb-NO" dirty="0" err="1"/>
+              <a:t>gives</a:t>
+            </a:r>
+            <a:r>
+              <a:rPr lang="nb-NO" dirty="0"/>
+              <a:t> a </a:t>
+            </a:r>
+            <a:r>
+              <a:rPr lang="nb-NO" dirty="0" err="1"/>
+              <a:t>very</a:t>
+            </a:r>
+            <a:r>
+              <a:rPr lang="nb-NO" dirty="0"/>
+              <a:t> </a:t>
+            </a:r>
+            <a:r>
+              <a:rPr lang="nb-NO" dirty="0" err="1"/>
+              <a:t>good</a:t>
+            </a:r>
+            <a:r>
+              <a:rPr lang="nb-NO" dirty="0"/>
+              <a:t> </a:t>
+            </a:r>
+            <a:r>
+              <a:rPr lang="nb-NO" dirty="0" err="1"/>
+              <a:t>estimate</a:t>
+            </a:r>
+            <a:r>
+              <a:rPr lang="nb-NO" dirty="0"/>
+              <a:t> for </a:t>
+            </a:r>
+            <a:r>
+              <a:rPr lang="nb-NO" dirty="0" err="1"/>
+              <a:t>the</a:t>
+            </a:r>
+            <a:r>
+              <a:rPr lang="nb-NO" dirty="0"/>
+              <a:t> </a:t>
+            </a:r>
+            <a:r>
+              <a:rPr lang="nb-NO" dirty="0" err="1"/>
+              <a:t>ground</a:t>
+            </a:r>
+            <a:r>
+              <a:rPr lang="nb-NO" dirty="0"/>
+              <a:t> </a:t>
+            </a:r>
+            <a:r>
+              <a:rPr lang="nb-NO" dirty="0" err="1"/>
+              <a:t>state</a:t>
+            </a:r>
+            <a:r>
+              <a:rPr lang="nb-NO" dirty="0"/>
+              <a:t> </a:t>
+            </a:r>
+            <a:r>
+              <a:rPr lang="nb-NO" dirty="0" err="1"/>
+              <a:t>energy</a:t>
+            </a:r>
+            <a:endParaRPr lang="nb-NO" dirty="0"/>
+          </a:p>
+        </p:txBody>
+      </p:sp>
+      <p:pic>
+        <p:nvPicPr>
+          <p:cNvPr id="13" name="Bilde 12">
+            <a:extLst>
+              <a:ext uri="{FF2B5EF4-FFF2-40B4-BE49-F238E27FC236}">
+                <a16:creationId xmlns:a16="http://schemas.microsoft.com/office/drawing/2014/main" id="{6652A13A-4E62-4309-F235-BD8CB3949542}"/>
+              </a:ext>
+            </a:extLst>
+          </p:cNvPr>
+          <p:cNvPicPr>
+            <a:picLocks noChangeAspect="1"/>
+          </p:cNvPicPr>
+          <p:nvPr/>
+        </p:nvPicPr>
+        <p:blipFill>
+          <a:blip r:embed="rId2"/>
+          <a:stretch>
+            <a:fillRect/>
+          </a:stretch>
+        </p:blipFill>
+        <p:spPr>
+          <a:xfrm>
+            <a:off x="900427" y="2570035"/>
+            <a:ext cx="8021169" cy="981212"/>
+          </a:xfrm>
+          <a:prstGeom prst="rect">
+            <a:avLst/>
+          </a:prstGeom>
+        </p:spPr>
+      </p:pic>
+      <p:pic>
+        <p:nvPicPr>
+          <p:cNvPr id="15" name="Bilde 14">
+            <a:extLst>
+              <a:ext uri="{FF2B5EF4-FFF2-40B4-BE49-F238E27FC236}">
+                <a16:creationId xmlns:a16="http://schemas.microsoft.com/office/drawing/2014/main" id="{4F2626D7-FAC7-E70E-E262-105C22B67D77}"/>
+              </a:ext>
+            </a:extLst>
+          </p:cNvPr>
+          <p:cNvPicPr>
+            <a:picLocks noChangeAspect="1"/>
+          </p:cNvPicPr>
+          <p:nvPr/>
+        </p:nvPicPr>
+        <p:blipFill>
+          <a:blip r:embed="rId3"/>
+          <a:stretch>
+            <a:fillRect/>
+          </a:stretch>
+        </p:blipFill>
+        <p:spPr>
+          <a:xfrm>
+            <a:off x="900427" y="3429000"/>
+            <a:ext cx="4153480" cy="771633"/>
+          </a:xfrm>
+          <a:prstGeom prst="rect">
+            <a:avLst/>
+          </a:prstGeom>
+        </p:spPr>
+      </p:pic>
+      <p:pic>
+        <p:nvPicPr>
+          <p:cNvPr id="21" name="Bilde 20">
+            <a:extLst>
+              <a:ext uri="{FF2B5EF4-FFF2-40B4-BE49-F238E27FC236}">
+                <a16:creationId xmlns:a16="http://schemas.microsoft.com/office/drawing/2014/main" id="{76AD1AB3-040A-7305-3515-A871791B1C59}"/>
+              </a:ext>
+            </a:extLst>
+          </p:cNvPr>
+          <p:cNvPicPr>
+            <a:picLocks noChangeAspect="1"/>
+          </p:cNvPicPr>
+          <p:nvPr/>
+        </p:nvPicPr>
+        <p:blipFill>
+          <a:blip r:embed="rId4"/>
+          <a:stretch>
+            <a:fillRect/>
+          </a:stretch>
+        </p:blipFill>
+        <p:spPr>
+          <a:xfrm>
+            <a:off x="4105291" y="4823363"/>
+            <a:ext cx="3000182" cy="472470"/>
+          </a:xfrm>
+          <a:prstGeom prst="rect">
+            <a:avLst/>
+          </a:prstGeom>
+        </p:spPr>
+      </p:pic>
+      <p:pic>
+        <p:nvPicPr>
+          <p:cNvPr id="23" name="Bilde 22">
+            <a:extLst>
+              <a:ext uri="{FF2B5EF4-FFF2-40B4-BE49-F238E27FC236}">
+                <a16:creationId xmlns:a16="http://schemas.microsoft.com/office/drawing/2014/main" id="{824F0BC1-ADFB-808A-FBC1-C62B83646EBB}"/>
+              </a:ext>
+            </a:extLst>
+          </p:cNvPr>
+          <p:cNvPicPr>
+            <a:picLocks noChangeAspect="1"/>
+          </p:cNvPicPr>
+          <p:nvPr/>
+        </p:nvPicPr>
+        <p:blipFill>
+          <a:blip r:embed="rId5"/>
+          <a:stretch>
+            <a:fillRect/>
+          </a:stretch>
+        </p:blipFill>
+        <p:spPr>
+          <a:xfrm>
+            <a:off x="214995" y="4823363"/>
+            <a:ext cx="3097763" cy="528117"/>
+          </a:xfrm>
+          <a:prstGeom prst="rect">
+            <a:avLst/>
+          </a:prstGeom>
+        </p:spPr>
+      </p:pic>
+      <p:pic>
+        <p:nvPicPr>
+          <p:cNvPr id="25" name="Bilde 24">
+            <a:extLst>
+              <a:ext uri="{FF2B5EF4-FFF2-40B4-BE49-F238E27FC236}">
+                <a16:creationId xmlns:a16="http://schemas.microsoft.com/office/drawing/2014/main" id="{927BDF54-FF54-1C45-846C-00CE21A38E36}"/>
+              </a:ext>
+            </a:extLst>
+          </p:cNvPr>
+          <p:cNvPicPr>
+            <a:picLocks noChangeAspect="1"/>
+          </p:cNvPicPr>
+          <p:nvPr/>
+        </p:nvPicPr>
+        <p:blipFill>
+          <a:blip r:embed="rId6"/>
+          <a:stretch>
+            <a:fillRect/>
+          </a:stretch>
+        </p:blipFill>
+        <p:spPr>
+          <a:xfrm>
+            <a:off x="7898006" y="4772499"/>
+            <a:ext cx="3000182" cy="574197"/>
+          </a:xfrm>
+          <a:prstGeom prst="rect">
+            <a:avLst/>
+          </a:prstGeom>
+        </p:spPr>
+      </p:pic>
     </p:spTree>
     <p:extLst>
       <p:ext uri="{BB962C8B-B14F-4D97-AF65-F5344CB8AC3E}">
-        <p14:creationId xmlns:p14="http://schemas.microsoft.com/office/powerpoint/2010/main" val="3801046699"/>
+        <p14:creationId xmlns:p14="http://schemas.microsoft.com/office/powerpoint/2010/main" val="2550532346"/>
       </p:ext>
     </p:extLst>
   </p:cSld>
@@ -5009,7 +5891,7 @@
           <p:cNvPr id="2" name="Title 1">
             <a:extLst>
               <a:ext uri="{FF2B5EF4-FFF2-40B4-BE49-F238E27FC236}">
-                <a16:creationId xmlns:a16="http://schemas.microsoft.com/office/drawing/2014/main" id="{502507E8-70FF-BB56-F01F-0CB1FAAA88A4}"/>
+                <a16:creationId xmlns:a16="http://schemas.microsoft.com/office/drawing/2014/main" id="{5E9A9262-9F18-AC45-BC4A-9D157493194D}"/>
               </a:ext>
             </a:extLst>
           </p:cNvPr>
@@ -5027,7 +5909,7 @@
           <a:p>
             <a:r>
               <a:rPr lang="en-US" noProof="0" dirty="0"/>
-              <a:t>The Coupled Cluster Method</a:t>
+              <a:t>Variational Monte Carlo</a:t>
             </a:r>
           </a:p>
         </p:txBody>
@@ -5037,7 +5919,7 @@
           <p:cNvPr id="3" name="Content Placeholder 2">
             <a:extLst>
               <a:ext uri="{FF2B5EF4-FFF2-40B4-BE49-F238E27FC236}">
-                <a16:creationId xmlns:a16="http://schemas.microsoft.com/office/drawing/2014/main" id="{BD0F44E1-A1B7-C319-3A12-066164310FFF}"/>
+                <a16:creationId xmlns:a16="http://schemas.microsoft.com/office/drawing/2014/main" id="{0DB09C29-0BA1-DC15-0143-F318A6518761}"/>
               </a:ext>
             </a:extLst>
           </p:cNvPr>
@@ -5053,14 +5935,14 @@
           <a:bodyPr/>
           <a:lstStyle/>
           <a:p>
-            <a:endParaRPr lang="en-US"/>
+            <a:endParaRPr lang="en-US" dirty="0"/>
           </a:p>
         </p:txBody>
       </p:sp>
     </p:spTree>
     <p:extLst>
       <p:ext uri="{BB962C8B-B14F-4D97-AF65-F5344CB8AC3E}">
-        <p14:creationId xmlns:p14="http://schemas.microsoft.com/office/powerpoint/2010/main" val="3616414256"/>
+        <p14:creationId xmlns:p14="http://schemas.microsoft.com/office/powerpoint/2010/main" val="3129863308"/>
       </p:ext>
     </p:extLst>
   </p:cSld>
@@ -5092,7 +5974,7 @@
           <p:cNvPr id="2" name="Title 1">
             <a:extLst>
               <a:ext uri="{FF2B5EF4-FFF2-40B4-BE49-F238E27FC236}">
-                <a16:creationId xmlns:a16="http://schemas.microsoft.com/office/drawing/2014/main" id="{5E9A9262-9F18-AC45-BC4A-9D157493194D}"/>
+                <a16:creationId xmlns:a16="http://schemas.microsoft.com/office/drawing/2014/main" id="{B1E12DC7-49F9-A6C7-D63E-2221E2EB5EDB}"/>
               </a:ext>
             </a:extLst>
           </p:cNvPr>
@@ -5110,7 +5992,7 @@
           <a:p>
             <a:r>
               <a:rPr lang="en-US" noProof="0" dirty="0"/>
-              <a:t>Variational Monte Carlo</a:t>
+              <a:t>Neural Networks</a:t>
             </a:r>
           </a:p>
         </p:txBody>
@@ -5120,7 +6002,7 @@
           <p:cNvPr id="3" name="Content Placeholder 2">
             <a:extLst>
               <a:ext uri="{FF2B5EF4-FFF2-40B4-BE49-F238E27FC236}">
-                <a16:creationId xmlns:a16="http://schemas.microsoft.com/office/drawing/2014/main" id="{0DB09C29-0BA1-DC15-0143-F318A6518761}"/>
+                <a16:creationId xmlns:a16="http://schemas.microsoft.com/office/drawing/2014/main" id="{2DE65328-0DD8-ECCA-A842-DBF06975A1B9}"/>
               </a:ext>
             </a:extLst>
           </p:cNvPr>
@@ -5131,19 +6013,177 @@
             <p:ph idx="1"/>
           </p:nvPr>
         </p:nvSpPr>
-        <p:spPr/>
-        <p:txBody>
-          <a:bodyPr/>
-          <a:lstStyle/>
-          <a:p>
-            <a:endParaRPr lang="en-US"/>
-          </a:p>
-        </p:txBody>
-      </p:sp>
+        <p:spPr>
+          <a:xfrm>
+            <a:off x="1261872" y="1828800"/>
+            <a:ext cx="4719050" cy="4351337"/>
+          </a:xfrm>
+        </p:spPr>
+        <p:txBody>
+          <a:bodyPr>
+            <a:normAutofit/>
+          </a:bodyPr>
+          <a:lstStyle/>
+          <a:p>
+            <a:r>
+              <a:rPr lang="nb-NO" dirty="0" err="1"/>
+              <a:t>Very</a:t>
+            </a:r>
+            <a:r>
+              <a:rPr lang="nb-NO" dirty="0"/>
+              <a:t> </a:t>
+            </a:r>
+            <a:r>
+              <a:rPr lang="nb-NO" dirty="0" err="1"/>
+              <a:t>flexible</a:t>
+            </a:r>
+            <a:r>
+              <a:rPr lang="nb-NO" dirty="0"/>
+              <a:t> </a:t>
+            </a:r>
+            <a:r>
+              <a:rPr lang="nb-NO" dirty="0" err="1"/>
+              <a:t>function</a:t>
+            </a:r>
+            <a:br>
+              <a:rPr lang="nb-NO" dirty="0"/>
+            </a:br>
+            <a:r>
+              <a:rPr lang="nb-NO" dirty="0"/>
+              <a:t>- The universal </a:t>
+            </a:r>
+            <a:r>
+              <a:rPr lang="nb-NO" dirty="0" err="1"/>
+              <a:t>approximation</a:t>
+            </a:r>
+            <a:r>
+              <a:rPr lang="nb-NO" dirty="0"/>
+              <a:t> </a:t>
+            </a:r>
+            <a:r>
+              <a:rPr lang="nb-NO" dirty="0" err="1"/>
+              <a:t>theorem</a:t>
+            </a:r>
+            <a:r>
+              <a:rPr lang="nb-NO" dirty="0"/>
+              <a:t>: «</a:t>
+            </a:r>
+            <a:r>
+              <a:rPr lang="nb-NO" dirty="0" err="1"/>
+              <a:t>Can</a:t>
+            </a:r>
+            <a:r>
+              <a:rPr lang="nb-NO" dirty="0"/>
+              <a:t> </a:t>
+            </a:r>
+            <a:r>
+              <a:rPr lang="nb-NO" dirty="0" err="1"/>
+              <a:t>approximate</a:t>
+            </a:r>
+            <a:r>
+              <a:rPr lang="nb-NO" dirty="0"/>
+              <a:t> any </a:t>
+            </a:r>
+            <a:r>
+              <a:rPr lang="nb-NO" dirty="0" err="1"/>
+              <a:t>function</a:t>
+            </a:r>
+            <a:r>
+              <a:rPr lang="nb-NO" dirty="0"/>
+              <a:t>»</a:t>
+            </a:r>
+          </a:p>
+          <a:p>
+            <a:r>
+              <a:rPr lang="nb-NO" dirty="0"/>
+              <a:t>Must be </a:t>
+            </a:r>
+            <a:r>
+              <a:rPr lang="nb-NO" dirty="0" err="1"/>
+              <a:t>optimized</a:t>
+            </a:r>
+            <a:endParaRPr lang="nb-NO" dirty="0"/>
+          </a:p>
+          <a:p>
+            <a:r>
+              <a:rPr lang="nb-NO" dirty="0"/>
+              <a:t>Has </a:t>
+            </a:r>
+            <a:r>
+              <a:rPr lang="nb-NO" dirty="0" err="1"/>
+              <a:t>shown</a:t>
+            </a:r>
+            <a:r>
+              <a:rPr lang="nb-NO" dirty="0"/>
+              <a:t> </a:t>
+            </a:r>
+            <a:r>
+              <a:rPr lang="nb-NO" dirty="0" err="1"/>
+              <a:t>great</a:t>
+            </a:r>
+            <a:r>
+              <a:rPr lang="nb-NO" dirty="0"/>
+              <a:t> </a:t>
+            </a:r>
+            <a:r>
+              <a:rPr lang="nb-NO" dirty="0" err="1"/>
+              <a:t>results</a:t>
+            </a:r>
+            <a:r>
+              <a:rPr lang="nb-NO" dirty="0"/>
+              <a:t> in many </a:t>
+            </a:r>
+            <a:r>
+              <a:rPr lang="nb-NO" dirty="0" err="1"/>
+              <a:t>fields</a:t>
+            </a:r>
+            <a:endParaRPr lang="nb-NO" dirty="0"/>
+          </a:p>
+        </p:txBody>
+      </p:sp>
+      <p:pic>
+        <p:nvPicPr>
+          <p:cNvPr id="5" name="Grafikk 4">
+            <a:extLst>
+              <a:ext uri="{FF2B5EF4-FFF2-40B4-BE49-F238E27FC236}">
+                <a16:creationId xmlns:a16="http://schemas.microsoft.com/office/drawing/2014/main" id="{01D8C0CF-6DB8-3E37-AB07-2820C91C39FC}"/>
+              </a:ext>
+            </a:extLst>
+          </p:cNvPr>
+          <p:cNvPicPr>
+            <a:picLocks noChangeAspect="1"/>
+          </p:cNvPicPr>
+          <p:nvPr/>
+        </p:nvPicPr>
+        <p:blipFill>
+          <a:blip r:embed="rId2">
+            <a:extLst>
+              <a:ext uri="{28A0092B-C50C-407E-A947-70E740481C1C}">
+                <a14:useLocalDpi xmlns:a14="http://schemas.microsoft.com/office/drawing/2010/main" val="0"/>
+              </a:ext>
+              <a:ext uri="{96DAC541-7B7A-43D3-8B79-37D633B846F1}">
+                <asvg:svgBlip xmlns:asvg="http://schemas.microsoft.com/office/drawing/2016/SVG/main" r:embed="rId3"/>
+              </a:ext>
+            </a:extLst>
+          </a:blip>
+          <a:stretch>
+            <a:fillRect/>
+          </a:stretch>
+        </p:blipFill>
+        <p:spPr>
+          <a:xfrm>
+            <a:off x="5754417" y="1912777"/>
+            <a:ext cx="5593459" cy="3621912"/>
+          </a:xfrm>
+          <a:prstGeom prst="rect">
+            <a:avLst/>
+          </a:prstGeom>
+        </p:spPr>
+      </p:pic>
     </p:spTree>
     <p:extLst>
       <p:ext uri="{BB962C8B-B14F-4D97-AF65-F5344CB8AC3E}">
-        <p14:creationId xmlns:p14="http://schemas.microsoft.com/office/powerpoint/2010/main" val="3129863308"/>
+        <p14:creationId xmlns:p14="http://schemas.microsoft.com/office/powerpoint/2010/main" val="2236621290"/>
       </p:ext>
     </p:extLst>
   </p:cSld>
@@ -5154,9 +6194,9 @@
 </file>
 
 <file path=ppt/theme/theme1.xml><?xml version="1.0" encoding="utf-8"?>
-<a:theme xmlns:a="http://schemas.openxmlformats.org/drawingml/2006/main" name="View">
+<a:theme xmlns:a="http://schemas.openxmlformats.org/drawingml/2006/main" name="Utsikt">
   <a:themeElements>
-    <a:clrScheme name="View">
+    <a:clrScheme name="Utsikt">
       <a:dk1>
         <a:srgbClr val="000000"/>
       </a:dk1>
@@ -5194,7 +6234,7 @@
         <a:srgbClr val="ABAFA5"/>
       </a:folHlink>
     </a:clrScheme>
-    <a:fontScheme name="View">
+    <a:fontScheme name="Utsikt">
       <a:majorFont>
         <a:latin typeface="Century Schoolbook" panose="02040604050505020304"/>
         <a:ea typeface=""/>
@@ -5266,7 +6306,7 @@
         <a:font script="Geor" typeface="Sylfaen"/>
       </a:minorFont>
     </a:fontScheme>
-    <a:fmtScheme name="View">
+    <a:fmtScheme name="Utsikt">
       <a:fillStyleLst>
         <a:solidFill>
           <a:schemeClr val="phClr"/>

--- a/Thesis/Thesis Presentation.pptx
+++ b/Thesis/Thesis Presentation.pptx
@@ -7,9 +7,9 @@
   <p:sldIdLst>
     <p:sldId id="256" r:id="rId2"/>
     <p:sldId id="276" r:id="rId3"/>
-    <p:sldId id="257" r:id="rId4"/>
-    <p:sldId id="260" r:id="rId5"/>
-    <p:sldId id="266" r:id="rId6"/>
+    <p:sldId id="266" r:id="rId4"/>
+    <p:sldId id="257" r:id="rId5"/>
+    <p:sldId id="260" r:id="rId6"/>
     <p:sldId id="261" r:id="rId7"/>
     <p:sldId id="259" r:id="rId8"/>
     <p:sldId id="263" r:id="rId9"/>
@@ -17,14 +17,13 @@
     <p:sldId id="264" r:id="rId11"/>
     <p:sldId id="274" r:id="rId12"/>
     <p:sldId id="267" r:id="rId13"/>
-    <p:sldId id="275" r:id="rId14"/>
-    <p:sldId id="265" r:id="rId15"/>
+    <p:sldId id="278" r:id="rId14"/>
+    <p:sldId id="280" r:id="rId15"/>
     <p:sldId id="272" r:id="rId16"/>
-    <p:sldId id="269" r:id="rId17"/>
-    <p:sldId id="271" r:id="rId18"/>
-    <p:sldId id="273" r:id="rId19"/>
-    <p:sldId id="270" r:id="rId20"/>
-    <p:sldId id="268" r:id="rId21"/>
+    <p:sldId id="281" r:id="rId17"/>
+    <p:sldId id="269" r:id="rId18"/>
+    <p:sldId id="271" r:id="rId19"/>
+    <p:sldId id="268" r:id="rId20"/>
   </p:sldIdLst>
   <p:sldSz cx="12192000" cy="6858000"/>
   <p:notesSz cx="6858000" cy="9144000"/>
@@ -299,7 +298,7 @@
           <a:p>
             <a:fld id="{2B324E1D-5BFC-4A26-948C-815C71133AD7}" type="datetimeFigureOut">
               <a:rPr lang="en-US" smtClean="0"/>
-              <a:t>10/31/2022</a:t>
+              <a:t>11/1/2022</a:t>
             </a:fld>
             <a:endParaRPr lang="en-US"/>
           </a:p>
@@ -527,7 +526,7 @@
           <a:p>
             <a:fld id="{2B324E1D-5BFC-4A26-948C-815C71133AD7}" type="datetimeFigureOut">
               <a:rPr lang="en-US" smtClean="0"/>
-              <a:t>10/31/2022</a:t>
+              <a:t>11/1/2022</a:t>
             </a:fld>
             <a:endParaRPr lang="en-US"/>
           </a:p>
@@ -707,7 +706,7 @@
           <a:p>
             <a:fld id="{2B324E1D-5BFC-4A26-948C-815C71133AD7}" type="datetimeFigureOut">
               <a:rPr lang="en-US" smtClean="0"/>
-              <a:t>10/31/2022</a:t>
+              <a:t>11/1/2022</a:t>
             </a:fld>
             <a:endParaRPr lang="en-US"/>
           </a:p>
@@ -877,7 +876,7 @@
           <a:p>
             <a:fld id="{2B324E1D-5BFC-4A26-948C-815C71133AD7}" type="datetimeFigureOut">
               <a:rPr lang="en-US" smtClean="0"/>
-              <a:t>10/31/2022</a:t>
+              <a:t>11/1/2022</a:t>
             </a:fld>
             <a:endParaRPr lang="en-US"/>
           </a:p>
@@ -1131,7 +1130,7 @@
           <a:p>
             <a:fld id="{2B324E1D-5BFC-4A26-948C-815C71133AD7}" type="datetimeFigureOut">
               <a:rPr lang="en-US" smtClean="0"/>
-              <a:t>10/31/2022</a:t>
+              <a:t>11/1/2022</a:t>
             </a:fld>
             <a:endParaRPr lang="en-US"/>
           </a:p>
@@ -1457,7 +1456,7 @@
           <a:p>
             <a:fld id="{2B324E1D-5BFC-4A26-948C-815C71133AD7}" type="datetimeFigureOut">
               <a:rPr lang="en-US" smtClean="0"/>
-              <a:t>10/31/2022</a:t>
+              <a:t>11/1/2022</a:t>
             </a:fld>
             <a:endParaRPr lang="en-US"/>
           </a:p>
@@ -1908,7 +1907,7 @@
           <a:p>
             <a:fld id="{2B324E1D-5BFC-4A26-948C-815C71133AD7}" type="datetimeFigureOut">
               <a:rPr lang="en-US" smtClean="0"/>
-              <a:t>10/31/2022</a:t>
+              <a:t>11/1/2022</a:t>
             </a:fld>
             <a:endParaRPr lang="en-US"/>
           </a:p>
@@ -2026,7 +2025,7 @@
           <a:p>
             <a:fld id="{2B324E1D-5BFC-4A26-948C-815C71133AD7}" type="datetimeFigureOut">
               <a:rPr lang="en-US" smtClean="0"/>
-              <a:t>10/31/2022</a:t>
+              <a:t>11/1/2022</a:t>
             </a:fld>
             <a:endParaRPr lang="en-US"/>
           </a:p>
@@ -2121,7 +2120,7 @@
           <a:p>
             <a:fld id="{2B324E1D-5BFC-4A26-948C-815C71133AD7}" type="datetimeFigureOut">
               <a:rPr lang="en-US" smtClean="0"/>
-              <a:t>10/31/2022</a:t>
+              <a:t>11/1/2022</a:t>
             </a:fld>
             <a:endParaRPr lang="en-US"/>
           </a:p>
@@ -2408,7 +2407,7 @@
           <a:p>
             <a:fld id="{2B324E1D-5BFC-4A26-948C-815C71133AD7}" type="datetimeFigureOut">
               <a:rPr lang="en-US" smtClean="0"/>
-              <a:t>10/31/2022</a:t>
+              <a:t>11/1/2022</a:t>
             </a:fld>
             <a:endParaRPr lang="en-US"/>
           </a:p>
@@ -2730,7 +2729,7 @@
           <a:p>
             <a:fld id="{2B324E1D-5BFC-4A26-948C-815C71133AD7}" type="datetimeFigureOut">
               <a:rPr lang="en-US" smtClean="0"/>
-              <a:t>10/31/2022</a:t>
+              <a:t>11/1/2022</a:t>
             </a:fld>
             <a:endParaRPr lang="en-US"/>
           </a:p>
@@ -2984,7 +2983,7 @@
           <a:p>
             <a:fld id="{2B324E1D-5BFC-4A26-948C-815C71133AD7}" type="datetimeFigureOut">
               <a:rPr lang="en-US" smtClean="0"/>
-              <a:t>10/31/2022</a:t>
+              <a:t>11/1/2022</a:t>
             </a:fld>
             <a:endParaRPr lang="en-US"/>
           </a:p>
@@ -3579,10 +3578,13 @@
           <a:lstStyle/>
           <a:p>
             <a:r>
-              <a:rPr lang="en-US" noProof="0"/>
-              <a:t>Our trial wave function</a:t>
-            </a:r>
-            <a:endParaRPr lang="en-US" noProof="0" dirty="0"/>
+              <a:rPr lang="en-US" dirty="0"/>
+              <a:t>The</a:t>
+            </a:r>
+            <a:r>
+              <a:rPr lang="en-US" noProof="0" dirty="0"/>
+              <a:t> trial wave function</a:t>
+            </a:r>
           </a:p>
         </p:txBody>
       </p:sp>
@@ -3604,13 +3606,164 @@
         </p:nvSpPr>
         <p:spPr/>
         <p:txBody>
-          <a:bodyPr/>
-          <a:lstStyle/>
-          <a:p>
-            <a:endParaRPr lang="en-US" dirty="0"/>
-          </a:p>
-        </p:txBody>
-      </p:sp>
+          <a:bodyPr>
+            <a:normAutofit/>
+          </a:bodyPr>
+          <a:lstStyle/>
+          <a:p>
+            <a:r>
+              <a:rPr lang="nb-NO" sz="2400" dirty="0"/>
+              <a:t>The </a:t>
+            </a:r>
+            <a:r>
+              <a:rPr lang="nb-NO" sz="2400" dirty="0" err="1"/>
+              <a:t>Slater</a:t>
+            </a:r>
+            <a:r>
+              <a:rPr lang="nb-NO" sz="2400" dirty="0"/>
+              <a:t>-Neural Network </a:t>
+            </a:r>
+            <a:r>
+              <a:rPr lang="nb-NO" sz="2400" dirty="0" err="1"/>
+              <a:t>wave</a:t>
+            </a:r>
+            <a:r>
+              <a:rPr lang="nb-NO" sz="2400" dirty="0"/>
+              <a:t> </a:t>
+            </a:r>
+            <a:r>
+              <a:rPr lang="nb-NO" sz="2400" dirty="0" err="1"/>
+              <a:t>function</a:t>
+            </a:r>
+            <a:endParaRPr lang="nb-NO" sz="2400" dirty="0"/>
+          </a:p>
+          <a:p>
+            <a:endParaRPr lang="nb-NO" sz="2400" dirty="0"/>
+          </a:p>
+          <a:p>
+            <a:endParaRPr lang="nb-NO" sz="2400" dirty="0"/>
+          </a:p>
+          <a:p>
+            <a:r>
+              <a:rPr lang="nb-NO" sz="2400" dirty="0" err="1"/>
+              <a:t>Hartree-Fock</a:t>
+            </a:r>
+            <a:r>
+              <a:rPr lang="nb-NO" sz="2400" dirty="0"/>
+              <a:t> determinant</a:t>
+            </a:r>
+            <a:br>
+              <a:rPr lang="nb-NO" sz="2400" dirty="0"/>
+            </a:br>
+            <a:r>
+              <a:rPr lang="nb-NO" sz="2400" dirty="0"/>
+              <a:t>- Anti-</a:t>
+            </a:r>
+            <a:r>
+              <a:rPr lang="nb-NO" sz="2400" dirty="0" err="1"/>
+              <a:t>symmetric</a:t>
+            </a:r>
+            <a:br>
+              <a:rPr lang="nb-NO" sz="2400" dirty="0"/>
+            </a:br>
+            <a:r>
+              <a:rPr lang="nb-NO" sz="2400" dirty="0"/>
+              <a:t>- Good </a:t>
+            </a:r>
+            <a:r>
+              <a:rPr lang="nb-NO" sz="2400" dirty="0" err="1"/>
+              <a:t>starting</a:t>
+            </a:r>
+            <a:r>
+              <a:rPr lang="nb-NO" sz="2400" dirty="0"/>
+              <a:t> </a:t>
+            </a:r>
+            <a:r>
+              <a:rPr lang="nb-NO" sz="2400" dirty="0" err="1"/>
+              <a:t>point</a:t>
+            </a:r>
+            <a:endParaRPr lang="nb-NO" sz="2400" dirty="0"/>
+          </a:p>
+          <a:p>
+            <a:r>
+              <a:rPr lang="nb-NO" sz="2400" dirty="0"/>
+              <a:t>Neural Network </a:t>
+            </a:r>
+            <a:r>
+              <a:rPr lang="nb-NO" sz="2400" dirty="0" err="1"/>
+              <a:t>with</a:t>
+            </a:r>
+            <a:r>
+              <a:rPr lang="nb-NO" sz="2400" dirty="0"/>
+              <a:t> </a:t>
+            </a:r>
+            <a:r>
+              <a:rPr lang="nb-NO" sz="2400" dirty="0" err="1"/>
+              <a:t>sorted</a:t>
+            </a:r>
+            <a:r>
+              <a:rPr lang="nb-NO" sz="2400" dirty="0"/>
+              <a:t> inputs</a:t>
+            </a:r>
+            <a:br>
+              <a:rPr lang="nb-NO" sz="2400" dirty="0"/>
+            </a:br>
+            <a:r>
+              <a:rPr lang="nb-NO" sz="2400" dirty="0"/>
+              <a:t>- </a:t>
+            </a:r>
+            <a:r>
+              <a:rPr lang="nb-NO" sz="2400" dirty="0" err="1"/>
+              <a:t>Symmetric</a:t>
+            </a:r>
+            <a:br>
+              <a:rPr lang="nb-NO" sz="2400" dirty="0"/>
+            </a:br>
+            <a:r>
+              <a:rPr lang="nb-NO" sz="2400" dirty="0"/>
+              <a:t>- </a:t>
+            </a:r>
+            <a:r>
+              <a:rPr lang="nb-NO" sz="2400" dirty="0" err="1"/>
+              <a:t>Flexible</a:t>
+            </a:r>
+            <a:endParaRPr lang="nb-NO" sz="2400" dirty="0"/>
+          </a:p>
+          <a:p>
+            <a:endParaRPr lang="en-US" sz="2400" dirty="0"/>
+          </a:p>
+        </p:txBody>
+      </p:sp>
+      <p:pic>
+        <p:nvPicPr>
+          <p:cNvPr id="7" name="Picture 6">
+            <a:extLst>
+              <a:ext uri="{FF2B5EF4-FFF2-40B4-BE49-F238E27FC236}">
+                <a16:creationId xmlns:a16="http://schemas.microsoft.com/office/drawing/2014/main" id="{11DE3CC0-D68D-7559-0F2C-2C8876A21A4D}"/>
+              </a:ext>
+            </a:extLst>
+          </p:cNvPr>
+          <p:cNvPicPr>
+            <a:picLocks noChangeAspect="1"/>
+          </p:cNvPicPr>
+          <p:nvPr/>
+        </p:nvPicPr>
+        <p:blipFill>
+          <a:blip r:embed="rId2"/>
+          <a:stretch>
+            <a:fillRect/>
+          </a:stretch>
+        </p:blipFill>
+        <p:spPr>
+          <a:xfrm>
+            <a:off x="2893448" y="2402072"/>
+            <a:ext cx="4027305" cy="656302"/>
+          </a:xfrm>
+          <a:prstGeom prst="rect">
+            <a:avLst/>
+          </a:prstGeom>
+        </p:spPr>
+      </p:pic>
     </p:spTree>
     <p:extLst>
       <p:ext uri="{BB962C8B-B14F-4D97-AF65-F5344CB8AC3E}">
@@ -3685,12 +3838,154 @@
             <p:ph idx="1"/>
           </p:nvPr>
         </p:nvSpPr>
-        <p:spPr/>
-        <p:txBody>
-          <a:bodyPr/>
-          <a:lstStyle/>
-          <a:p>
-            <a:endParaRPr lang="en-US"/>
+        <p:spPr>
+          <a:xfrm>
+            <a:off x="1261872" y="1828800"/>
+            <a:ext cx="9622438" cy="4351337"/>
+          </a:xfrm>
+        </p:spPr>
+        <p:txBody>
+          <a:bodyPr>
+            <a:normAutofit/>
+          </a:bodyPr>
+          <a:lstStyle/>
+          <a:p>
+            <a:r>
+              <a:rPr lang="nb-NO" sz="2400" dirty="0"/>
+              <a:t>Even Nordhagen, Martin Krokan Hovden,</a:t>
+            </a:r>
+            <a:br>
+              <a:rPr lang="nb-NO" sz="2400" dirty="0"/>
+            </a:br>
+            <a:r>
+              <a:rPr lang="nb-NO" sz="2400" dirty="0"/>
+              <a:t>Johan Nereng, Bendik </a:t>
+            </a:r>
+            <a:r>
+              <a:rPr lang="nb-NO" sz="2400" dirty="0" err="1"/>
+              <a:t>Samseth</a:t>
+            </a:r>
+            <a:r>
+              <a:rPr lang="nb-NO" sz="2400" dirty="0"/>
+              <a:t>:</a:t>
+            </a:r>
+            <a:br>
+              <a:rPr lang="nb-NO" sz="2400" dirty="0"/>
+            </a:br>
+            <a:r>
+              <a:rPr lang="nb-NO" sz="2400" dirty="0"/>
+              <a:t>- Simple determinant</a:t>
+            </a:r>
+            <a:br>
+              <a:rPr lang="nb-NO" sz="2400" dirty="0"/>
+            </a:br>
+            <a:r>
+              <a:rPr lang="nb-NO" sz="2400" dirty="0"/>
+              <a:t>- Neural Network, </a:t>
+            </a:r>
+            <a:r>
+              <a:rPr lang="nb-NO" sz="2400" dirty="0" err="1"/>
+              <a:t>sorted</a:t>
+            </a:r>
+            <a:r>
+              <a:rPr lang="nb-NO" sz="2400" dirty="0"/>
+              <a:t> input</a:t>
+            </a:r>
+            <a:br>
+              <a:rPr lang="nb-NO" sz="2400" dirty="0"/>
+            </a:br>
+            <a:r>
+              <a:rPr lang="nb-NO" sz="2400" dirty="0"/>
+              <a:t>- </a:t>
+            </a:r>
+            <a:r>
+              <a:rPr lang="nb-NO" sz="2400" dirty="0" err="1"/>
+              <a:t>Restricted</a:t>
+            </a:r>
+            <a:r>
+              <a:rPr lang="nb-NO" sz="2400" dirty="0"/>
+              <a:t> </a:t>
+            </a:r>
+            <a:r>
+              <a:rPr lang="nb-NO" sz="2400" dirty="0" err="1"/>
+              <a:t>Boltzmann</a:t>
+            </a:r>
+            <a:r>
+              <a:rPr lang="nb-NO" sz="2400" dirty="0"/>
+              <a:t> Machine</a:t>
+            </a:r>
+            <a:br>
+              <a:rPr lang="nb-NO" sz="2400" dirty="0"/>
+            </a:br>
+            <a:r>
+              <a:rPr lang="nb-NO" sz="2400" dirty="0"/>
+              <a:t>- </a:t>
+            </a:r>
+            <a:r>
+              <a:rPr lang="nb-NO" sz="2400" dirty="0" err="1"/>
+              <a:t>Slater-Jastrow</a:t>
+            </a:r>
+            <a:r>
+              <a:rPr lang="nb-NO" sz="2400" dirty="0"/>
+              <a:t> or Pade-</a:t>
+            </a:r>
+            <a:r>
+              <a:rPr lang="nb-NO" sz="2400" dirty="0" err="1"/>
+              <a:t>Jastrow</a:t>
+            </a:r>
+            <a:r>
+              <a:rPr lang="nb-NO" sz="2400" dirty="0"/>
+              <a:t> </a:t>
+            </a:r>
+            <a:r>
+              <a:rPr lang="nb-NO" sz="2400" dirty="0" err="1"/>
+              <a:t>factor</a:t>
+            </a:r>
+            <a:endParaRPr lang="nb-NO" sz="2400" dirty="0"/>
+          </a:p>
+          <a:p>
+            <a:endParaRPr lang="nb-NO" sz="2400" dirty="0"/>
+          </a:p>
+          <a:p>
+            <a:r>
+              <a:rPr lang="en-US" sz="2400" dirty="0" err="1"/>
+              <a:t>FermiNet</a:t>
+            </a:r>
+            <a:br>
+              <a:rPr lang="en-US" sz="2400" dirty="0"/>
+            </a:br>
+            <a:r>
+              <a:rPr lang="en-US" sz="2400" dirty="0"/>
+              <a:t>- Main Innovation: The construction of a set of permutation-equivariant functions with </a:t>
+            </a:r>
+            <a:r>
+              <a:rPr lang="nb-NO" sz="2400" dirty="0"/>
+              <a:t>neural </a:t>
+            </a:r>
+            <a:r>
+              <a:rPr lang="nb-NO" sz="2400" dirty="0" err="1"/>
+              <a:t>networks</a:t>
+            </a:r>
+            <a:br>
+              <a:rPr lang="nb-NO" sz="2400" dirty="0"/>
+            </a:br>
+            <a:r>
+              <a:rPr lang="nb-NO" sz="2400" dirty="0"/>
+              <a:t>- </a:t>
+            </a:r>
+            <a:r>
+              <a:rPr lang="nb-NO" sz="2400" dirty="0" err="1"/>
+              <a:t>Particle</a:t>
+            </a:r>
+            <a:r>
+              <a:rPr lang="nb-NO" sz="2400" dirty="0"/>
+              <a:t> </a:t>
+            </a:r>
+            <a:r>
+              <a:rPr lang="nb-NO" sz="2400" dirty="0" err="1"/>
+              <a:t>distances</a:t>
+            </a:r>
+            <a:endParaRPr lang="nb-NO" sz="2400" dirty="0"/>
           </a:p>
         </p:txBody>
       </p:sp>
@@ -3747,7 +4042,7 @@
           <a:p>
             <a:r>
               <a:rPr lang="en-US" noProof="0" dirty="0"/>
-              <a:t>Our Implementation</a:t>
+              <a:t>Implementation</a:t>
             </a:r>
           </a:p>
         </p:txBody>
@@ -3770,10 +4065,110 @@
         </p:nvSpPr>
         <p:spPr/>
         <p:txBody>
-          <a:bodyPr/>
-          <a:lstStyle/>
-          <a:p>
-            <a:endParaRPr lang="en-US"/>
+          <a:bodyPr>
+            <a:normAutofit/>
+          </a:bodyPr>
+          <a:lstStyle/>
+          <a:p>
+            <a:r>
+              <a:rPr lang="nb-NO" sz="2000" dirty="0"/>
+              <a:t>C++?</a:t>
+            </a:r>
+            <a:br>
+              <a:rPr lang="nb-NO" sz="2000" dirty="0"/>
+            </a:br>
+            <a:r>
+              <a:rPr lang="nb-NO" sz="2000" dirty="0"/>
+              <a:t>- </a:t>
+            </a:r>
+            <a:r>
+              <a:rPr lang="nb-NO" sz="2000" dirty="0" err="1"/>
+              <a:t>Compiled</a:t>
+            </a:r>
+            <a:br>
+              <a:rPr lang="nb-NO" sz="2000" dirty="0"/>
+            </a:br>
+            <a:r>
+              <a:rPr lang="nb-NO" sz="2000" dirty="0"/>
+              <a:t>- Runtime </a:t>
+            </a:r>
+            <a:r>
+              <a:rPr lang="nb-NO" sz="2000" dirty="0" err="1"/>
+              <a:t>seperate</a:t>
+            </a:r>
+            <a:endParaRPr lang="nb-NO" sz="2000" dirty="0"/>
+          </a:p>
+          <a:p>
+            <a:r>
+              <a:rPr lang="nb-NO" sz="2000" dirty="0"/>
+              <a:t>Python?</a:t>
+            </a:r>
+            <a:br>
+              <a:rPr lang="nb-NO" sz="2000" dirty="0"/>
+            </a:br>
+            <a:r>
+              <a:rPr lang="nb-NO" sz="2000" dirty="0"/>
+              <a:t>- </a:t>
+            </a:r>
+            <a:r>
+              <a:rPr lang="nb-NO" sz="2000" dirty="0" err="1"/>
+              <a:t>Slow</a:t>
+            </a:r>
+            <a:r>
+              <a:rPr lang="nb-NO" sz="2000" dirty="0"/>
+              <a:t> </a:t>
+            </a:r>
+            <a:r>
+              <a:rPr lang="nb-NO" sz="2000" dirty="0" err="1"/>
+              <a:t>runtime</a:t>
+            </a:r>
+            <a:br>
+              <a:rPr lang="nb-NO" sz="2000" dirty="0"/>
+            </a:br>
+            <a:r>
+              <a:rPr lang="nb-NO" sz="2000" dirty="0"/>
+              <a:t>- </a:t>
+            </a:r>
+            <a:r>
+              <a:rPr lang="nb-NO" sz="2000" dirty="0" err="1"/>
+              <a:t>Numba</a:t>
+            </a:r>
+            <a:r>
+              <a:rPr lang="nb-NO" sz="2000" dirty="0"/>
+              <a:t> and </a:t>
+            </a:r>
+            <a:r>
+              <a:rPr lang="nb-NO" sz="2000" dirty="0" err="1"/>
+              <a:t>Jax</a:t>
+            </a:r>
+            <a:endParaRPr lang="nb-NO" sz="2000" dirty="0"/>
+          </a:p>
+          <a:p>
+            <a:r>
+              <a:rPr lang="nb-NO" sz="2000" dirty="0"/>
+              <a:t>Julia</a:t>
+            </a:r>
+            <a:br>
+              <a:rPr lang="en-US" sz="2000" dirty="0"/>
+            </a:br>
+            <a:r>
+              <a:rPr lang="en-US" sz="2000" dirty="0"/>
+              <a:t>- Compiles just in time</a:t>
+            </a:r>
+            <a:br>
+              <a:rPr lang="en-US" sz="2000" dirty="0"/>
+            </a:br>
+            <a:r>
+              <a:rPr lang="en-US" sz="2000" dirty="0"/>
+              <a:t>- Write and run in tandem</a:t>
+            </a:r>
+            <a:br>
+              <a:rPr lang="en-US" sz="2000" dirty="0"/>
+            </a:br>
+            <a:r>
+              <a:rPr lang="en-US" sz="2000" dirty="0"/>
+              <a:t>- Libraries and tools for code optimization</a:t>
+            </a:r>
           </a:p>
         </p:txBody>
       </p:sp>
@@ -3812,7 +4207,7 @@
           <p:cNvPr id="2" name="Title 1">
             <a:extLst>
               <a:ext uri="{FF2B5EF4-FFF2-40B4-BE49-F238E27FC236}">
-                <a16:creationId xmlns:a16="http://schemas.microsoft.com/office/drawing/2014/main" id="{5934BBBD-ED8F-167F-F114-47B6B0B6980B}"/>
+                <a16:creationId xmlns:a16="http://schemas.microsoft.com/office/drawing/2014/main" id="{85ACCE36-BEF4-927A-9275-02A229E7336C}"/>
               </a:ext>
             </a:extLst>
           </p:cNvPr>
@@ -3830,7 +4225,11 @@
           <a:p>
             <a:r>
               <a:rPr lang="nb-NO" dirty="0"/>
-              <a:t>Working in Julia</a:t>
+              <a:t>General </a:t>
+            </a:r>
+            <a:r>
+              <a:rPr lang="nb-NO" dirty="0" err="1"/>
+              <a:t>Optimizations</a:t>
             </a:r>
             <a:endParaRPr lang="en-US" dirty="0"/>
           </a:p>
@@ -3841,7 +4240,7 @@
           <p:cNvPr id="3" name="Content Placeholder 2">
             <a:extLst>
               <a:ext uri="{FF2B5EF4-FFF2-40B4-BE49-F238E27FC236}">
-                <a16:creationId xmlns:a16="http://schemas.microsoft.com/office/drawing/2014/main" id="{42A3CC39-80A6-087E-9436-A1650D6BC0C4}"/>
+                <a16:creationId xmlns:a16="http://schemas.microsoft.com/office/drawing/2014/main" id="{3755E066-1C25-77A2-921E-BB87304E1213}"/>
               </a:ext>
             </a:extLst>
           </p:cNvPr>
@@ -3852,19 +4251,159 @@
             <p:ph idx="1"/>
           </p:nvPr>
         </p:nvSpPr>
-        <p:spPr/>
-        <p:txBody>
-          <a:bodyPr/>
-          <a:lstStyle/>
-          <a:p>
-            <a:endParaRPr lang="en-US"/>
+        <p:spPr>
+          <a:xfrm>
+            <a:off x="1261872" y="1828800"/>
+            <a:ext cx="8595360" cy="4885765"/>
+          </a:xfrm>
+        </p:spPr>
+        <p:txBody>
+          <a:bodyPr>
+            <a:normAutofit/>
+          </a:bodyPr>
+          <a:lstStyle/>
+          <a:p>
+            <a:pPr marL="0" indent="0">
+              <a:buNone/>
+            </a:pPr>
+            <a:r>
+              <a:rPr lang="nb-NO" dirty="0"/>
+              <a:t>1 million VMC </a:t>
+            </a:r>
+            <a:r>
+              <a:rPr lang="nb-NO" dirty="0" err="1"/>
+              <a:t>steps</a:t>
+            </a:r>
+            <a:r>
+              <a:rPr lang="nb-NO" dirty="0"/>
+              <a:t> takes </a:t>
+            </a:r>
+            <a:r>
+              <a:rPr lang="fr-FR" dirty="0"/>
+              <a:t>0.59 seconds</a:t>
+            </a:r>
+          </a:p>
+          <a:p>
+            <a:r>
+              <a:rPr lang="nb-NO" dirty="0" err="1"/>
+              <a:t>Paralellization</a:t>
+            </a:r>
+            <a:br>
+              <a:rPr lang="nb-NO" dirty="0"/>
+            </a:br>
+            <a:r>
+              <a:rPr lang="nb-NO" dirty="0"/>
+              <a:t>- </a:t>
+            </a:r>
+            <a:r>
+              <a:rPr lang="fr-FR" dirty="0"/>
+              <a:t>1.88 seconds</a:t>
+            </a:r>
+            <a:br>
+              <a:rPr lang="fr-FR" dirty="0"/>
+            </a:br>
+            <a:r>
+              <a:rPr lang="fr-FR" dirty="0"/>
+              <a:t>  with 1 thread instead of 12</a:t>
+            </a:r>
+            <a:endParaRPr lang="nb-NO" dirty="0"/>
+          </a:p>
+          <a:p>
+            <a:r>
+              <a:rPr lang="nb-NO" dirty="0"/>
+              <a:t>Type </a:t>
+            </a:r>
+            <a:r>
+              <a:rPr lang="nb-NO" dirty="0" err="1"/>
+              <a:t>safety</a:t>
+            </a:r>
+            <a:r>
+              <a:rPr lang="nb-NO" dirty="0"/>
+              <a:t> and </a:t>
+            </a:r>
+            <a:r>
+              <a:rPr lang="nb-NO" dirty="0" err="1"/>
+              <a:t>annotations</a:t>
+            </a:r>
+            <a:br>
+              <a:rPr lang="nb-NO" dirty="0"/>
+            </a:br>
+            <a:r>
+              <a:rPr lang="nb-NO" dirty="0"/>
+              <a:t>- </a:t>
+            </a:r>
+            <a:r>
+              <a:rPr lang="en-US" dirty="0"/>
+              <a:t>0.85 seconds</a:t>
+            </a:r>
+            <a:br>
+              <a:rPr lang="en-US" dirty="0"/>
+            </a:br>
+            <a:r>
+              <a:rPr lang="en-US" dirty="0"/>
+              <a:t>  with no type annotations on dense layer</a:t>
+            </a:r>
+          </a:p>
+          <a:p>
+            <a:r>
+              <a:rPr lang="nb-NO" dirty="0" err="1"/>
+              <a:t>Avoiding</a:t>
+            </a:r>
+            <a:r>
+              <a:rPr lang="nb-NO" dirty="0"/>
+              <a:t> </a:t>
+            </a:r>
+            <a:r>
+              <a:rPr lang="nb-NO" dirty="0" err="1"/>
+              <a:t>allocations</a:t>
+            </a:r>
+            <a:r>
+              <a:rPr lang="nb-NO" dirty="0"/>
+              <a:t>. </a:t>
+            </a:r>
+            <a:br>
+              <a:rPr lang="nb-NO" dirty="0"/>
+            </a:br>
+            <a:r>
+              <a:rPr lang="nb-NO" dirty="0"/>
+              <a:t>- </a:t>
+            </a:r>
+            <a:r>
+              <a:rPr lang="en-US" dirty="0"/>
+              <a:t>1.13 seconds</a:t>
+            </a:r>
+            <a:br>
+              <a:rPr lang="en-US" dirty="0"/>
+            </a:br>
+            <a:r>
+              <a:rPr lang="en-US" dirty="0"/>
+              <a:t>  with no pre-allocation in neural network forward pass</a:t>
+            </a:r>
+          </a:p>
+          <a:p>
+            <a:r>
+              <a:rPr lang="en-US" dirty="0"/>
+              <a:t>Evaluate, Derivative, Double Derivative, Parameter Derivative</a:t>
+            </a:r>
+          </a:p>
+          <a:p>
+            <a:r>
+              <a:rPr lang="en-US" dirty="0"/>
+              <a:t>Sampling, Potential Energy, VMC step calculations</a:t>
+            </a:r>
+          </a:p>
+          <a:p>
+            <a:r>
+              <a:rPr lang="en-US" dirty="0"/>
+              <a:t>Position Updating, Sorting, Gradient Updating</a:t>
+            </a:r>
           </a:p>
         </p:txBody>
       </p:sp>
     </p:spTree>
     <p:extLst>
       <p:ext uri="{BB962C8B-B14F-4D97-AF65-F5344CB8AC3E}">
-        <p14:creationId xmlns:p14="http://schemas.microsoft.com/office/powerpoint/2010/main" val="585922334"/>
+        <p14:creationId xmlns:p14="http://schemas.microsoft.com/office/powerpoint/2010/main" val="708021222"/>
       </p:ext>
     </p:extLst>
   </p:cSld>
@@ -3896,7 +4435,7 @@
           <p:cNvPr id="2" name="Title 1">
             <a:extLst>
               <a:ext uri="{FF2B5EF4-FFF2-40B4-BE49-F238E27FC236}">
-                <a16:creationId xmlns:a16="http://schemas.microsoft.com/office/drawing/2014/main" id="{989882C9-8A54-D96E-0EE2-F7EC2C1A2A78}"/>
+                <a16:creationId xmlns:a16="http://schemas.microsoft.com/office/drawing/2014/main" id="{9C6714BA-19E5-18C0-9E12-AD6C43280531}"/>
               </a:ext>
             </a:extLst>
           </p:cNvPr>
@@ -3913,9 +4452,18 @@
           <a:lstStyle/>
           <a:p>
             <a:r>
-              <a:rPr lang="en-US" noProof="0" dirty="0"/>
+              <a:rPr lang="nb-NO" dirty="0" err="1"/>
               <a:t>Optimizations</a:t>
             </a:r>
+            <a:r>
+              <a:rPr lang="nb-NO" dirty="0"/>
+              <a:t> of </a:t>
+            </a:r>
+            <a:r>
+              <a:rPr lang="nb-NO" dirty="0" err="1"/>
+              <a:t>algorithms</a:t>
+            </a:r>
+            <a:endParaRPr lang="en-US" dirty="0"/>
           </a:p>
         </p:txBody>
       </p:sp>
@@ -3924,7 +4472,7 @@
           <p:cNvPr id="3" name="Content Placeholder 2">
             <a:extLst>
               <a:ext uri="{FF2B5EF4-FFF2-40B4-BE49-F238E27FC236}">
-                <a16:creationId xmlns:a16="http://schemas.microsoft.com/office/drawing/2014/main" id="{08A7583A-6E6B-0EB6-54C0-14D60D48BDC2}"/>
+                <a16:creationId xmlns:a16="http://schemas.microsoft.com/office/drawing/2014/main" id="{4C050143-88DC-82D2-DF22-1F5FE8E16B08}"/>
               </a:ext>
             </a:extLst>
           </p:cNvPr>
@@ -3940,14 +4488,137 @@
           <a:bodyPr/>
           <a:lstStyle/>
           <a:p>
-            <a:endParaRPr lang="en-US"/>
+            <a:r>
+              <a:rPr lang="nb-NO" dirty="0"/>
+              <a:t>Two-body integrals </a:t>
+            </a:r>
+            <a:r>
+              <a:rPr lang="nb-NO" dirty="0" err="1"/>
+              <a:t>optimization</a:t>
+            </a:r>
+            <a:br>
+              <a:rPr lang="nb-NO" dirty="0"/>
+            </a:br>
+            <a:r>
+              <a:rPr lang="nb-NO" dirty="0"/>
+              <a:t>- ~ 1.4 times faster than </a:t>
+            </a:r>
+            <a:r>
+              <a:rPr lang="nb-NO" dirty="0" err="1"/>
+              <a:t>implementation</a:t>
+            </a:r>
+            <a:r>
+              <a:rPr lang="nb-NO" dirty="0"/>
+              <a:t> by my co-supervisor</a:t>
+            </a:r>
+            <a:br>
+              <a:rPr lang="nb-NO" dirty="0"/>
+            </a:br>
+            <a:r>
+              <a:rPr lang="nb-NO" dirty="0"/>
+              <a:t>- Julia ~50 times faster than </a:t>
+            </a:r>
+            <a:r>
+              <a:rPr lang="nb-NO" dirty="0" err="1"/>
+              <a:t>Numba</a:t>
+            </a:r>
+            <a:endParaRPr lang="nb-NO" dirty="0"/>
+          </a:p>
+          <a:p>
+            <a:r>
+              <a:rPr lang="nb-NO" dirty="0" err="1"/>
+              <a:t>Recursive</a:t>
+            </a:r>
+            <a:r>
+              <a:rPr lang="nb-NO" dirty="0"/>
+              <a:t> </a:t>
+            </a:r>
+            <a:r>
+              <a:rPr lang="nb-NO" dirty="0" err="1"/>
+              <a:t>Harmonic</a:t>
+            </a:r>
+            <a:r>
+              <a:rPr lang="nb-NO" dirty="0"/>
+              <a:t> Oscillator </a:t>
+            </a:r>
+            <a:r>
+              <a:rPr lang="nb-NO" dirty="0" err="1"/>
+              <a:t>functions</a:t>
+            </a:r>
+            <a:br>
+              <a:rPr lang="nb-NO" dirty="0"/>
+            </a:br>
+            <a:r>
+              <a:rPr lang="nb-NO" dirty="0"/>
+              <a:t>- ~ 4 times faster than </a:t>
+            </a:r>
+            <a:r>
+              <a:rPr lang="nb-NO" dirty="0" err="1"/>
+              <a:t>direct</a:t>
+            </a:r>
+            <a:endParaRPr lang="nb-NO" dirty="0"/>
+          </a:p>
+          <a:p>
+            <a:r>
+              <a:rPr lang="nb-NO" dirty="0"/>
+              <a:t>Smart </a:t>
+            </a:r>
+            <a:r>
+              <a:rPr lang="nb-NO" dirty="0" err="1"/>
+              <a:t>sorting</a:t>
+            </a:r>
+            <a:r>
+              <a:rPr lang="nb-NO" dirty="0"/>
+              <a:t> of </a:t>
+            </a:r>
+            <a:r>
+              <a:rPr lang="nb-NO" dirty="0" err="1"/>
+              <a:t>positions</a:t>
+            </a:r>
+            <a:r>
+              <a:rPr lang="nb-NO" dirty="0"/>
+              <a:t> (and setting up </a:t>
+            </a:r>
+            <a:r>
+              <a:rPr lang="nb-NO" dirty="0" err="1"/>
+              <a:t>un-sorting</a:t>
+            </a:r>
+            <a:r>
+              <a:rPr lang="nb-NO" dirty="0"/>
+              <a:t>)</a:t>
+            </a:r>
+            <a:br>
+              <a:rPr lang="nb-NO" dirty="0"/>
+            </a:br>
+            <a:r>
+              <a:rPr lang="nb-NO" dirty="0"/>
+              <a:t>- O(n) </a:t>
+            </a:r>
+            <a:r>
+              <a:rPr lang="nb-NO" dirty="0" err="1"/>
+              <a:t>instead</a:t>
+            </a:r>
+            <a:r>
+              <a:rPr lang="nb-NO" dirty="0"/>
+              <a:t> of O(n log(n))</a:t>
+            </a:r>
+            <a:br>
+              <a:rPr lang="nb-NO" dirty="0"/>
+            </a:br>
+            <a:r>
+              <a:rPr lang="nb-NO" dirty="0"/>
+              <a:t>- ~10 times faster for 2 electrons, ~50 times faster for 100</a:t>
+            </a:r>
+          </a:p>
+          <a:p>
+            <a:endParaRPr lang="en-US" dirty="0"/>
           </a:p>
         </p:txBody>
       </p:sp>
     </p:spTree>
     <p:extLst>
       <p:ext uri="{BB962C8B-B14F-4D97-AF65-F5344CB8AC3E}">
-        <p14:creationId xmlns:p14="http://schemas.microsoft.com/office/powerpoint/2010/main" val="1191929932"/>
+        <p14:creationId xmlns:p14="http://schemas.microsoft.com/office/powerpoint/2010/main" val="1010890640"/>
       </p:ext>
     </p:extLst>
   </p:cSld>
@@ -3997,13 +4668,8 @@
           <a:p>
             <a:r>
               <a:rPr lang="en-US" noProof="0" dirty="0"/>
-              <a:t>Automatic </a:t>
-            </a:r>
-            <a:r>
-              <a:rPr lang="en-US" noProof="0" dirty="0" err="1"/>
-              <a:t>differantiation</a:t>
-            </a:r>
-            <a:endParaRPr lang="en-US" noProof="0" dirty="0"/>
+              <a:t>Automatic differentiation</a:t>
+            </a:r>
           </a:p>
         </p:txBody>
       </p:sp>
@@ -4028,10 +4694,188 @@
           <a:bodyPr/>
           <a:lstStyle/>
           <a:p>
-            <a:endParaRPr lang="en-US"/>
-          </a:p>
-        </p:txBody>
-      </p:sp>
+            <a:r>
+              <a:rPr lang="nb-NO" dirty="0"/>
+              <a:t>Many </a:t>
+            </a:r>
+            <a:r>
+              <a:rPr lang="nb-NO" dirty="0" err="1"/>
+              <a:t>calculations</a:t>
+            </a:r>
+            <a:r>
+              <a:rPr lang="nb-NO" dirty="0"/>
+              <a:t> </a:t>
+            </a:r>
+            <a:r>
+              <a:rPr lang="nb-NO" dirty="0" err="1"/>
+              <a:t>only</a:t>
+            </a:r>
+            <a:r>
+              <a:rPr lang="nb-NO" dirty="0"/>
+              <a:t> </a:t>
+            </a:r>
+            <a:r>
+              <a:rPr lang="nb-NO" dirty="0" err="1"/>
+              <a:t>consist</a:t>
+            </a:r>
+            <a:r>
+              <a:rPr lang="nb-NO" dirty="0"/>
+              <a:t> of (+, -, *, /, sin, cos, </a:t>
+            </a:r>
+            <a:r>
+              <a:rPr lang="nb-NO" dirty="0" err="1"/>
+              <a:t>exp</a:t>
+            </a:r>
+            <a:r>
+              <a:rPr lang="nb-NO" dirty="0"/>
+              <a:t>, etc.)</a:t>
+            </a:r>
+          </a:p>
+          <a:p>
+            <a:r>
+              <a:rPr lang="nb-NO" dirty="0"/>
+              <a:t>Chain </a:t>
+            </a:r>
+            <a:r>
+              <a:rPr lang="nb-NO" dirty="0" err="1"/>
+              <a:t>rule</a:t>
+            </a:r>
+            <a:endParaRPr lang="nb-NO" dirty="0"/>
+          </a:p>
+          <a:p>
+            <a:r>
+              <a:rPr lang="nb-NO" dirty="0"/>
+              <a:t>Forward mode: Derivative of </a:t>
+            </a:r>
+            <a:r>
+              <a:rPr lang="nb-NO" dirty="0" err="1"/>
+              <a:t>everything</a:t>
+            </a:r>
+            <a:r>
+              <a:rPr lang="nb-NO" dirty="0"/>
+              <a:t> </a:t>
+            </a:r>
+            <a:r>
+              <a:rPr lang="nb-NO" dirty="0" err="1"/>
+              <a:t>wrt</a:t>
+            </a:r>
+            <a:r>
+              <a:rPr lang="nb-NO" dirty="0"/>
+              <a:t>. </a:t>
+            </a:r>
+            <a:r>
+              <a:rPr lang="nb-NO" dirty="0" err="1"/>
+              <a:t>the</a:t>
+            </a:r>
+            <a:r>
+              <a:rPr lang="nb-NO" dirty="0"/>
+              <a:t> input (</a:t>
+            </a:r>
+            <a:r>
+              <a:rPr lang="nb-NO" dirty="0" err="1"/>
+              <a:t>Backpropagation</a:t>
+            </a:r>
+            <a:r>
+              <a:rPr lang="nb-NO" dirty="0"/>
+              <a:t>)</a:t>
+            </a:r>
+          </a:p>
+          <a:p>
+            <a:r>
+              <a:rPr lang="nb-NO" dirty="0" err="1"/>
+              <a:t>Reverse</a:t>
+            </a:r>
+            <a:r>
+              <a:rPr lang="nb-NO" dirty="0"/>
+              <a:t> mode: Derivative of </a:t>
+            </a:r>
+            <a:r>
+              <a:rPr lang="nb-NO" dirty="0" err="1"/>
+              <a:t>the</a:t>
+            </a:r>
+            <a:r>
+              <a:rPr lang="nb-NO" dirty="0"/>
+              <a:t> output </a:t>
+            </a:r>
+            <a:r>
+              <a:rPr lang="nb-NO" dirty="0" err="1"/>
+              <a:t>wrt</a:t>
+            </a:r>
+            <a:r>
+              <a:rPr lang="nb-NO" dirty="0"/>
+              <a:t>. </a:t>
+            </a:r>
+            <a:r>
+              <a:rPr lang="nb-NO" dirty="0" err="1"/>
+              <a:t>everything</a:t>
+            </a:r>
+            <a:endParaRPr lang="nb-NO" dirty="0"/>
+          </a:p>
+          <a:p>
+            <a:endParaRPr lang="nb-NO" dirty="0"/>
+          </a:p>
+        </p:txBody>
+      </p:sp>
+      <p:pic>
+        <p:nvPicPr>
+          <p:cNvPr id="5" name="Picture 4">
+            <a:extLst>
+              <a:ext uri="{FF2B5EF4-FFF2-40B4-BE49-F238E27FC236}">
+                <a16:creationId xmlns:a16="http://schemas.microsoft.com/office/drawing/2014/main" id="{92980D3E-055F-F44E-111B-C51C33B8E44E}"/>
+              </a:ext>
+            </a:extLst>
+          </p:cNvPr>
+          <p:cNvPicPr>
+            <a:picLocks noChangeAspect="1"/>
+          </p:cNvPicPr>
+          <p:nvPr/>
+        </p:nvPicPr>
+        <p:blipFill>
+          <a:blip r:embed="rId2"/>
+          <a:stretch>
+            <a:fillRect/>
+          </a:stretch>
+        </p:blipFill>
+        <p:spPr>
+          <a:xfrm>
+            <a:off x="0" y="3566652"/>
+            <a:ext cx="5761703" cy="2945061"/>
+          </a:xfrm>
+          <a:prstGeom prst="rect">
+            <a:avLst/>
+          </a:prstGeom>
+        </p:spPr>
+      </p:pic>
+      <p:pic>
+        <p:nvPicPr>
+          <p:cNvPr id="6" name="Picture 5">
+            <a:extLst>
+              <a:ext uri="{FF2B5EF4-FFF2-40B4-BE49-F238E27FC236}">
+                <a16:creationId xmlns:a16="http://schemas.microsoft.com/office/drawing/2014/main" id="{01FDE193-3BCD-18C1-898D-290302AF8902}"/>
+              </a:ext>
+            </a:extLst>
+          </p:cNvPr>
+          <p:cNvPicPr>
+            <a:picLocks noChangeAspect="1"/>
+          </p:cNvPicPr>
+          <p:nvPr/>
+        </p:nvPicPr>
+        <p:blipFill>
+          <a:blip r:embed="rId3"/>
+          <a:stretch>
+            <a:fillRect/>
+          </a:stretch>
+        </p:blipFill>
+        <p:spPr>
+          <a:xfrm>
+            <a:off x="6059479" y="3566651"/>
+            <a:ext cx="5350239" cy="3119283"/>
+          </a:xfrm>
+          <a:prstGeom prst="rect">
+            <a:avLst/>
+          </a:prstGeom>
+        </p:spPr>
+      </p:pic>
     </p:spTree>
     <p:extLst>
       <p:ext uri="{BB962C8B-B14F-4D97-AF65-F5344CB8AC3E}">
@@ -4067,7 +4911,7 @@
           <p:cNvPr id="2" name="Title 1">
             <a:extLst>
               <a:ext uri="{FF2B5EF4-FFF2-40B4-BE49-F238E27FC236}">
-                <a16:creationId xmlns:a16="http://schemas.microsoft.com/office/drawing/2014/main" id="{C40060DD-FA50-9FFD-0BBF-22F2C3A259E3}"/>
+                <a16:creationId xmlns:a16="http://schemas.microsoft.com/office/drawing/2014/main" id="{D45E40A4-3537-B642-9DED-9C42940BDE7F}"/>
               </a:ext>
             </a:extLst>
           </p:cNvPr>
@@ -4084,9 +4928,10 @@
           <a:lstStyle/>
           <a:p>
             <a:r>
-              <a:rPr lang="en-US" noProof="0" dirty="0"/>
-              <a:t>Ground state energies</a:t>
-            </a:r>
+              <a:rPr lang="nb-NO" dirty="0"/>
+              <a:t>Second derivatives</a:t>
+            </a:r>
+            <a:endParaRPr lang="en-US" dirty="0"/>
           </a:p>
         </p:txBody>
       </p:sp>
@@ -4095,7 +4940,7 @@
           <p:cNvPr id="3" name="Content Placeholder 2">
             <a:extLst>
               <a:ext uri="{FF2B5EF4-FFF2-40B4-BE49-F238E27FC236}">
-                <a16:creationId xmlns:a16="http://schemas.microsoft.com/office/drawing/2014/main" id="{C1F5C68E-057C-D156-DD74-FCEAED19EA36}"/>
+                <a16:creationId xmlns:a16="http://schemas.microsoft.com/office/drawing/2014/main" id="{035F3008-4BBA-FDE9-B9C9-28A74ED0CAF7}"/>
               </a:ext>
             </a:extLst>
           </p:cNvPr>
@@ -4111,14 +4956,150 @@
           <a:bodyPr/>
           <a:lstStyle/>
           <a:p>
-            <a:endParaRPr lang="en-US"/>
-          </a:p>
-        </p:txBody>
-      </p:sp>
+            <a:r>
+              <a:rPr lang="nb-NO" dirty="0" err="1"/>
+              <a:t>Kinetic</a:t>
+            </a:r>
+            <a:r>
+              <a:rPr lang="nb-NO" dirty="0"/>
+              <a:t> </a:t>
+            </a:r>
+            <a:r>
+              <a:rPr lang="nb-NO" dirty="0" err="1"/>
+              <a:t>energy</a:t>
+            </a:r>
+            <a:endParaRPr lang="nb-NO" dirty="0"/>
+          </a:p>
+          <a:p>
+            <a:r>
+              <a:rPr lang="nb-NO" dirty="0" err="1"/>
+              <a:t>Analytical</a:t>
+            </a:r>
+            <a:r>
+              <a:rPr lang="nb-NO" dirty="0"/>
+              <a:t> for simple </a:t>
+            </a:r>
+            <a:r>
+              <a:rPr lang="nb-NO" dirty="0" err="1"/>
+              <a:t>models</a:t>
+            </a:r>
+            <a:endParaRPr lang="nb-NO" dirty="0"/>
+          </a:p>
+          <a:p>
+            <a:r>
+              <a:rPr lang="nb-NO" dirty="0" err="1"/>
+              <a:t>Autodiff</a:t>
+            </a:r>
+            <a:r>
+              <a:rPr lang="nb-NO" dirty="0"/>
+              <a:t> for </a:t>
+            </a:r>
+            <a:r>
+              <a:rPr lang="nb-NO" dirty="0" err="1"/>
+              <a:t>complicated</a:t>
+            </a:r>
+            <a:r>
+              <a:rPr lang="nb-NO" dirty="0"/>
+              <a:t> </a:t>
+            </a:r>
+            <a:r>
+              <a:rPr lang="nb-NO" dirty="0" err="1"/>
+              <a:t>models</a:t>
+            </a:r>
+            <a:br>
+              <a:rPr lang="nb-NO" dirty="0"/>
+            </a:br>
+            <a:r>
+              <a:rPr lang="nb-NO" dirty="0"/>
+              <a:t>- </a:t>
+            </a:r>
+            <a:r>
+              <a:rPr lang="nb-NO" dirty="0" err="1"/>
+              <a:t>Can</a:t>
+            </a:r>
+            <a:r>
+              <a:rPr lang="nb-NO" dirty="0"/>
+              <a:t> be </a:t>
+            </a:r>
+            <a:r>
+              <a:rPr lang="nb-NO" dirty="0" err="1"/>
+              <a:t>slow</a:t>
+            </a:r>
+            <a:endParaRPr lang="en-US" dirty="0"/>
+          </a:p>
+          <a:p>
+            <a:r>
+              <a:rPr lang="en-US" dirty="0"/>
+              <a:t>1. derivatives using </a:t>
+            </a:r>
+            <a:r>
+              <a:rPr lang="en-US" dirty="0" err="1"/>
+              <a:t>ReverseDiff</a:t>
+            </a:r>
+            <a:r>
+              <a:rPr lang="en-US" dirty="0"/>
+              <a:t>, </a:t>
+            </a:r>
+            <a:r>
+              <a:rPr lang="en-US" dirty="0" err="1"/>
+              <a:t>ForwardDiff</a:t>
+            </a:r>
+            <a:r>
+              <a:rPr lang="en-US" dirty="0"/>
+              <a:t> of the </a:t>
+            </a:r>
+            <a:r>
+              <a:rPr lang="en-US" dirty="0" err="1"/>
+              <a:t>ReverseDiff</a:t>
+            </a:r>
+            <a:r>
+              <a:rPr lang="en-US" dirty="0"/>
+              <a:t> for 2.</a:t>
+            </a:r>
+          </a:p>
+          <a:p>
+            <a:r>
+              <a:rPr lang="en-US" dirty="0" err="1"/>
+              <a:t>FermiNet</a:t>
+            </a:r>
+            <a:endParaRPr lang="en-US" dirty="0"/>
+          </a:p>
+        </p:txBody>
+      </p:sp>
+      <p:pic>
+        <p:nvPicPr>
+          <p:cNvPr id="5" name="Picture 4">
+            <a:extLst>
+              <a:ext uri="{FF2B5EF4-FFF2-40B4-BE49-F238E27FC236}">
+                <a16:creationId xmlns:a16="http://schemas.microsoft.com/office/drawing/2014/main" id="{127A9F6C-DE2A-3BDF-C510-7101458A0D86}"/>
+              </a:ext>
+            </a:extLst>
+          </p:cNvPr>
+          <p:cNvPicPr>
+            <a:picLocks noChangeAspect="1"/>
+          </p:cNvPicPr>
+          <p:nvPr/>
+        </p:nvPicPr>
+        <p:blipFill>
+          <a:blip r:embed="rId2"/>
+          <a:stretch>
+            <a:fillRect/>
+          </a:stretch>
+        </p:blipFill>
+        <p:spPr>
+          <a:xfrm>
+            <a:off x="672719" y="5135817"/>
+            <a:ext cx="10257409" cy="1463167"/>
+          </a:xfrm>
+          <a:prstGeom prst="rect">
+            <a:avLst/>
+          </a:prstGeom>
+        </p:spPr>
+      </p:pic>
     </p:spTree>
     <p:extLst>
       <p:ext uri="{BB962C8B-B14F-4D97-AF65-F5344CB8AC3E}">
-        <p14:creationId xmlns:p14="http://schemas.microsoft.com/office/powerpoint/2010/main" val="580098494"/>
+        <p14:creationId xmlns:p14="http://schemas.microsoft.com/office/powerpoint/2010/main" val="553797161"/>
       </p:ext>
     </p:extLst>
   </p:cSld>
@@ -4150,7 +5131,7 @@
           <p:cNvPr id="2" name="Title 1">
             <a:extLst>
               <a:ext uri="{FF2B5EF4-FFF2-40B4-BE49-F238E27FC236}">
-                <a16:creationId xmlns:a16="http://schemas.microsoft.com/office/drawing/2014/main" id="{E09AD7B6-9934-4FDA-DB3F-0CEE21522C3A}"/>
+                <a16:creationId xmlns:a16="http://schemas.microsoft.com/office/drawing/2014/main" id="{C40060DD-FA50-9FFD-0BBF-22F2C3A259E3}"/>
               </a:ext>
             </a:extLst>
           </p:cNvPr>
@@ -4168,7 +5149,7 @@
           <a:p>
             <a:r>
               <a:rPr lang="en-US" noProof="0" dirty="0"/>
-              <a:t>One-body density</a:t>
+              <a:t>Ground state energies</a:t>
             </a:r>
           </a:p>
         </p:txBody>
@@ -4178,7 +5159,7 @@
           <p:cNvPr id="3" name="Content Placeholder 2">
             <a:extLst>
               <a:ext uri="{FF2B5EF4-FFF2-40B4-BE49-F238E27FC236}">
-                <a16:creationId xmlns:a16="http://schemas.microsoft.com/office/drawing/2014/main" id="{84FCA993-E8C0-AE88-F4CC-02A45C7DF196}"/>
+                <a16:creationId xmlns:a16="http://schemas.microsoft.com/office/drawing/2014/main" id="{C1F5C68E-057C-D156-DD74-FCEAED19EA36}"/>
               </a:ext>
             </a:extLst>
           </p:cNvPr>
@@ -4198,10 +5179,40 @@
           </a:p>
         </p:txBody>
       </p:sp>
+      <p:pic>
+        <p:nvPicPr>
+          <p:cNvPr id="5" name="Picture 4">
+            <a:extLst>
+              <a:ext uri="{FF2B5EF4-FFF2-40B4-BE49-F238E27FC236}">
+                <a16:creationId xmlns:a16="http://schemas.microsoft.com/office/drawing/2014/main" id="{2CAC18DD-E3AC-E15C-F9F4-4ED3DE9AF223}"/>
+              </a:ext>
+            </a:extLst>
+          </p:cNvPr>
+          <p:cNvPicPr>
+            <a:picLocks noChangeAspect="1"/>
+          </p:cNvPicPr>
+          <p:nvPr/>
+        </p:nvPicPr>
+        <p:blipFill>
+          <a:blip r:embed="rId2"/>
+          <a:stretch>
+            <a:fillRect/>
+          </a:stretch>
+        </p:blipFill>
+        <p:spPr>
+          <a:xfrm>
+            <a:off x="1493929" y="4145077"/>
+            <a:ext cx="8131245" cy="2347163"/>
+          </a:xfrm>
+          <a:prstGeom prst="rect">
+            <a:avLst/>
+          </a:prstGeom>
+        </p:spPr>
+      </p:pic>
     </p:spTree>
     <p:extLst>
       <p:ext uri="{BB962C8B-B14F-4D97-AF65-F5344CB8AC3E}">
-        <p14:creationId xmlns:p14="http://schemas.microsoft.com/office/powerpoint/2010/main" val="2380017272"/>
+        <p14:creationId xmlns:p14="http://schemas.microsoft.com/office/powerpoint/2010/main" val="580098494"/>
       </p:ext>
     </p:extLst>
   </p:cSld>
@@ -4233,7 +5244,7 @@
           <p:cNvPr id="2" name="Title 1">
             <a:extLst>
               <a:ext uri="{FF2B5EF4-FFF2-40B4-BE49-F238E27FC236}">
-                <a16:creationId xmlns:a16="http://schemas.microsoft.com/office/drawing/2014/main" id="{18996FAB-CD56-E3B6-0744-B6652AF20729}"/>
+                <a16:creationId xmlns:a16="http://schemas.microsoft.com/office/drawing/2014/main" id="{E09AD7B6-9934-4FDA-DB3F-0CEE21522C3A}"/>
               </a:ext>
             </a:extLst>
           </p:cNvPr>
@@ -4251,7 +5262,7 @@
           <a:p>
             <a:r>
               <a:rPr lang="en-US" noProof="0" dirty="0"/>
-              <a:t>Performance</a:t>
+              <a:t>One-body density</a:t>
             </a:r>
           </a:p>
         </p:txBody>
@@ -4261,7 +5272,7 @@
           <p:cNvPr id="3" name="Content Placeholder 2">
             <a:extLst>
               <a:ext uri="{FF2B5EF4-FFF2-40B4-BE49-F238E27FC236}">
-                <a16:creationId xmlns:a16="http://schemas.microsoft.com/office/drawing/2014/main" id="{B5160412-9F8C-2C8B-B54D-D9BBCB5B602E}"/>
+                <a16:creationId xmlns:a16="http://schemas.microsoft.com/office/drawing/2014/main" id="{84FCA993-E8C0-AE88-F4CC-02A45C7DF196}"/>
               </a:ext>
             </a:extLst>
           </p:cNvPr>
@@ -4284,7 +5295,7 @@
     </p:spTree>
     <p:extLst>
       <p:ext uri="{BB962C8B-B14F-4D97-AF65-F5344CB8AC3E}">
-        <p14:creationId xmlns:p14="http://schemas.microsoft.com/office/powerpoint/2010/main" val="4080760529"/>
+        <p14:creationId xmlns:p14="http://schemas.microsoft.com/office/powerpoint/2010/main" val="2380017272"/>
       </p:ext>
     </p:extLst>
   </p:cSld>
@@ -4316,7 +5327,7 @@
           <p:cNvPr id="2" name="Title 1">
             <a:extLst>
               <a:ext uri="{FF2B5EF4-FFF2-40B4-BE49-F238E27FC236}">
-                <a16:creationId xmlns:a16="http://schemas.microsoft.com/office/drawing/2014/main" id="{CBB94327-66A7-68E1-6B87-C35413F36903}"/>
+                <a16:creationId xmlns:a16="http://schemas.microsoft.com/office/drawing/2014/main" id="{F80BD860-5497-D80F-838E-0B43A062B81F}"/>
               </a:ext>
             </a:extLst>
           </p:cNvPr>
@@ -4334,7 +5345,7 @@
           <a:p>
             <a:r>
               <a:rPr lang="en-US" noProof="0" dirty="0"/>
-              <a:t>Limitations and future work</a:t>
+              <a:t>Conclusion and perspectives for future work</a:t>
             </a:r>
           </a:p>
         </p:txBody>
@@ -4344,7 +5355,7 @@
           <p:cNvPr id="3" name="Content Placeholder 2">
             <a:extLst>
               <a:ext uri="{FF2B5EF4-FFF2-40B4-BE49-F238E27FC236}">
-                <a16:creationId xmlns:a16="http://schemas.microsoft.com/office/drawing/2014/main" id="{799112B9-5037-74B4-12F7-DE6C828D6301}"/>
+                <a16:creationId xmlns:a16="http://schemas.microsoft.com/office/drawing/2014/main" id="{307A4E7C-DE35-C261-31E5-51DFBB8E679F}"/>
               </a:ext>
             </a:extLst>
           </p:cNvPr>
@@ -4360,14 +5371,205 @@
           <a:bodyPr/>
           <a:lstStyle/>
           <a:p>
-            <a:endParaRPr lang="en-US" dirty="0"/>
+            <a:r>
+              <a:rPr lang="nb-NO" dirty="0" err="1"/>
+              <a:t>Combined</a:t>
+            </a:r>
+            <a:r>
+              <a:rPr lang="nb-NO" dirty="0"/>
+              <a:t> </a:t>
+            </a:r>
+            <a:r>
+              <a:rPr lang="nb-NO" dirty="0" err="1"/>
+              <a:t>Hartree-Fock</a:t>
+            </a:r>
+            <a:r>
+              <a:rPr lang="nb-NO" dirty="0"/>
+              <a:t> determinant </a:t>
+            </a:r>
+            <a:r>
+              <a:rPr lang="nb-NO" dirty="0" err="1"/>
+              <a:t>with</a:t>
+            </a:r>
+            <a:r>
+              <a:rPr lang="nb-NO" dirty="0"/>
+              <a:t> a neural </a:t>
+            </a:r>
+            <a:r>
+              <a:rPr lang="nb-NO" dirty="0" err="1"/>
+              <a:t>network</a:t>
+            </a:r>
+            <a:endParaRPr lang="nb-NO" dirty="0"/>
+          </a:p>
+          <a:p>
+            <a:r>
+              <a:rPr lang="en-US" dirty="0"/>
+              <a:t>Several optimizations of the method</a:t>
+            </a:r>
+          </a:p>
+          <a:p>
+            <a:r>
+              <a:rPr lang="nb-NO" dirty="0" err="1"/>
+              <a:t>Shown</a:t>
+            </a:r>
+            <a:r>
+              <a:rPr lang="nb-NO" dirty="0"/>
+              <a:t> </a:t>
+            </a:r>
+            <a:r>
+              <a:rPr lang="nb-NO" dirty="0" err="1"/>
+              <a:t>the</a:t>
+            </a:r>
+            <a:r>
+              <a:rPr lang="nb-NO" dirty="0"/>
+              <a:t> </a:t>
+            </a:r>
+            <a:r>
+              <a:rPr lang="nb-NO" dirty="0" err="1"/>
+              <a:t>feasibility</a:t>
+            </a:r>
+            <a:r>
+              <a:rPr lang="nb-NO" dirty="0"/>
+              <a:t> of </a:t>
+            </a:r>
+            <a:r>
+              <a:rPr lang="nb-NO" dirty="0" err="1"/>
+              <a:t>using</a:t>
+            </a:r>
+            <a:r>
+              <a:rPr lang="nb-NO" dirty="0"/>
+              <a:t> </a:t>
+            </a:r>
+            <a:r>
+              <a:rPr lang="nb-NO" dirty="0" err="1"/>
+              <a:t>autmatic-differentiation</a:t>
+            </a:r>
+            <a:r>
+              <a:rPr lang="nb-NO" dirty="0"/>
+              <a:t> for </a:t>
+            </a:r>
+            <a:r>
+              <a:rPr lang="nb-NO" dirty="0" err="1"/>
+              <a:t>the</a:t>
+            </a:r>
+            <a:r>
+              <a:rPr lang="nb-NO" dirty="0"/>
+              <a:t> double derivatives</a:t>
+            </a:r>
+          </a:p>
+          <a:p>
+            <a:r>
+              <a:rPr lang="nb-NO" dirty="0" err="1"/>
+              <a:t>Implemented</a:t>
+            </a:r>
+            <a:r>
+              <a:rPr lang="nb-NO" dirty="0"/>
+              <a:t> </a:t>
+            </a:r>
+            <a:r>
+              <a:rPr lang="nb-NO" dirty="0" err="1"/>
+              <a:t>several</a:t>
+            </a:r>
+            <a:r>
+              <a:rPr lang="nb-NO" dirty="0"/>
+              <a:t> </a:t>
+            </a:r>
+            <a:r>
+              <a:rPr lang="nb-NO" dirty="0" err="1"/>
+              <a:t>other</a:t>
+            </a:r>
+            <a:r>
+              <a:rPr lang="nb-NO" dirty="0"/>
+              <a:t> many-body </a:t>
+            </a:r>
+            <a:r>
+              <a:rPr lang="nb-NO" dirty="0" err="1"/>
+              <a:t>methods</a:t>
+            </a:r>
+            <a:r>
+              <a:rPr lang="nb-NO" dirty="0"/>
+              <a:t> in Julia</a:t>
+            </a:r>
+          </a:p>
+          <a:p>
+            <a:endParaRPr lang="nb-NO" dirty="0"/>
+          </a:p>
+          <a:p>
+            <a:r>
+              <a:rPr lang="nb-NO" dirty="0"/>
+              <a:t>The use of </a:t>
+            </a:r>
+            <a:r>
+              <a:rPr lang="nb-NO" dirty="0" err="1"/>
+              <a:t>particle</a:t>
+            </a:r>
+            <a:r>
+              <a:rPr lang="nb-NO" dirty="0"/>
+              <a:t> </a:t>
+            </a:r>
+            <a:r>
+              <a:rPr lang="nb-NO" dirty="0" err="1"/>
+              <a:t>distances</a:t>
+            </a:r>
+            <a:r>
+              <a:rPr lang="nb-NO" dirty="0"/>
+              <a:t> to </a:t>
+            </a:r>
+            <a:r>
+              <a:rPr lang="nb-NO" dirty="0" err="1"/>
+              <a:t>satisfy</a:t>
+            </a:r>
+            <a:r>
+              <a:rPr lang="nb-NO" dirty="0"/>
+              <a:t> </a:t>
+            </a:r>
+            <a:r>
+              <a:rPr lang="nb-NO" dirty="0" err="1"/>
+              <a:t>cusp</a:t>
+            </a:r>
+            <a:r>
+              <a:rPr lang="nb-NO" dirty="0"/>
+              <a:t> </a:t>
+            </a:r>
+            <a:r>
+              <a:rPr lang="nb-NO" dirty="0" err="1"/>
+              <a:t>conditions</a:t>
+            </a:r>
+            <a:endParaRPr lang="nb-NO" dirty="0"/>
+          </a:p>
+          <a:p>
+            <a:r>
+              <a:rPr lang="nb-NO" dirty="0"/>
+              <a:t>The use of </a:t>
+            </a:r>
+            <a:r>
+              <a:rPr lang="en-US" dirty="0"/>
+              <a:t>permutation-equivariant functions to achieve anti-symmetry in higher dimensions</a:t>
+            </a:r>
+          </a:p>
+          <a:p>
+            <a:r>
+              <a:rPr lang="nb-NO" dirty="0"/>
+              <a:t>Testing </a:t>
+            </a:r>
+            <a:r>
+              <a:rPr lang="nb-NO" dirty="0" err="1"/>
+              <a:t>on</a:t>
+            </a:r>
+            <a:r>
+              <a:rPr lang="nb-NO" dirty="0"/>
+              <a:t> more systems</a:t>
+            </a:r>
+          </a:p>
+          <a:p>
+            <a:endParaRPr lang="nb-NO" dirty="0"/>
           </a:p>
         </p:txBody>
       </p:sp>
     </p:spTree>
     <p:extLst>
       <p:ext uri="{BB962C8B-B14F-4D97-AF65-F5344CB8AC3E}">
-        <p14:creationId xmlns:p14="http://schemas.microsoft.com/office/powerpoint/2010/main" val="1415923163"/>
+        <p14:creationId xmlns:p14="http://schemas.microsoft.com/office/powerpoint/2010/main" val="3900022957"/>
       </p:ext>
     </p:extLst>
   </p:cSld>
@@ -4412,12 +5614,14 @@
         </p:nvSpPr>
         <p:spPr/>
         <p:txBody>
-          <a:bodyPr/>
-          <a:lstStyle/>
-          <a:p>
-            <a:r>
-              <a:rPr lang="nb-NO" dirty="0" err="1"/>
-              <a:t>Overview</a:t>
+          <a:bodyPr>
+            <a:normAutofit fontScale="90000"/>
+          </a:bodyPr>
+          <a:lstStyle/>
+          <a:p>
+            <a:r>
+              <a:rPr lang="en-US" sz="4400" noProof="0" dirty="0"/>
+              <a:t>Studies of Quantum Dots using Neural Networks and Coupled Cluster</a:t>
             </a:r>
             <a:endParaRPr lang="en-US" dirty="0"/>
           </a:p>
@@ -4439,96 +5643,91 @@
             <p:ph idx="1"/>
           </p:nvPr>
         </p:nvSpPr>
-        <p:spPr/>
-        <p:txBody>
-          <a:bodyPr/>
+        <p:spPr>
+          <a:xfrm>
+            <a:off x="1261872" y="1848464"/>
+            <a:ext cx="8595360" cy="4351337"/>
+          </a:xfrm>
+        </p:spPr>
+        <p:txBody>
+          <a:bodyPr>
+            <a:normAutofit/>
+          </a:bodyPr>
           <a:lstStyle/>
           <a:p>
             <a:pPr marL="0" indent="0">
               <a:buNone/>
             </a:pPr>
             <a:r>
-              <a:rPr lang="en-US" sz="1800" noProof="0" dirty="0"/>
+              <a:rPr lang="en-US" sz="2000" noProof="0" dirty="0"/>
               <a:t>   System we want to solve:</a:t>
             </a:r>
-            <a:endParaRPr lang="en-US" sz="1800" b="1" noProof="0" dirty="0"/>
-          </a:p>
-          <a:p>
-            <a:r>
-              <a:rPr lang="en-US" sz="1800" b="1" noProof="0" dirty="0"/>
+            <a:endParaRPr lang="en-US" sz="2000" b="1" noProof="0" dirty="0"/>
+          </a:p>
+          <a:p>
+            <a:r>
+              <a:rPr lang="en-US" sz="2000" b="1" noProof="0" dirty="0"/>
               <a:t>Quantum Dots </a:t>
             </a:r>
             <a:r>
-              <a:rPr lang="en-US" sz="1800" noProof="0" dirty="0"/>
+              <a:rPr lang="en-US" sz="2000" noProof="0" dirty="0"/>
               <a:t>- Trapped electrons</a:t>
             </a:r>
           </a:p>
           <a:p>
-            <a:endParaRPr lang="en-US" sz="1800" noProof="0" dirty="0"/>
+            <a:endParaRPr lang="en-US" sz="2000" noProof="0" dirty="0"/>
           </a:p>
           <a:p>
             <a:pPr marL="0" indent="0">
               <a:buNone/>
             </a:pPr>
             <a:r>
-              <a:rPr lang="en-US" dirty="0"/>
+              <a:rPr lang="en-US" sz="2000" dirty="0"/>
               <a:t>   Methods we will use to solve it:</a:t>
             </a:r>
           </a:p>
           <a:p>
             <a:r>
-              <a:rPr lang="en-US" sz="1800" noProof="0" dirty="0"/>
+              <a:rPr lang="en-US" sz="2000" noProof="0" dirty="0"/>
               <a:t>Hartree-</a:t>
             </a:r>
             <a:r>
-              <a:rPr lang="en-US" sz="1800" noProof="0" dirty="0" err="1"/>
+              <a:rPr lang="en-US" sz="2000" noProof="0" dirty="0" err="1"/>
               <a:t>Fock</a:t>
             </a:r>
-            <a:r>
-              <a:rPr lang="en-US" sz="1800" noProof="0" dirty="0"/>
-              <a:t> – Simple solution, useful starting point</a:t>
-            </a:r>
-          </a:p>
-          <a:p>
-            <a:r>
-              <a:rPr lang="en-US" b="1" dirty="0"/>
-              <a:t>Coupled Cluster </a:t>
-            </a:r>
-            <a:r>
-              <a:rPr lang="en-US" dirty="0"/>
-              <a:t>– Builds on Hartree-</a:t>
-            </a:r>
-            <a:r>
-              <a:rPr lang="en-US" dirty="0" err="1"/>
+            <a:endParaRPr lang="en-US" sz="2000" dirty="0"/>
+          </a:p>
+          <a:p>
+            <a:r>
+              <a:rPr lang="en-US" sz="2000" b="1" dirty="0"/>
+              <a:t>Coupled Cluster</a:t>
+            </a:r>
+          </a:p>
+          <a:p>
+            <a:r>
+              <a:rPr lang="en-US" sz="2000" dirty="0"/>
+              <a:t>Variational Monte Carlo (VMC)</a:t>
+            </a:r>
+            <a:br>
+              <a:rPr lang="en-US" sz="2000" dirty="0"/>
+            </a:br>
+            <a:r>
+              <a:rPr lang="en-US" sz="2000" dirty="0"/>
+              <a:t>- Hartree-</a:t>
+            </a:r>
+            <a:r>
+              <a:rPr lang="en-US" sz="2000" dirty="0" err="1"/>
               <a:t>Fock</a:t>
             </a:r>
             <a:r>
-              <a:rPr lang="en-US" dirty="0"/>
-              <a:t>, fast and accurate</a:t>
-            </a:r>
-            <a:endParaRPr lang="en-US" sz="1800" noProof="0" dirty="0"/>
-          </a:p>
-          <a:p>
-            <a:r>
-              <a:rPr lang="en-US" dirty="0"/>
-              <a:t>Variational Monte Carlo – Can optimize any function towards being a good solution: In our case a combination of Hartree-</a:t>
-            </a:r>
-            <a:r>
-              <a:rPr lang="en-US" dirty="0" err="1"/>
-              <a:t>Fock</a:t>
-            </a:r>
-            <a:r>
-              <a:rPr lang="en-US" dirty="0"/>
-              <a:t> and a </a:t>
-            </a:r>
-            <a:r>
-              <a:rPr lang="en-US" b="1" dirty="0"/>
+              <a:rPr lang="en-US" sz="2000" dirty="0"/>
+              <a:t> + </a:t>
+            </a:r>
+            <a:r>
+              <a:rPr lang="en-US" sz="2000" b="1" dirty="0"/>
               <a:t>Neural Network</a:t>
             </a:r>
-            <a:endParaRPr lang="en-US" sz="1800" b="1" noProof="0" dirty="0"/>
-          </a:p>
-          <a:p>
-            <a:endParaRPr lang="en-US" dirty="0"/>
+            <a:endParaRPr lang="en-US" sz="2000" dirty="0"/>
           </a:p>
         </p:txBody>
       </p:sp>
@@ -4536,89 +5735,6 @@
     <p:extLst>
       <p:ext uri="{BB962C8B-B14F-4D97-AF65-F5344CB8AC3E}">
         <p14:creationId xmlns:p14="http://schemas.microsoft.com/office/powerpoint/2010/main" val="3723907965"/>
-      </p:ext>
-    </p:extLst>
-  </p:cSld>
-  <p:clrMapOvr>
-    <a:masterClrMapping/>
-  </p:clrMapOvr>
-</p:sld>
-</file>
-
-<file path=ppt/slides/slide20.xml><?xml version="1.0" encoding="utf-8"?>
-<p:sld xmlns:a="http://schemas.openxmlformats.org/drawingml/2006/main" xmlns:r="http://schemas.openxmlformats.org/officeDocument/2006/relationships" xmlns:p="http://schemas.openxmlformats.org/presentationml/2006/main">
-  <p:cSld>
-    <p:spTree>
-      <p:nvGrpSpPr>
-        <p:cNvPr id="1" name=""/>
-        <p:cNvGrpSpPr/>
-        <p:nvPr/>
-      </p:nvGrpSpPr>
-      <p:grpSpPr>
-        <a:xfrm>
-          <a:off x="0" y="0"/>
-          <a:ext cx="0" cy="0"/>
-          <a:chOff x="0" y="0"/>
-          <a:chExt cx="0" cy="0"/>
-        </a:xfrm>
-      </p:grpSpPr>
-      <p:sp>
-        <p:nvSpPr>
-          <p:cNvPr id="2" name="Title 1">
-            <a:extLst>
-              <a:ext uri="{FF2B5EF4-FFF2-40B4-BE49-F238E27FC236}">
-                <a16:creationId xmlns:a16="http://schemas.microsoft.com/office/drawing/2014/main" id="{F80BD860-5497-D80F-838E-0B43A062B81F}"/>
-              </a:ext>
-            </a:extLst>
-          </p:cNvPr>
-          <p:cNvSpPr>
-            <a:spLocks noGrp="1"/>
-          </p:cNvSpPr>
-          <p:nvPr>
-            <p:ph type="title"/>
-          </p:nvPr>
-        </p:nvSpPr>
-        <p:spPr/>
-        <p:txBody>
-          <a:bodyPr/>
-          <a:lstStyle/>
-          <a:p>
-            <a:r>
-              <a:rPr lang="en-US" noProof="0" dirty="0"/>
-              <a:t>Conclusion</a:t>
-            </a:r>
-          </a:p>
-        </p:txBody>
-      </p:sp>
-      <p:sp>
-        <p:nvSpPr>
-          <p:cNvPr id="3" name="Content Placeholder 2">
-            <a:extLst>
-              <a:ext uri="{FF2B5EF4-FFF2-40B4-BE49-F238E27FC236}">
-                <a16:creationId xmlns:a16="http://schemas.microsoft.com/office/drawing/2014/main" id="{307A4E7C-DE35-C261-31E5-51DFBB8E679F}"/>
-              </a:ext>
-            </a:extLst>
-          </p:cNvPr>
-          <p:cNvSpPr>
-            <a:spLocks noGrp="1"/>
-          </p:cNvSpPr>
-          <p:nvPr>
-            <p:ph idx="1"/>
-          </p:nvPr>
-        </p:nvSpPr>
-        <p:spPr/>
-        <p:txBody>
-          <a:bodyPr/>
-          <a:lstStyle/>
-          <a:p>
-            <a:endParaRPr lang="en-US"/>
-          </a:p>
-        </p:txBody>
-      </p:sp>
-    </p:spTree>
-    <p:extLst>
-      <p:ext uri="{BB962C8B-B14F-4D97-AF65-F5344CB8AC3E}">
-        <p14:creationId xmlns:p14="http://schemas.microsoft.com/office/powerpoint/2010/main" val="3900022957"/>
       </p:ext>
     </p:extLst>
   </p:cSld>
@@ -4650,6 +5766,178 @@
           <p:cNvPr id="2" name="Title 1">
             <a:extLst>
               <a:ext uri="{FF2B5EF4-FFF2-40B4-BE49-F238E27FC236}">
+                <a16:creationId xmlns:a16="http://schemas.microsoft.com/office/drawing/2014/main" id="{2D36EDFF-CC9A-9C93-0EB8-1D68C5F997B9}"/>
+              </a:ext>
+            </a:extLst>
+          </p:cNvPr>
+          <p:cNvSpPr>
+            <a:spLocks noGrp="1"/>
+          </p:cNvSpPr>
+          <p:nvPr>
+            <p:ph type="title"/>
+          </p:nvPr>
+        </p:nvSpPr>
+        <p:spPr/>
+        <p:txBody>
+          <a:bodyPr/>
+          <a:lstStyle/>
+          <a:p>
+            <a:r>
+              <a:rPr lang="en-US" noProof="0" dirty="0"/>
+              <a:t>Goals</a:t>
+            </a:r>
+          </a:p>
+        </p:txBody>
+      </p:sp>
+      <p:sp>
+        <p:nvSpPr>
+          <p:cNvPr id="3" name="Content Placeholder 2">
+            <a:extLst>
+              <a:ext uri="{FF2B5EF4-FFF2-40B4-BE49-F238E27FC236}">
+                <a16:creationId xmlns:a16="http://schemas.microsoft.com/office/drawing/2014/main" id="{6A4CB3C2-29BD-4818-2C8D-D52F99899CEF}"/>
+              </a:ext>
+            </a:extLst>
+          </p:cNvPr>
+          <p:cNvSpPr>
+            <a:spLocks noGrp="1"/>
+          </p:cNvSpPr>
+          <p:nvPr>
+            <p:ph idx="1"/>
+          </p:nvPr>
+        </p:nvSpPr>
+        <p:spPr/>
+        <p:txBody>
+          <a:bodyPr>
+            <a:normAutofit/>
+          </a:bodyPr>
+          <a:lstStyle/>
+          <a:p>
+            <a:pPr marL="342900" indent="-342900">
+              <a:buFont typeface="+mj-lt"/>
+              <a:buAutoNum type="arabicPeriod"/>
+            </a:pPr>
+            <a:r>
+              <a:rPr lang="en-US" sz="2400" dirty="0">
+                <a:effectLst/>
+                <a:latin typeface="Times New Roman" panose="02020603050405020304" pitchFamily="18" charset="0"/>
+              </a:rPr>
+              <a:t>Implement the restricted Hartree-</a:t>
+            </a:r>
+            <a:r>
+              <a:rPr lang="en-US" sz="2400" dirty="0" err="1">
+                <a:effectLst/>
+                <a:latin typeface="Times New Roman" panose="02020603050405020304" pitchFamily="18" charset="0"/>
+              </a:rPr>
+              <a:t>Fock</a:t>
+            </a:r>
+            <a:r>
+              <a:rPr lang="en-US" sz="2400" dirty="0">
+                <a:effectLst/>
+                <a:latin typeface="Times New Roman" panose="02020603050405020304" pitchFamily="18" charset="0"/>
+              </a:rPr>
+              <a:t> method, the general Hartree-</a:t>
+            </a:r>
+            <a:r>
+              <a:rPr lang="en-US" sz="2400" dirty="0" err="1">
+                <a:effectLst/>
+                <a:latin typeface="Times New Roman" panose="02020603050405020304" pitchFamily="18" charset="0"/>
+              </a:rPr>
+              <a:t>Fock</a:t>
+            </a:r>
+            <a:r>
+              <a:rPr lang="en-US" sz="2400" dirty="0">
+                <a:effectLst/>
+                <a:latin typeface="Times New Roman" panose="02020603050405020304" pitchFamily="18" charset="0"/>
+              </a:rPr>
+              <a:t> method, the coupled cluster doubles method, and the coupled cluster singles and doubles method</a:t>
+            </a:r>
+          </a:p>
+          <a:p>
+            <a:pPr marL="342900" indent="-342900">
+              <a:buFont typeface="+mj-lt"/>
+              <a:buAutoNum type="arabicPeriod"/>
+            </a:pPr>
+            <a:r>
+              <a:rPr lang="en-GB" sz="2400" dirty="0"/>
+              <a:t>Implement a variational Monte Carlo code combining the Hartree-</a:t>
+            </a:r>
+            <a:r>
+              <a:rPr lang="en-GB" sz="2400" dirty="0" err="1"/>
+              <a:t>Fock</a:t>
+            </a:r>
+            <a:r>
+              <a:rPr lang="en-GB" sz="2400" dirty="0"/>
+              <a:t> solution with a neural network</a:t>
+            </a:r>
+            <a:endParaRPr lang="en-US" sz="2400" dirty="0">
+              <a:effectLst/>
+              <a:latin typeface="Times New Roman" panose="02020603050405020304" pitchFamily="18" charset="0"/>
+            </a:endParaRPr>
+          </a:p>
+          <a:p>
+            <a:pPr marL="342900" indent="-342900">
+              <a:buFont typeface="+mj-lt"/>
+              <a:buAutoNum type="arabicPeriod"/>
+            </a:pPr>
+            <a:r>
+              <a:rPr lang="nb-NO" sz="2400" dirty="0"/>
+              <a:t>Make </a:t>
+            </a:r>
+            <a:r>
+              <a:rPr lang="nb-NO" sz="2400" dirty="0" err="1"/>
+              <a:t>the</a:t>
+            </a:r>
+            <a:r>
+              <a:rPr lang="nb-NO" sz="2400" dirty="0"/>
+              <a:t> </a:t>
+            </a:r>
+            <a:r>
+              <a:rPr lang="nb-NO" sz="2400" dirty="0" err="1"/>
+              <a:t>code</a:t>
+            </a:r>
+            <a:r>
+              <a:rPr lang="nb-NO" sz="2400" dirty="0"/>
+              <a:t> really fast</a:t>
+            </a:r>
+            <a:endParaRPr lang="en-US" sz="2400" dirty="0"/>
+          </a:p>
+        </p:txBody>
+      </p:sp>
+    </p:spTree>
+    <p:extLst>
+      <p:ext uri="{BB962C8B-B14F-4D97-AF65-F5344CB8AC3E}">
+        <p14:creationId xmlns:p14="http://schemas.microsoft.com/office/powerpoint/2010/main" val="3627376563"/>
+      </p:ext>
+    </p:extLst>
+  </p:cSld>
+  <p:clrMapOvr>
+    <a:masterClrMapping/>
+  </p:clrMapOvr>
+</p:sld>
+</file>
+
+<file path=ppt/slides/slide4.xml><?xml version="1.0" encoding="utf-8"?>
+<p:sld xmlns:a="http://schemas.openxmlformats.org/drawingml/2006/main" xmlns:r="http://schemas.openxmlformats.org/officeDocument/2006/relationships" xmlns:p="http://schemas.openxmlformats.org/presentationml/2006/main">
+  <p:cSld>
+    <p:spTree>
+      <p:nvGrpSpPr>
+        <p:cNvPr id="1" name=""/>
+        <p:cNvGrpSpPr/>
+        <p:nvPr/>
+      </p:nvGrpSpPr>
+      <p:grpSpPr>
+        <a:xfrm>
+          <a:off x="0" y="0"/>
+          <a:ext cx="0" cy="0"/>
+          <a:chOff x="0" y="0"/>
+          <a:chExt cx="0" cy="0"/>
+        </a:xfrm>
+      </p:grpSpPr>
+      <p:sp>
+        <p:nvSpPr>
+          <p:cNvPr id="2" name="Title 1">
+            <a:extLst>
+              <a:ext uri="{FF2B5EF4-FFF2-40B4-BE49-F238E27FC236}">
                 <a16:creationId xmlns:a16="http://schemas.microsoft.com/office/drawing/2014/main" id="{74043427-3212-635F-7412-AF4FEF5AD051}"/>
               </a:ext>
             </a:extLst>
@@ -4692,142 +5980,116 @@
         <p:spPr>
           <a:xfrm>
             <a:off x="1261872" y="1828800"/>
-            <a:ext cx="4392479" cy="4351337"/>
+            <a:ext cx="4982324" cy="4351337"/>
           </a:xfrm>
         </p:spPr>
         <p:txBody>
-          <a:bodyPr/>
-          <a:lstStyle/>
-          <a:p>
-            <a:r>
-              <a:rPr lang="nb-NO" dirty="0"/>
-              <a:t>Electrons </a:t>
-            </a:r>
-            <a:r>
-              <a:rPr lang="nb-NO" dirty="0" err="1"/>
-              <a:t>trapped</a:t>
-            </a:r>
-            <a:r>
-              <a:rPr lang="nb-NO" dirty="0"/>
-              <a:t> in a </a:t>
-            </a:r>
-            <a:r>
-              <a:rPr lang="nb-NO" dirty="0" err="1"/>
+          <a:bodyPr>
+            <a:normAutofit/>
+          </a:bodyPr>
+          <a:lstStyle/>
+          <a:p>
+            <a:r>
+              <a:rPr lang="nb-NO" sz="2000" dirty="0"/>
+              <a:t>Electrons in a </a:t>
+            </a:r>
+            <a:r>
+              <a:rPr lang="nb-NO" sz="2000" dirty="0" err="1"/>
               <a:t>Harmonic</a:t>
             </a:r>
             <a:r>
-              <a:rPr lang="nb-NO" dirty="0"/>
+              <a:rPr lang="nb-NO" sz="2000" dirty="0"/>
               <a:t> </a:t>
             </a:r>
             <a:r>
-              <a:rPr lang="nb-NO" dirty="0" err="1"/>
+              <a:rPr lang="nb-NO" sz="2000" dirty="0" err="1"/>
               <a:t>Potential</a:t>
             </a:r>
             <a:br>
-              <a:rPr lang="nb-NO" dirty="0"/>
+              <a:rPr lang="nb-NO" sz="2000" dirty="0"/>
             </a:br>
             <a:r>
-              <a:rPr lang="nb-NO" dirty="0"/>
-              <a:t>- The </a:t>
-            </a:r>
-            <a:r>
-              <a:rPr lang="nb-NO" dirty="0" err="1"/>
-              <a:t>potential</a:t>
-            </a:r>
-            <a:r>
-              <a:rPr lang="nb-NO" dirty="0"/>
-              <a:t> pulls them in</a:t>
+              <a:rPr lang="nb-NO" sz="2000" dirty="0"/>
+              <a:t>- </a:t>
+            </a:r>
+            <a:r>
+              <a:rPr lang="nb-NO" sz="2000" dirty="0" err="1"/>
+              <a:t>Potential</a:t>
+            </a:r>
+            <a:r>
+              <a:rPr lang="nb-NO" sz="2000" dirty="0"/>
+              <a:t> pulls</a:t>
             </a:r>
             <a:br>
-              <a:rPr lang="nb-NO" dirty="0"/>
+              <a:rPr lang="nb-NO" sz="2000" dirty="0"/>
             </a:br>
             <a:r>
-              <a:rPr lang="nb-NO" dirty="0"/>
-              <a:t>- The electrons </a:t>
-            </a:r>
-            <a:r>
-              <a:rPr lang="nb-NO" dirty="0" err="1"/>
+              <a:rPr lang="nb-NO" sz="2000" dirty="0"/>
+              <a:t>- Electrons </a:t>
+            </a:r>
+            <a:r>
+              <a:rPr lang="nb-NO" sz="2000" dirty="0" err="1"/>
               <a:t>repel</a:t>
             </a:r>
-            <a:r>
-              <a:rPr lang="nb-NO" dirty="0"/>
+            <a:endParaRPr lang="nb-NO" sz="2000" dirty="0"/>
+          </a:p>
+          <a:p>
+            <a:r>
+              <a:rPr lang="nb-NO" sz="2000" dirty="0" err="1"/>
+              <a:t>Approximates</a:t>
+            </a:r>
+            <a:r>
+              <a:rPr lang="nb-NO" sz="2000" dirty="0"/>
               <a:t> </a:t>
             </a:r>
             <a:r>
-              <a:rPr lang="nb-NO" dirty="0" err="1"/>
-              <a:t>each</a:t>
-            </a:r>
-            <a:r>
-              <a:rPr lang="nb-NO" dirty="0"/>
+              <a:rPr lang="nb-NO" sz="2000" dirty="0" err="1"/>
+              <a:t>other</a:t>
+            </a:r>
+            <a:r>
+              <a:rPr lang="nb-NO" sz="2000" dirty="0"/>
               <a:t> </a:t>
             </a:r>
             <a:r>
-              <a:rPr lang="nb-NO" dirty="0" err="1"/>
-              <a:t>other</a:t>
-            </a:r>
-            <a:endParaRPr lang="nb-NO" dirty="0"/>
-          </a:p>
-          <a:p>
-            <a:r>
-              <a:rPr lang="nb-NO" dirty="0"/>
-              <a:t>Good </a:t>
-            </a:r>
-            <a:r>
-              <a:rPr lang="nb-NO" dirty="0" err="1"/>
-              <a:t>approximation</a:t>
-            </a:r>
-            <a:r>
-              <a:rPr lang="nb-NO" dirty="0"/>
-              <a:t> to </a:t>
-            </a:r>
-            <a:r>
-              <a:rPr lang="nb-NO" dirty="0" err="1"/>
-              <a:t>other</a:t>
-            </a:r>
-            <a:r>
-              <a:rPr lang="nb-NO" dirty="0"/>
+              <a:rPr lang="nb-NO" sz="2000" dirty="0" err="1"/>
+              <a:t>potentials</a:t>
+            </a:r>
+            <a:endParaRPr lang="nb-NO" sz="2000" dirty="0"/>
+          </a:p>
+          <a:p>
+            <a:r>
+              <a:rPr lang="nb-NO" sz="2000" dirty="0"/>
+              <a:t>Non-</a:t>
+            </a:r>
+            <a:r>
+              <a:rPr lang="nb-NO" sz="2000" dirty="0" err="1"/>
+              <a:t>interacting</a:t>
+            </a:r>
+            <a:r>
+              <a:rPr lang="nb-NO" sz="2000" dirty="0"/>
+              <a:t> case has </a:t>
+            </a:r>
+            <a:r>
+              <a:rPr lang="nb-NO" sz="2000" dirty="0" err="1"/>
+              <a:t>exact</a:t>
+            </a:r>
+            <a:r>
+              <a:rPr lang="nb-NO" sz="2000" dirty="0"/>
               <a:t> </a:t>
             </a:r>
             <a:r>
-              <a:rPr lang="nb-NO" dirty="0" err="1"/>
-              <a:t>potentials</a:t>
-            </a:r>
-            <a:endParaRPr lang="nb-NO" dirty="0"/>
-          </a:p>
-          <a:p>
-            <a:r>
-              <a:rPr lang="nb-NO" dirty="0"/>
-              <a:t>Non-</a:t>
-            </a:r>
-            <a:r>
-              <a:rPr lang="nb-NO" dirty="0" err="1"/>
-              <a:t>interacting</a:t>
-            </a:r>
-            <a:r>
-              <a:rPr lang="nb-NO" dirty="0"/>
-              <a:t> case has an </a:t>
-            </a:r>
-            <a:r>
-              <a:rPr lang="nb-NO" dirty="0" err="1"/>
-              <a:t>exact</a:t>
-            </a:r>
-            <a:r>
-              <a:rPr lang="nb-NO" dirty="0"/>
+              <a:rPr lang="nb-NO" sz="2000" dirty="0" err="1"/>
+              <a:t>analytical</a:t>
+            </a:r>
+            <a:r>
+              <a:rPr lang="nb-NO" sz="2000" dirty="0"/>
               <a:t> </a:t>
             </a:r>
             <a:r>
-              <a:rPr lang="nb-NO" dirty="0" err="1"/>
-              <a:t>analytical</a:t>
-            </a:r>
-            <a:r>
-              <a:rPr lang="nb-NO" dirty="0"/>
-              <a:t> </a:t>
-            </a:r>
-            <a:r>
-              <a:rPr lang="nb-NO" dirty="0" err="1"/>
+              <a:rPr lang="nb-NO" sz="2000" dirty="0" err="1"/>
               <a:t>solution</a:t>
             </a:r>
-            <a:endParaRPr lang="nb-NO" dirty="0"/>
+            <a:endParaRPr lang="nb-NO" sz="2000" dirty="0"/>
           </a:p>
         </p:txBody>
       </p:sp>
@@ -4859,8 +6121,8 @@
         </p:blipFill>
         <p:spPr>
           <a:xfrm>
-            <a:off x="6108192" y="3051626"/>
-            <a:ext cx="4324055" cy="2882703"/>
+            <a:off x="6244196" y="3254477"/>
+            <a:ext cx="4856645" cy="3237763"/>
           </a:xfrm>
           <a:prstGeom prst="rect">
             <a:avLst/>
@@ -4889,8 +6151,8 @@
         </p:blipFill>
         <p:spPr>
           <a:xfrm>
-            <a:off x="5654351" y="1828800"/>
-            <a:ext cx="1262280" cy="977019"/>
+            <a:off x="7955164" y="1691322"/>
+            <a:ext cx="1434707" cy="1110479"/>
           </a:xfrm>
           <a:prstGeom prst="rect">
             <a:avLst/>
@@ -4910,7 +6172,7 @@
 </p:sld>
 </file>
 
-<file path=ppt/slides/slide4.xml><?xml version="1.0" encoding="utf-8"?>
+<file path=ppt/slides/slide5.xml><?xml version="1.0" encoding="utf-8"?>
 <p:sld xmlns:a="http://schemas.openxmlformats.org/drawingml/2006/main" xmlns:r="http://schemas.openxmlformats.org/officeDocument/2006/relationships" xmlns:p="http://schemas.openxmlformats.org/presentationml/2006/main">
   <p:cSld>
     <p:spTree>
@@ -4978,75 +6240,80 @@
         </p:nvSpPr>
         <p:spPr/>
         <p:txBody>
-          <a:bodyPr/>
-          <a:lstStyle/>
-          <a:p>
-            <a:r>
-              <a:rPr lang="nb-NO" dirty="0"/>
+          <a:bodyPr>
+            <a:normAutofit lnSpcReduction="10000"/>
+          </a:bodyPr>
+          <a:lstStyle/>
+          <a:p>
+            <a:endParaRPr lang="nb-NO" sz="2400" dirty="0"/>
+          </a:p>
+          <a:p>
+            <a:endParaRPr lang="nb-NO" sz="2400" dirty="0"/>
+          </a:p>
+          <a:p>
+            <a:r>
+              <a:rPr lang="nb-NO" sz="2400" dirty="0"/>
               <a:t>The time-</a:t>
             </a:r>
             <a:r>
-              <a:rPr lang="nb-NO" dirty="0" err="1"/>
+              <a:rPr lang="nb-NO" sz="2400" dirty="0" err="1"/>
               <a:t>independent</a:t>
             </a:r>
             <a:r>
-              <a:rPr lang="nb-NO" dirty="0"/>
+              <a:rPr lang="nb-NO" sz="2400" dirty="0"/>
               <a:t> </a:t>
             </a:r>
             <a:r>
-              <a:rPr lang="nb-NO" dirty="0" err="1"/>
+              <a:rPr lang="nb-NO" sz="2400" dirty="0" err="1"/>
               <a:t>electronic</a:t>
             </a:r>
             <a:r>
-              <a:rPr lang="nb-NO" dirty="0"/>
+              <a:rPr lang="nb-NO" sz="2400" dirty="0"/>
               <a:t> </a:t>
             </a:r>
             <a:r>
-              <a:rPr lang="nb-NO" dirty="0" err="1"/>
+              <a:rPr lang="nb-NO" sz="2400" dirty="0" err="1"/>
               <a:t>Schrödinger</a:t>
             </a:r>
             <a:r>
-              <a:rPr lang="nb-NO" dirty="0"/>
+              <a:rPr lang="nb-NO" sz="2400" dirty="0"/>
               <a:t> </a:t>
             </a:r>
             <a:r>
-              <a:rPr lang="nb-NO" dirty="0" err="1"/>
+              <a:rPr lang="nb-NO" sz="2400" dirty="0" err="1"/>
               <a:t>equation</a:t>
             </a:r>
-            <a:endParaRPr lang="en-US" dirty="0"/>
-          </a:p>
-          <a:p>
-            <a:endParaRPr lang="en-US" dirty="0"/>
-          </a:p>
-          <a:p>
-            <a:endParaRPr lang="en-US" dirty="0"/>
-          </a:p>
-          <a:p>
-            <a:endParaRPr lang="en-US" dirty="0"/>
-          </a:p>
-          <a:p>
-            <a:endParaRPr lang="en-US" dirty="0"/>
-          </a:p>
-          <a:p>
-            <a:endParaRPr lang="en-US" dirty="0"/>
-          </a:p>
-          <a:p>
-            <a:r>
-              <a:rPr lang="en-US" dirty="0"/>
+            <a:endParaRPr lang="en-US" sz="2400" dirty="0"/>
+          </a:p>
+          <a:p>
+            <a:endParaRPr lang="en-US" sz="2400" dirty="0"/>
+          </a:p>
+          <a:p>
+            <a:endParaRPr lang="en-US" sz="2400" dirty="0"/>
+          </a:p>
+          <a:p>
+            <a:pPr marL="0" indent="0">
+              <a:buNone/>
+            </a:pPr>
+            <a:endParaRPr lang="en-US" sz="2400" dirty="0"/>
+          </a:p>
+          <a:p>
+            <a:r>
+              <a:rPr lang="en-US" sz="2400" dirty="0"/>
               <a:t>The variational method</a:t>
             </a:r>
             <a:br>
-              <a:rPr lang="en-US" dirty="0"/>
+              <a:rPr lang="en-US" sz="2400" dirty="0"/>
             </a:br>
             <a:r>
-              <a:rPr lang="en-US" dirty="0"/>
+              <a:rPr lang="en-US" sz="2400" dirty="0"/>
               <a:t>- Trial wave function</a:t>
             </a:r>
             <a:br>
-              <a:rPr lang="en-US" dirty="0"/>
+              <a:rPr lang="en-US" sz="2400" dirty="0"/>
             </a:br>
             <a:r>
-              <a:rPr lang="en-US" dirty="0"/>
+              <a:rPr lang="en-US" sz="2400" dirty="0"/>
               <a:t>- Optimization</a:t>
             </a:r>
           </a:p>
@@ -5077,8 +6344,8 @@
         </p:blipFill>
         <p:spPr>
           <a:xfrm>
-            <a:off x="2033783" y="2706049"/>
-            <a:ext cx="5818794" cy="1766420"/>
+            <a:off x="2644878" y="3287353"/>
+            <a:ext cx="4800762" cy="1457375"/>
           </a:xfrm>
           <a:prstGeom prst="rect">
             <a:avLst/>
@@ -5107,8 +6374,8 @@
         </p:blipFill>
         <p:spPr>
           <a:xfrm>
-            <a:off x="3538547" y="2142865"/>
-            <a:ext cx="2809266" cy="904270"/>
+            <a:off x="4218039" y="2028086"/>
+            <a:ext cx="2188768" cy="704539"/>
           </a:xfrm>
           <a:prstGeom prst="rect">
             <a:avLst/>
@@ -5119,177 +6386,6 @@
     <p:extLst>
       <p:ext uri="{BB962C8B-B14F-4D97-AF65-F5344CB8AC3E}">
         <p14:creationId xmlns:p14="http://schemas.microsoft.com/office/powerpoint/2010/main" val="2448575732"/>
-      </p:ext>
-    </p:extLst>
-  </p:cSld>
-  <p:clrMapOvr>
-    <a:masterClrMapping/>
-  </p:clrMapOvr>
-</p:sld>
-</file>
-
-<file path=ppt/slides/slide5.xml><?xml version="1.0" encoding="utf-8"?>
-<p:sld xmlns:a="http://schemas.openxmlformats.org/drawingml/2006/main" xmlns:r="http://schemas.openxmlformats.org/officeDocument/2006/relationships" xmlns:p="http://schemas.openxmlformats.org/presentationml/2006/main">
-  <p:cSld>
-    <p:spTree>
-      <p:nvGrpSpPr>
-        <p:cNvPr id="1" name=""/>
-        <p:cNvGrpSpPr/>
-        <p:nvPr/>
-      </p:nvGrpSpPr>
-      <p:grpSpPr>
-        <a:xfrm>
-          <a:off x="0" y="0"/>
-          <a:ext cx="0" cy="0"/>
-          <a:chOff x="0" y="0"/>
-          <a:chExt cx="0" cy="0"/>
-        </a:xfrm>
-      </p:grpSpPr>
-      <p:sp>
-        <p:nvSpPr>
-          <p:cNvPr id="2" name="Title 1">
-            <a:extLst>
-              <a:ext uri="{FF2B5EF4-FFF2-40B4-BE49-F238E27FC236}">
-                <a16:creationId xmlns:a16="http://schemas.microsoft.com/office/drawing/2014/main" id="{2D36EDFF-CC9A-9C93-0EB8-1D68C5F997B9}"/>
-              </a:ext>
-            </a:extLst>
-          </p:cNvPr>
-          <p:cNvSpPr>
-            <a:spLocks noGrp="1"/>
-          </p:cNvSpPr>
-          <p:nvPr>
-            <p:ph type="title"/>
-          </p:nvPr>
-        </p:nvSpPr>
-        <p:spPr/>
-        <p:txBody>
-          <a:bodyPr/>
-          <a:lstStyle/>
-          <a:p>
-            <a:r>
-              <a:rPr lang="en-US" noProof="0" dirty="0"/>
-              <a:t>Goals</a:t>
-            </a:r>
-          </a:p>
-        </p:txBody>
-      </p:sp>
-      <p:sp>
-        <p:nvSpPr>
-          <p:cNvPr id="3" name="Content Placeholder 2">
-            <a:extLst>
-              <a:ext uri="{FF2B5EF4-FFF2-40B4-BE49-F238E27FC236}">
-                <a16:creationId xmlns:a16="http://schemas.microsoft.com/office/drawing/2014/main" id="{6A4CB3C2-29BD-4818-2C8D-D52F99899CEF}"/>
-              </a:ext>
-            </a:extLst>
-          </p:cNvPr>
-          <p:cNvSpPr>
-            <a:spLocks noGrp="1"/>
-          </p:cNvSpPr>
-          <p:nvPr>
-            <p:ph idx="1"/>
-          </p:nvPr>
-        </p:nvSpPr>
-        <p:spPr/>
-        <p:txBody>
-          <a:bodyPr>
-            <a:normAutofit/>
-          </a:bodyPr>
-          <a:lstStyle/>
-          <a:p>
-            <a:pPr marL="342900" indent="-342900">
-              <a:buFont typeface="+mj-lt"/>
-              <a:buAutoNum type="arabicPeriod"/>
-            </a:pPr>
-            <a:r>
-              <a:rPr lang="en-GB" sz="2400" dirty="0"/>
-              <a:t>Implement a variational Monte Carlo code combining the Hartree-</a:t>
-            </a:r>
-            <a:r>
-              <a:rPr lang="en-GB" sz="2400" dirty="0" err="1"/>
-              <a:t>Fock</a:t>
-            </a:r>
-            <a:r>
-              <a:rPr lang="en-GB" sz="2400" dirty="0"/>
-              <a:t> solution with a neural network</a:t>
-            </a:r>
-            <a:endParaRPr lang="nb-NO" sz="2400" dirty="0"/>
-          </a:p>
-          <a:p>
-            <a:pPr marL="342900" indent="-342900">
-              <a:buFont typeface="+mj-lt"/>
-              <a:buAutoNum type="arabicPeriod"/>
-            </a:pPr>
-            <a:r>
-              <a:rPr lang="nb-NO" sz="2400" dirty="0" err="1"/>
-              <a:t>Implement</a:t>
-            </a:r>
-            <a:r>
-              <a:rPr lang="nb-NO" sz="2400" dirty="0"/>
-              <a:t> </a:t>
-            </a:r>
-            <a:r>
-              <a:rPr lang="nb-NO" sz="2400" dirty="0" err="1"/>
-              <a:t>the</a:t>
-            </a:r>
-            <a:r>
-              <a:rPr lang="nb-NO" sz="2400" dirty="0"/>
-              <a:t> </a:t>
-            </a:r>
-            <a:r>
-              <a:rPr lang="nb-NO" sz="2400" dirty="0" err="1"/>
-              <a:t>Hartree-Fock</a:t>
-            </a:r>
-            <a:r>
-              <a:rPr lang="nb-NO" sz="2400" dirty="0"/>
-              <a:t> and </a:t>
-            </a:r>
-            <a:r>
-              <a:rPr lang="nb-NO" sz="2400" dirty="0" err="1"/>
-              <a:t>Coupled</a:t>
-            </a:r>
-            <a:r>
-              <a:rPr lang="nb-NO" sz="2400" dirty="0"/>
-              <a:t> Cluster </a:t>
-            </a:r>
-            <a:r>
-              <a:rPr lang="nb-NO" sz="2400" dirty="0" err="1"/>
-              <a:t>methods</a:t>
-            </a:r>
-            <a:endParaRPr lang="nb-NO" sz="2400" dirty="0"/>
-          </a:p>
-          <a:p>
-            <a:pPr marL="342900" indent="-342900">
-              <a:buFont typeface="+mj-lt"/>
-              <a:buAutoNum type="arabicPeriod"/>
-            </a:pPr>
-            <a:r>
-              <a:rPr lang="nb-NO" sz="2400" dirty="0"/>
-              <a:t>Make </a:t>
-            </a:r>
-            <a:r>
-              <a:rPr lang="nb-NO" sz="2400" dirty="0" err="1"/>
-              <a:t>the</a:t>
-            </a:r>
-            <a:r>
-              <a:rPr lang="nb-NO" sz="2400" dirty="0"/>
-              <a:t> </a:t>
-            </a:r>
-            <a:r>
-              <a:rPr lang="nb-NO" sz="2400" dirty="0" err="1"/>
-              <a:t>code</a:t>
-            </a:r>
-            <a:r>
-              <a:rPr lang="nb-NO" sz="2400" dirty="0"/>
-              <a:t> really fast</a:t>
-            </a:r>
-            <a:endParaRPr lang="en-US" sz="2400" dirty="0"/>
-          </a:p>
-        </p:txBody>
-      </p:sp>
-    </p:spTree>
-    <p:extLst>
-      <p:ext uri="{BB962C8B-B14F-4D97-AF65-F5344CB8AC3E}">
-        <p14:creationId xmlns:p14="http://schemas.microsoft.com/office/powerpoint/2010/main" val="3627376563"/>
       </p:ext>
     </p:extLst>
   </p:cSld>
@@ -5374,10 +6470,6 @@
           <a:lstStyle/>
           <a:p>
             <a:r>
-              <a:rPr lang="nb-NO" dirty="0"/>
-              <a:t>A single </a:t>
-            </a:r>
-            <a:r>
               <a:rPr lang="nb-NO" dirty="0" err="1"/>
               <a:t>Slater</a:t>
             </a:r>
@@ -5389,6 +6481,17 @@
           <a:p>
             <a:r>
               <a:rPr lang="nb-NO" dirty="0"/>
+              <a:t>Anti-</a:t>
+            </a:r>
+            <a:r>
+              <a:rPr lang="nb-NO" dirty="0" err="1"/>
+              <a:t>symmetric</a:t>
+            </a:r>
+            <a:endParaRPr lang="nb-NO" dirty="0"/>
+          </a:p>
+          <a:p>
+            <a:r>
+              <a:rPr lang="nb-NO" dirty="0"/>
               <a:t>Combinations of </a:t>
             </a:r>
             <a:r>
@@ -5397,7 +6500,7 @@
             </a:r>
             <a:r>
               <a:rPr lang="nb-NO" dirty="0"/>
-              <a:t> Oscillator basis </a:t>
+              <a:t> Oscillator </a:t>
             </a:r>
             <a:r>
               <a:rPr lang="nb-NO" dirty="0" err="1"/>
@@ -5416,11 +6519,11 @@
             </a:r>
             <a:r>
               <a:rPr lang="nb-NO" dirty="0" err="1"/>
-              <a:t>using</a:t>
-            </a:r>
-            <a:r>
-              <a:rPr lang="nb-NO" dirty="0"/>
-              <a:t> an iterative </a:t>
+              <a:t>with</a:t>
+            </a:r>
+            <a:r>
+              <a:rPr lang="nb-NO" dirty="0"/>
+              <a:t> iterative </a:t>
             </a:r>
             <a:r>
               <a:rPr lang="nb-NO" dirty="0" err="1"/>
@@ -5537,16 +6640,18 @@
         <p:spPr>
           <a:xfrm>
             <a:off x="1261871" y="1828800"/>
-            <a:ext cx="7154341" cy="4351337"/>
+            <a:ext cx="7803471" cy="4663440"/>
           </a:xfrm>
         </p:spPr>
         <p:txBody>
-          <a:bodyPr/>
-          <a:lstStyle/>
-          <a:p>
-            <a:r>
-              <a:rPr lang="nb-NO" dirty="0"/>
-              <a:t>Linear combination of many </a:t>
+          <a:bodyPr>
+            <a:normAutofit/>
+          </a:bodyPr>
+          <a:lstStyle/>
+          <a:p>
+            <a:r>
+              <a:rPr lang="nb-NO" dirty="0"/>
+              <a:t>Many </a:t>
             </a:r>
             <a:r>
               <a:rPr lang="nb-NO" dirty="0" err="1"/>
@@ -5558,150 +6663,44 @@
             </a:r>
           </a:p>
           <a:p>
-            <a:r>
-              <a:rPr lang="nb-NO" dirty="0" err="1"/>
-              <a:t>Written</a:t>
-            </a:r>
-            <a:r>
-              <a:rPr lang="nb-NO" dirty="0"/>
-              <a:t> in terms of combinations of just a few operators</a:t>
-            </a:r>
-          </a:p>
-          <a:p>
+            <a:pPr marL="0" indent="0">
+              <a:buNone/>
+            </a:pPr>
             <a:endParaRPr lang="nb-NO" dirty="0"/>
           </a:p>
           <a:p>
+            <a:r>
+              <a:rPr lang="nb-NO" dirty="0"/>
+              <a:t>Using just a few operators</a:t>
+            </a:r>
+          </a:p>
+          <a:p>
             <a:endParaRPr lang="nb-NO" dirty="0"/>
           </a:p>
           <a:p>
             <a:endParaRPr lang="nb-NO" dirty="0"/>
           </a:p>
           <a:p>
-            <a:r>
-              <a:rPr lang="nb-NO" dirty="0"/>
-              <a:t>We </a:t>
-            </a:r>
-            <a:r>
-              <a:rPr lang="nb-NO" dirty="0" err="1"/>
-              <a:t>solve</a:t>
-            </a:r>
-            <a:r>
-              <a:rPr lang="nb-NO" dirty="0"/>
-              <a:t> an </a:t>
-            </a:r>
-            <a:r>
-              <a:rPr lang="nb-NO" dirty="0" err="1"/>
-              <a:t>equation</a:t>
-            </a:r>
-            <a:r>
-              <a:rPr lang="nb-NO" dirty="0"/>
-              <a:t> </a:t>
-            </a:r>
-            <a:r>
-              <a:rPr lang="nb-NO" dirty="0" err="1"/>
-              <a:t>close</a:t>
-            </a:r>
-            <a:r>
-              <a:rPr lang="nb-NO" dirty="0"/>
-              <a:t> to </a:t>
-            </a:r>
-            <a:r>
-              <a:rPr lang="nb-NO" dirty="0" err="1"/>
-              <a:t>the</a:t>
-            </a:r>
-            <a:r>
-              <a:rPr lang="nb-NO" dirty="0"/>
-              <a:t> </a:t>
-            </a:r>
-            <a:r>
-              <a:rPr lang="nb-NO" dirty="0" err="1"/>
-              <a:t>Schrödinger</a:t>
-            </a:r>
-            <a:r>
-              <a:rPr lang="nb-NO" dirty="0"/>
-              <a:t> </a:t>
-            </a:r>
-            <a:r>
-              <a:rPr lang="nb-NO" dirty="0" err="1"/>
-              <a:t>equation</a:t>
-            </a:r>
             <a:endParaRPr lang="nb-NO" dirty="0"/>
           </a:p>
           <a:p>
             <a:endParaRPr lang="nb-NO" dirty="0"/>
           </a:p>
           <a:p>
+            <a:r>
+              <a:rPr lang="nb-NO" dirty="0"/>
+              <a:t>Not </a:t>
+            </a:r>
+            <a:r>
+              <a:rPr lang="nb-NO" dirty="0" err="1"/>
+              <a:t>variational</a:t>
+            </a:r>
             <a:endParaRPr lang="nb-NO" dirty="0"/>
           </a:p>
           <a:p>
-            <a:r>
-              <a:rPr lang="nb-NO" dirty="0" err="1"/>
-              <a:t>Often</a:t>
-            </a:r>
-            <a:r>
-              <a:rPr lang="nb-NO" dirty="0"/>
-              <a:t> </a:t>
-            </a:r>
-            <a:r>
-              <a:rPr lang="nb-NO" dirty="0" err="1"/>
-              <a:t>gives</a:t>
-            </a:r>
-            <a:r>
-              <a:rPr lang="nb-NO" dirty="0"/>
-              <a:t> a </a:t>
-            </a:r>
-            <a:r>
-              <a:rPr lang="nb-NO" dirty="0" err="1"/>
-              <a:t>very</a:t>
-            </a:r>
-            <a:r>
-              <a:rPr lang="nb-NO" dirty="0"/>
-              <a:t> </a:t>
-            </a:r>
-            <a:r>
-              <a:rPr lang="nb-NO" dirty="0" err="1"/>
-              <a:t>good</a:t>
-            </a:r>
-            <a:r>
-              <a:rPr lang="nb-NO" dirty="0"/>
-              <a:t> </a:t>
-            </a:r>
-            <a:r>
-              <a:rPr lang="nb-NO" dirty="0" err="1"/>
-              <a:t>estimate</a:t>
-            </a:r>
-            <a:r>
-              <a:rPr lang="nb-NO" dirty="0"/>
-              <a:t> for </a:t>
-            </a:r>
-            <a:r>
-              <a:rPr lang="nb-NO" dirty="0" err="1"/>
-              <a:t>the</a:t>
-            </a:r>
-            <a:r>
-              <a:rPr lang="nb-NO" dirty="0"/>
-              <a:t> </a:t>
-            </a:r>
-            <a:r>
-              <a:rPr lang="nb-NO" dirty="0" err="1"/>
-              <a:t>ground</a:t>
-            </a:r>
-            <a:r>
-              <a:rPr lang="nb-NO" dirty="0"/>
-              <a:t> </a:t>
-            </a:r>
-            <a:r>
-              <a:rPr lang="nb-NO" dirty="0" err="1"/>
-              <a:t>state</a:t>
-            </a:r>
-            <a:r>
-              <a:rPr lang="nb-NO" dirty="0"/>
-              <a:t> </a:t>
-            </a:r>
-            <a:r>
-              <a:rPr lang="nb-NO" dirty="0" err="1"/>
-              <a:t>energy</a:t>
-            </a:r>
+            <a:endParaRPr lang="nb-NO" dirty="0"/>
+          </a:p>
+          <a:p>
             <a:endParaRPr lang="nb-NO" dirty="0"/>
           </a:p>
         </p:txBody>
@@ -5728,7 +6727,7 @@
         </p:blipFill>
         <p:spPr>
           <a:xfrm>
-            <a:off x="900427" y="2570035"/>
+            <a:off x="1153021" y="3486924"/>
             <a:ext cx="8021169" cy="981212"/>
           </a:xfrm>
           <a:prstGeom prst="rect">
@@ -5758,7 +6757,7 @@
         </p:blipFill>
         <p:spPr>
           <a:xfrm>
-            <a:off x="900427" y="3429000"/>
+            <a:off x="1153021" y="4219797"/>
             <a:ext cx="4153480" cy="771633"/>
           </a:xfrm>
           <a:prstGeom prst="rect">
@@ -5788,7 +6787,7 @@
         </p:blipFill>
         <p:spPr>
           <a:xfrm>
-            <a:off x="4105291" y="4823363"/>
+            <a:off x="3663515" y="6011429"/>
             <a:ext cx="3000182" cy="472470"/>
           </a:xfrm>
           <a:prstGeom prst="rect">
@@ -5818,7 +6817,7 @@
         </p:blipFill>
         <p:spPr>
           <a:xfrm>
-            <a:off x="214995" y="4823363"/>
+            <a:off x="185498" y="6011429"/>
             <a:ext cx="3097763" cy="528117"/>
           </a:xfrm>
           <a:prstGeom prst="rect">
@@ -5848,7 +6847,7 @@
         </p:blipFill>
         <p:spPr>
           <a:xfrm>
-            <a:off x="7898006" y="4772499"/>
+            <a:off x="7421505" y="5909702"/>
             <a:ext cx="3000182" cy="574197"/>
           </a:xfrm>
           <a:prstGeom prst="rect">
@@ -5930,10 +6929,218 @@
             <p:ph idx="1"/>
           </p:nvPr>
         </p:nvSpPr>
-        <p:spPr/>
-        <p:txBody>
-          <a:bodyPr/>
-          <a:lstStyle/>
+        <p:spPr>
+          <a:xfrm>
+            <a:off x="1261872" y="1828800"/>
+            <a:ext cx="8595360" cy="4796118"/>
+          </a:xfrm>
+        </p:spPr>
+        <p:txBody>
+          <a:bodyPr>
+            <a:normAutofit/>
+          </a:bodyPr>
+          <a:lstStyle/>
+          <a:p>
+            <a:r>
+              <a:rPr lang="nb-NO" dirty="0" err="1"/>
+              <a:t>Efficiently</a:t>
+            </a:r>
+            <a:r>
+              <a:rPr lang="nb-NO" dirty="0"/>
+              <a:t> </a:t>
+            </a:r>
+            <a:r>
+              <a:rPr lang="nb-NO" dirty="0" err="1"/>
+              <a:t>approximate</a:t>
+            </a:r>
+            <a:r>
+              <a:rPr lang="nb-NO" dirty="0"/>
+              <a:t> integrals</a:t>
+            </a:r>
+          </a:p>
+          <a:p>
+            <a:r>
+              <a:rPr lang="nb-NO" dirty="0" err="1"/>
+              <a:t>Moving</a:t>
+            </a:r>
+            <a:r>
+              <a:rPr lang="nb-NO" dirty="0"/>
+              <a:t> </a:t>
+            </a:r>
+            <a:r>
+              <a:rPr lang="nb-NO" dirty="0" err="1"/>
+              <a:t>particles</a:t>
+            </a:r>
+            <a:r>
+              <a:rPr lang="nb-NO" dirty="0"/>
+              <a:t> around, </a:t>
+            </a:r>
+            <a:r>
+              <a:rPr lang="nb-NO" dirty="0" err="1"/>
+              <a:t>following</a:t>
+            </a:r>
+            <a:r>
+              <a:rPr lang="nb-NO" dirty="0"/>
+              <a:t> some </a:t>
+            </a:r>
+            <a:r>
+              <a:rPr lang="nb-NO" dirty="0" err="1"/>
+              <a:t>statistical</a:t>
+            </a:r>
+            <a:r>
+              <a:rPr lang="nb-NO" dirty="0"/>
+              <a:t> </a:t>
+            </a:r>
+            <a:r>
+              <a:rPr lang="nb-NO" dirty="0" err="1"/>
+              <a:t>rules</a:t>
+            </a:r>
+            <a:endParaRPr lang="nb-NO" dirty="0"/>
+          </a:p>
+          <a:p>
+            <a:r>
+              <a:rPr lang="nb-NO" dirty="0"/>
+              <a:t>No need to </a:t>
+            </a:r>
+            <a:r>
+              <a:rPr lang="nb-NO" dirty="0" err="1"/>
+              <a:t>normalize</a:t>
+            </a:r>
+            <a:r>
+              <a:rPr lang="nb-NO" dirty="0"/>
+              <a:t> </a:t>
+            </a:r>
+            <a:r>
+              <a:rPr lang="nb-NO" dirty="0" err="1"/>
+              <a:t>wave</a:t>
+            </a:r>
+            <a:r>
+              <a:rPr lang="nb-NO" dirty="0"/>
+              <a:t> </a:t>
+            </a:r>
+            <a:r>
+              <a:rPr lang="nb-NO" dirty="0" err="1"/>
+              <a:t>function</a:t>
+            </a:r>
+            <a:endParaRPr lang="nb-NO" dirty="0"/>
+          </a:p>
+          <a:p>
+            <a:r>
+              <a:rPr lang="nb-NO" dirty="0"/>
+              <a:t>Derivative of </a:t>
+            </a:r>
+            <a:r>
+              <a:rPr lang="nb-NO" dirty="0" err="1"/>
+              <a:t>the</a:t>
+            </a:r>
+            <a:r>
+              <a:rPr lang="nb-NO" dirty="0"/>
+              <a:t> </a:t>
+            </a:r>
+            <a:r>
+              <a:rPr lang="nb-NO" dirty="0" err="1"/>
+              <a:t>energy</a:t>
+            </a:r>
+            <a:br>
+              <a:rPr lang="nb-NO" dirty="0"/>
+            </a:br>
+            <a:r>
+              <a:rPr lang="nb-NO" dirty="0"/>
+              <a:t>-&gt; </a:t>
+            </a:r>
+            <a:r>
+              <a:rPr lang="nb-NO" dirty="0" err="1"/>
+              <a:t>Minimize</a:t>
+            </a:r>
+            <a:r>
+              <a:rPr lang="nb-NO" dirty="0"/>
+              <a:t> </a:t>
+            </a:r>
+            <a:r>
+              <a:rPr lang="nb-NO" dirty="0" err="1"/>
+              <a:t>energy</a:t>
+            </a:r>
+            <a:endParaRPr lang="nb-NO" dirty="0"/>
+          </a:p>
+          <a:p>
+            <a:endParaRPr lang="nb-NO" dirty="0"/>
+          </a:p>
+          <a:p>
+            <a:r>
+              <a:rPr lang="nb-NO" dirty="0"/>
+              <a:t>Trial </a:t>
+            </a:r>
+            <a:r>
+              <a:rPr lang="nb-NO" dirty="0" err="1"/>
+              <a:t>wave</a:t>
+            </a:r>
+            <a:r>
+              <a:rPr lang="nb-NO" dirty="0"/>
+              <a:t> </a:t>
+            </a:r>
+            <a:r>
+              <a:rPr lang="nb-NO" dirty="0" err="1"/>
+              <a:t>function</a:t>
+            </a:r>
+            <a:r>
+              <a:rPr lang="nb-NO" dirty="0"/>
+              <a:t> must have:</a:t>
+            </a:r>
+            <a:br>
+              <a:rPr lang="nb-NO" dirty="0"/>
+            </a:br>
+            <a:r>
+              <a:rPr lang="nb-NO" dirty="0"/>
+              <a:t>- Output</a:t>
+            </a:r>
+            <a:br>
+              <a:rPr lang="nb-NO" dirty="0"/>
+            </a:br>
+            <a:r>
+              <a:rPr lang="nb-NO" dirty="0"/>
+              <a:t>- Derivative</a:t>
+            </a:r>
+            <a:br>
+              <a:rPr lang="nb-NO" dirty="0"/>
+            </a:br>
+            <a:r>
+              <a:rPr lang="nb-NO" dirty="0"/>
+              <a:t>- Double derivative</a:t>
+            </a:r>
+            <a:br>
+              <a:rPr lang="nb-NO" dirty="0"/>
+            </a:br>
+            <a:r>
+              <a:rPr lang="nb-NO" dirty="0"/>
+              <a:t>- Derivative </a:t>
+            </a:r>
+            <a:r>
+              <a:rPr lang="nb-NO" dirty="0" err="1"/>
+              <a:t>wrt</a:t>
+            </a:r>
+            <a:r>
+              <a:rPr lang="nb-NO" dirty="0"/>
+              <a:t>. parameters</a:t>
+            </a:r>
+          </a:p>
+          <a:p>
+            <a:r>
+              <a:rPr lang="nb-NO" dirty="0"/>
+              <a:t>Anti-</a:t>
+            </a:r>
+            <a:r>
+              <a:rPr lang="nb-NO" dirty="0" err="1"/>
+              <a:t>symmetric</a:t>
+            </a:r>
+            <a:r>
+              <a:rPr lang="nb-NO" dirty="0"/>
+              <a:t> for fermions</a:t>
+            </a:r>
+            <a:br>
+              <a:rPr lang="nb-NO" dirty="0"/>
+            </a:br>
+            <a:endParaRPr lang="nb-NO" dirty="0"/>
+          </a:p>
           <a:p>
             <a:endParaRPr lang="en-US" dirty="0"/>
           </a:p>
@@ -6045,16 +7252,35 @@
               <a:rPr lang="nb-NO" dirty="0" err="1"/>
               <a:t>function</a:t>
             </a:r>
+            <a:endParaRPr lang="nb-NO" dirty="0"/>
+          </a:p>
+          <a:p>
+            <a:r>
+              <a:rPr lang="nb-NO" dirty="0"/>
+              <a:t>The universal </a:t>
+            </a:r>
+            <a:r>
+              <a:rPr lang="nb-NO" dirty="0" err="1"/>
+              <a:t>approximation</a:t>
+            </a:r>
+            <a:r>
+              <a:rPr lang="nb-NO" dirty="0"/>
+              <a:t> </a:t>
+            </a:r>
+            <a:r>
+              <a:rPr lang="nb-NO" dirty="0" err="1"/>
+              <a:t>theorem</a:t>
+            </a:r>
             <a:br>
               <a:rPr lang="nb-NO" dirty="0"/>
             </a:br>
             <a:r>
               <a:rPr lang="nb-NO" dirty="0"/>
-              <a:t>- The universal </a:t>
-            </a:r>
-            <a:r>
-              <a:rPr lang="nb-NO" dirty="0" err="1"/>
-              <a:t>approximation</a:t>
+              <a:t>- «</a:t>
+            </a:r>
+            <a:r>
+              <a:rPr lang="nb-NO" dirty="0" err="1"/>
+              <a:t>Can</a:t>
             </a:r>
             <a:r>
               <a:rPr lang="nb-NO" dirty="0"/>
@@ -6062,15 +7288,15 @@
             </a:r>
             <a:r>
               <a:rPr lang="nb-NO" dirty="0" err="1"/>
-              <a:t>theorem</a:t>
-            </a:r>
-            <a:r>
-              <a:rPr lang="nb-NO" dirty="0"/>
-              <a:t>: «</a:t>
-            </a:r>
-            <a:r>
-              <a:rPr lang="nb-NO" dirty="0" err="1"/>
-              <a:t>Can</a:t>
+              <a:t>approximate</a:t>
+            </a:r>
+            <a:r>
+              <a:rPr lang="nb-NO" dirty="0"/>
+              <a:t> any </a:t>
+            </a:r>
+            <a:r>
+              <a:rPr lang="nb-NO" dirty="0" err="1"/>
+              <a:t>continuous</a:t>
             </a:r>
             <a:r>
               <a:rPr lang="nb-NO" dirty="0"/>
@@ -6078,14 +7304,6 @@
             </a:r>
             <a:r>
               <a:rPr lang="nb-NO" dirty="0" err="1"/>
-              <a:t>approximate</a:t>
-            </a:r>
-            <a:r>
-              <a:rPr lang="nb-NO" dirty="0"/>
-              <a:t> any </a:t>
-            </a:r>
-            <a:r>
-              <a:rPr lang="nb-NO" dirty="0" err="1"/>
               <a:t>function</a:t>
             </a:r>
             <a:r>
@@ -6107,35 +7325,11 @@
           <a:p>
             <a:r>
               <a:rPr lang="nb-NO" dirty="0"/>
-              <a:t>Has </a:t>
-            </a:r>
-            <a:r>
-              <a:rPr lang="nb-NO" dirty="0" err="1"/>
-              <a:t>shown</a:t>
-            </a:r>
-            <a:r>
-              <a:rPr lang="nb-NO" dirty="0"/>
-              <a:t> </a:t>
-            </a:r>
-            <a:r>
-              <a:rPr lang="nb-NO" dirty="0" err="1"/>
-              <a:t>great</a:t>
-            </a:r>
-            <a:r>
-              <a:rPr lang="nb-NO" dirty="0"/>
-              <a:t> </a:t>
-            </a:r>
-            <a:r>
-              <a:rPr lang="nb-NO" dirty="0" err="1"/>
-              <a:t>results</a:t>
-            </a:r>
-            <a:r>
-              <a:rPr lang="nb-NO" dirty="0"/>
-              <a:t> in many </a:t>
-            </a:r>
-            <a:r>
-              <a:rPr lang="nb-NO" dirty="0" err="1"/>
-              <a:t>fields</a:t>
+              <a:t>Not anti-</a:t>
+            </a:r>
+            <a:r>
+              <a:rPr lang="nb-NO" dirty="0" err="1"/>
+              <a:t>symmetric</a:t>
             </a:r>
             <a:endParaRPr lang="nb-NO" dirty="0"/>
           </a:p>

--- a/Thesis/Thesis Presentation.pptx
+++ b/Thesis/Thesis Presentation.pptx
@@ -23,7 +23,8 @@
     <p:sldId id="281" r:id="rId17"/>
     <p:sldId id="269" r:id="rId18"/>
     <p:sldId id="271" r:id="rId19"/>
-    <p:sldId id="268" r:id="rId20"/>
+    <p:sldId id="282" r:id="rId20"/>
+    <p:sldId id="268" r:id="rId21"/>
   </p:sldIdLst>
   <p:sldSz cx="12192000" cy="6858000"/>
   <p:notesSz cx="6858000" cy="9144000"/>
@@ -298,7 +299,7 @@
           <a:p>
             <a:fld id="{2B324E1D-5BFC-4A26-948C-815C71133AD7}" type="datetimeFigureOut">
               <a:rPr lang="en-US" smtClean="0"/>
-              <a:t>11/1/2022</a:t>
+              <a:t>11/2/2022</a:t>
             </a:fld>
             <a:endParaRPr lang="en-US"/>
           </a:p>
@@ -526,7 +527,7 @@
           <a:p>
             <a:fld id="{2B324E1D-5BFC-4A26-948C-815C71133AD7}" type="datetimeFigureOut">
               <a:rPr lang="en-US" smtClean="0"/>
-              <a:t>11/1/2022</a:t>
+              <a:t>11/2/2022</a:t>
             </a:fld>
             <a:endParaRPr lang="en-US"/>
           </a:p>
@@ -706,7 +707,7 @@
           <a:p>
             <a:fld id="{2B324E1D-5BFC-4A26-948C-815C71133AD7}" type="datetimeFigureOut">
               <a:rPr lang="en-US" smtClean="0"/>
-              <a:t>11/1/2022</a:t>
+              <a:t>11/2/2022</a:t>
             </a:fld>
             <a:endParaRPr lang="en-US"/>
           </a:p>
@@ -876,7 +877,7 @@
           <a:p>
             <a:fld id="{2B324E1D-5BFC-4A26-948C-815C71133AD7}" type="datetimeFigureOut">
               <a:rPr lang="en-US" smtClean="0"/>
-              <a:t>11/1/2022</a:t>
+              <a:t>11/2/2022</a:t>
             </a:fld>
             <a:endParaRPr lang="en-US"/>
           </a:p>
@@ -1130,7 +1131,7 @@
           <a:p>
             <a:fld id="{2B324E1D-5BFC-4A26-948C-815C71133AD7}" type="datetimeFigureOut">
               <a:rPr lang="en-US" smtClean="0"/>
-              <a:t>11/1/2022</a:t>
+              <a:t>11/2/2022</a:t>
             </a:fld>
             <a:endParaRPr lang="en-US"/>
           </a:p>
@@ -1456,7 +1457,7 @@
           <a:p>
             <a:fld id="{2B324E1D-5BFC-4A26-948C-815C71133AD7}" type="datetimeFigureOut">
               <a:rPr lang="en-US" smtClean="0"/>
-              <a:t>11/1/2022</a:t>
+              <a:t>11/2/2022</a:t>
             </a:fld>
             <a:endParaRPr lang="en-US"/>
           </a:p>
@@ -1907,7 +1908,7 @@
           <a:p>
             <a:fld id="{2B324E1D-5BFC-4A26-948C-815C71133AD7}" type="datetimeFigureOut">
               <a:rPr lang="en-US" smtClean="0"/>
-              <a:t>11/1/2022</a:t>
+              <a:t>11/2/2022</a:t>
             </a:fld>
             <a:endParaRPr lang="en-US"/>
           </a:p>
@@ -2025,7 +2026,7 @@
           <a:p>
             <a:fld id="{2B324E1D-5BFC-4A26-948C-815C71133AD7}" type="datetimeFigureOut">
               <a:rPr lang="en-US" smtClean="0"/>
-              <a:t>11/1/2022</a:t>
+              <a:t>11/2/2022</a:t>
             </a:fld>
             <a:endParaRPr lang="en-US"/>
           </a:p>
@@ -2120,7 +2121,7 @@
           <a:p>
             <a:fld id="{2B324E1D-5BFC-4A26-948C-815C71133AD7}" type="datetimeFigureOut">
               <a:rPr lang="en-US" smtClean="0"/>
-              <a:t>11/1/2022</a:t>
+              <a:t>11/2/2022</a:t>
             </a:fld>
             <a:endParaRPr lang="en-US"/>
           </a:p>
@@ -2407,7 +2408,7 @@
           <a:p>
             <a:fld id="{2B324E1D-5BFC-4A26-948C-815C71133AD7}" type="datetimeFigureOut">
               <a:rPr lang="en-US" smtClean="0"/>
-              <a:t>11/1/2022</a:t>
+              <a:t>11/2/2022</a:t>
             </a:fld>
             <a:endParaRPr lang="en-US"/>
           </a:p>
@@ -2729,7 +2730,7 @@
           <a:p>
             <a:fld id="{2B324E1D-5BFC-4A26-948C-815C71133AD7}" type="datetimeFigureOut">
               <a:rPr lang="en-US" smtClean="0"/>
-              <a:t>11/1/2022</a:t>
+              <a:t>11/2/2022</a:t>
             </a:fld>
             <a:endParaRPr lang="en-US"/>
           </a:p>
@@ -2983,7 +2984,7 @@
           <a:p>
             <a:fld id="{2B324E1D-5BFC-4A26-948C-815C71133AD7}" type="datetimeFigureOut">
               <a:rPr lang="en-US" smtClean="0"/>
-              <a:t>11/1/2022</a:t>
+              <a:t>11/2/2022</a:t>
             </a:fld>
             <a:endParaRPr lang="en-US"/>
           </a:p>
@@ -3604,7 +3605,12 @@
             <p:ph idx="1"/>
           </p:nvPr>
         </p:nvSpPr>
-        <p:spPr/>
+        <p:spPr>
+          <a:xfrm>
+            <a:off x="1261872" y="1828800"/>
+            <a:ext cx="8595360" cy="4768553"/>
+          </a:xfrm>
+        </p:spPr>
         <p:txBody>
           <a:bodyPr>
             <a:normAutofit/>
@@ -3728,6 +3734,12 @@
               <a:t>Flexible</a:t>
             </a:r>
             <a:endParaRPr lang="nb-NO" sz="2400" dirty="0"/>
+          </a:p>
+          <a:p>
+            <a:r>
+              <a:rPr lang="nb-NO" sz="2400" dirty="0"/>
+              <a:t>1D!</a:t>
+            </a:r>
           </a:p>
           <a:p>
             <a:endParaRPr lang="en-US" sz="2400" dirty="0"/>
@@ -4501,7 +4513,7 @@
             </a:br>
             <a:r>
               <a:rPr lang="nb-NO" dirty="0"/>
-              <a:t>- ~ 1.4 times faster than </a:t>
+              <a:t>- ~ 2 times faster than </a:t>
             </a:r>
             <a:r>
               <a:rPr lang="nb-NO" dirty="0" err="1"/>
@@ -4516,7 +4528,7 @@
             </a:br>
             <a:r>
               <a:rPr lang="nb-NO" dirty="0"/>
-              <a:t>- Julia ~50 times faster than </a:t>
+              <a:t>- Julia ~40 times faster than </a:t>
             </a:r>
             <a:r>
               <a:rPr lang="nb-NO" dirty="0" err="1"/>
@@ -4769,7 +4781,41 @@
             </a:r>
             <a:r>
               <a:rPr lang="nb-NO" dirty="0"/>
-              <a:t> input (</a:t>
+              <a:t> input</a:t>
+            </a:r>
+          </a:p>
+          <a:p>
+            <a:r>
+              <a:rPr lang="nb-NO" dirty="0" err="1"/>
+              <a:t>Reverse</a:t>
+            </a:r>
+            <a:r>
+              <a:rPr lang="nb-NO" dirty="0"/>
+              <a:t> mode: Derivative of </a:t>
+            </a:r>
+            <a:r>
+              <a:rPr lang="nb-NO" dirty="0" err="1"/>
+              <a:t>the</a:t>
+            </a:r>
+            <a:r>
+              <a:rPr lang="nb-NO" dirty="0"/>
+              <a:t> output </a:t>
+            </a:r>
+            <a:r>
+              <a:rPr lang="nb-NO" dirty="0" err="1"/>
+              <a:t>wrt</a:t>
+            </a:r>
+            <a:r>
+              <a:rPr lang="nb-NO" dirty="0"/>
+              <a:t>. </a:t>
+            </a:r>
+            <a:r>
+              <a:rPr lang="nb-NO" dirty="0" err="1"/>
+              <a:t>everything</a:t>
+            </a:r>
+            <a:r>
+              <a:rPr lang="nb-NO" dirty="0"/>
+              <a:t> (</a:t>
             </a:r>
             <a:r>
               <a:rPr lang="nb-NO" dirty="0" err="1"/>
@@ -4781,34 +4827,6 @@
             </a:r>
           </a:p>
           <a:p>
-            <a:r>
-              <a:rPr lang="nb-NO" dirty="0" err="1"/>
-              <a:t>Reverse</a:t>
-            </a:r>
-            <a:r>
-              <a:rPr lang="nb-NO" dirty="0"/>
-              <a:t> mode: Derivative of </a:t>
-            </a:r>
-            <a:r>
-              <a:rPr lang="nb-NO" dirty="0" err="1"/>
-              <a:t>the</a:t>
-            </a:r>
-            <a:r>
-              <a:rPr lang="nb-NO" dirty="0"/>
-              <a:t> output </a:t>
-            </a:r>
-            <a:r>
-              <a:rPr lang="nb-NO" dirty="0" err="1"/>
-              <a:t>wrt</a:t>
-            </a:r>
-            <a:r>
-              <a:rPr lang="nb-NO" dirty="0"/>
-              <a:t>. </a:t>
-            </a:r>
-            <a:r>
-              <a:rPr lang="nb-NO" dirty="0" err="1"/>
-              <a:t>everything</a:t>
-            </a:r>
             <a:endParaRPr lang="nb-NO" dirty="0"/>
           </a:p>
           <a:p>
@@ -5088,7 +5106,7 @@
         </p:blipFill>
         <p:spPr>
           <a:xfrm>
-            <a:off x="672719" y="5135817"/>
+            <a:off x="570169" y="4580341"/>
             <a:ext cx="10257409" cy="1463167"/>
           </a:xfrm>
           <a:prstGeom prst="rect">
@@ -5175,7 +5193,61 @@
           <a:bodyPr/>
           <a:lstStyle/>
           <a:p>
-            <a:endParaRPr lang="en-US"/>
+            <a:endParaRPr lang="nb-NO" dirty="0"/>
+          </a:p>
+          <a:p>
+            <a:endParaRPr lang="nb-NO" dirty="0"/>
+          </a:p>
+          <a:p>
+            <a:endParaRPr lang="nb-NO" dirty="0"/>
+          </a:p>
+          <a:p>
+            <a:endParaRPr lang="nb-NO" dirty="0"/>
+          </a:p>
+          <a:p>
+            <a:endParaRPr lang="nb-NO" dirty="0"/>
+          </a:p>
+          <a:p>
+            <a:endParaRPr lang="nb-NO" dirty="0"/>
+          </a:p>
+          <a:p>
+            <a:r>
+              <a:rPr lang="nb-NO" dirty="0"/>
+              <a:t>HO-</a:t>
+            </a:r>
+            <a:r>
+              <a:rPr lang="nb-NO" dirty="0" err="1"/>
+              <a:t>Slater</a:t>
+            </a:r>
+            <a:r>
+              <a:rPr lang="nb-NO" dirty="0"/>
+              <a:t>-RBM?</a:t>
+            </a:r>
+          </a:p>
+          <a:p>
+            <a:r>
+              <a:rPr lang="nb-NO" dirty="0"/>
+              <a:t>HO-</a:t>
+            </a:r>
+            <a:r>
+              <a:rPr lang="nb-NO" dirty="0" err="1"/>
+              <a:t>Slater</a:t>
+            </a:r>
+            <a:r>
+              <a:rPr lang="nb-NO" dirty="0"/>
+              <a:t>-NN?</a:t>
+            </a:r>
+          </a:p>
+          <a:p>
+            <a:r>
+              <a:rPr lang="nb-NO" dirty="0" err="1"/>
+              <a:t>FermiNet</a:t>
+            </a:r>
+            <a:r>
+              <a:rPr lang="nb-NO" dirty="0"/>
+              <a:t>?</a:t>
+            </a:r>
+            <a:endParaRPr lang="en-US" dirty="0"/>
           </a:p>
         </p:txBody>
       </p:sp>
@@ -5201,8 +5273,8 @@
         </p:blipFill>
         <p:spPr>
           <a:xfrm>
-            <a:off x="1493929" y="4145077"/>
-            <a:ext cx="8131245" cy="2347163"/>
+            <a:off x="2050991" y="2350460"/>
+            <a:ext cx="6386318" cy="1843473"/>
           </a:xfrm>
           <a:prstGeom prst="rect">
             <a:avLst/>
@@ -5262,7 +5334,7 @@
           <a:p>
             <a:r>
               <a:rPr lang="en-US" noProof="0" dirty="0"/>
-              <a:t>One-body density</a:t>
+              <a:t>Particle density</a:t>
             </a:r>
           </a:p>
         </p:txBody>
@@ -5283,15 +5355,50 @@
             <p:ph idx="1"/>
           </p:nvPr>
         </p:nvSpPr>
-        <p:spPr/>
+        <p:spPr>
+          <a:xfrm>
+            <a:off x="1261871" y="1828800"/>
+            <a:ext cx="9384357" cy="4351337"/>
+          </a:xfrm>
+        </p:spPr>
         <p:txBody>
           <a:bodyPr/>
           <a:lstStyle/>
           <a:p>
-            <a:endParaRPr lang="en-US"/>
-          </a:p>
-        </p:txBody>
-      </p:sp>
+            <a:endParaRPr lang="en-US" dirty="0"/>
+          </a:p>
+        </p:txBody>
+      </p:sp>
+      <p:pic>
+        <p:nvPicPr>
+          <p:cNvPr id="7" name="Bilde 6">
+            <a:extLst>
+              <a:ext uri="{FF2B5EF4-FFF2-40B4-BE49-F238E27FC236}">
+                <a16:creationId xmlns:a16="http://schemas.microsoft.com/office/drawing/2014/main" id="{11D0EB92-D78F-AD05-027F-6474A57DB176}"/>
+              </a:ext>
+            </a:extLst>
+          </p:cNvPr>
+          <p:cNvPicPr>
+            <a:picLocks noChangeAspect="1"/>
+          </p:cNvPicPr>
+          <p:nvPr/>
+        </p:nvPicPr>
+        <p:blipFill>
+          <a:blip r:embed="rId2"/>
+          <a:stretch>
+            <a:fillRect/>
+          </a:stretch>
+        </p:blipFill>
+        <p:spPr>
+          <a:xfrm>
+            <a:off x="2208211" y="2034072"/>
+            <a:ext cx="6366622" cy="4494675"/>
+          </a:xfrm>
+          <a:prstGeom prst="rect">
+            <a:avLst/>
+          </a:prstGeom>
+        </p:spPr>
+      </p:pic>
     </p:spTree>
     <p:extLst>
       <p:ext uri="{BB962C8B-B14F-4D97-AF65-F5344CB8AC3E}">
@@ -5324,10 +5431,10 @@
       </p:grpSpPr>
       <p:sp>
         <p:nvSpPr>
-          <p:cNvPr id="2" name="Title 1">
+          <p:cNvPr id="2" name="Tittel 1">
             <a:extLst>
               <a:ext uri="{FF2B5EF4-FFF2-40B4-BE49-F238E27FC236}">
-                <a16:creationId xmlns:a16="http://schemas.microsoft.com/office/drawing/2014/main" id="{F80BD860-5497-D80F-838E-0B43A062B81F}"/>
+                <a16:creationId xmlns:a16="http://schemas.microsoft.com/office/drawing/2014/main" id="{773AAE21-B49B-F57C-AC51-EF349AD2658B}"/>
               </a:ext>
             </a:extLst>
           </p:cNvPr>
@@ -5343,19 +5450,16 @@
           <a:bodyPr/>
           <a:lstStyle/>
           <a:p>
-            <a:r>
-              <a:rPr lang="en-US" noProof="0" dirty="0"/>
-              <a:t>Conclusion and perspectives for future work</a:t>
-            </a:r>
-          </a:p>
-        </p:txBody>
-      </p:sp>
-      <p:sp>
-        <p:nvSpPr>
-          <p:cNvPr id="3" name="Content Placeholder 2">
+            <a:endParaRPr lang="en-US"/>
+          </a:p>
+        </p:txBody>
+      </p:sp>
+      <p:sp>
+        <p:nvSpPr>
+          <p:cNvPr id="3" name="Plassholder for innhold 2">
             <a:extLst>
               <a:ext uri="{FF2B5EF4-FFF2-40B4-BE49-F238E27FC236}">
-                <a16:creationId xmlns:a16="http://schemas.microsoft.com/office/drawing/2014/main" id="{307A4E7C-DE35-C261-31E5-51DFBB8E679F}"/>
+                <a16:creationId xmlns:a16="http://schemas.microsoft.com/office/drawing/2014/main" id="{74E35516-D056-1C1C-C10B-6C0AE1F0D43E}"/>
               </a:ext>
             </a:extLst>
           </p:cNvPr>
@@ -5371,205 +5475,44 @@
           <a:bodyPr/>
           <a:lstStyle/>
           <a:p>
-            <a:r>
-              <a:rPr lang="nb-NO" dirty="0" err="1"/>
-              <a:t>Combined</a:t>
-            </a:r>
-            <a:r>
-              <a:rPr lang="nb-NO" dirty="0"/>
-              <a:t> </a:t>
-            </a:r>
-            <a:r>
-              <a:rPr lang="nb-NO" dirty="0" err="1"/>
-              <a:t>Hartree-Fock</a:t>
-            </a:r>
-            <a:r>
-              <a:rPr lang="nb-NO" dirty="0"/>
-              <a:t> determinant </a:t>
-            </a:r>
-            <a:r>
-              <a:rPr lang="nb-NO" dirty="0" err="1"/>
-              <a:t>with</a:t>
-            </a:r>
-            <a:r>
-              <a:rPr lang="nb-NO" dirty="0"/>
-              <a:t> a neural </a:t>
-            </a:r>
-            <a:r>
-              <a:rPr lang="nb-NO" dirty="0" err="1"/>
-              <a:t>network</a:t>
-            </a:r>
-            <a:endParaRPr lang="nb-NO" dirty="0"/>
-          </a:p>
-          <a:p>
-            <a:r>
-              <a:rPr lang="en-US" dirty="0"/>
-              <a:t>Several optimizations of the method</a:t>
-            </a:r>
-          </a:p>
-          <a:p>
-            <a:r>
-              <a:rPr lang="nb-NO" dirty="0" err="1"/>
-              <a:t>Shown</a:t>
-            </a:r>
-            <a:r>
-              <a:rPr lang="nb-NO" dirty="0"/>
-              <a:t> </a:t>
-            </a:r>
-            <a:r>
-              <a:rPr lang="nb-NO" dirty="0" err="1"/>
-              <a:t>the</a:t>
-            </a:r>
-            <a:r>
-              <a:rPr lang="nb-NO" dirty="0"/>
-              <a:t> </a:t>
-            </a:r>
-            <a:r>
-              <a:rPr lang="nb-NO" dirty="0" err="1"/>
-              <a:t>feasibility</a:t>
-            </a:r>
-            <a:r>
-              <a:rPr lang="nb-NO" dirty="0"/>
-              <a:t> of </a:t>
-            </a:r>
-            <a:r>
-              <a:rPr lang="nb-NO" dirty="0" err="1"/>
-              <a:t>using</a:t>
-            </a:r>
-            <a:r>
-              <a:rPr lang="nb-NO" dirty="0"/>
-              <a:t> </a:t>
-            </a:r>
-            <a:r>
-              <a:rPr lang="nb-NO" dirty="0" err="1"/>
-              <a:t>autmatic-differentiation</a:t>
-            </a:r>
-            <a:r>
-              <a:rPr lang="nb-NO" dirty="0"/>
-              <a:t> for </a:t>
-            </a:r>
-            <a:r>
-              <a:rPr lang="nb-NO" dirty="0" err="1"/>
-              <a:t>the</a:t>
-            </a:r>
-            <a:r>
-              <a:rPr lang="nb-NO" dirty="0"/>
-              <a:t> double derivatives</a:t>
-            </a:r>
-          </a:p>
-          <a:p>
-            <a:r>
-              <a:rPr lang="nb-NO" dirty="0" err="1"/>
-              <a:t>Implemented</a:t>
-            </a:r>
-            <a:r>
-              <a:rPr lang="nb-NO" dirty="0"/>
-              <a:t> </a:t>
-            </a:r>
-            <a:r>
-              <a:rPr lang="nb-NO" dirty="0" err="1"/>
-              <a:t>several</a:t>
-            </a:r>
-            <a:r>
-              <a:rPr lang="nb-NO" dirty="0"/>
-              <a:t> </a:t>
-            </a:r>
-            <a:r>
-              <a:rPr lang="nb-NO" dirty="0" err="1"/>
-              <a:t>other</a:t>
-            </a:r>
-            <a:r>
-              <a:rPr lang="nb-NO" dirty="0"/>
-              <a:t> many-body </a:t>
-            </a:r>
-            <a:r>
-              <a:rPr lang="nb-NO" dirty="0" err="1"/>
-              <a:t>methods</a:t>
-            </a:r>
-            <a:r>
-              <a:rPr lang="nb-NO" dirty="0"/>
-              <a:t> in Julia</a:t>
-            </a:r>
-          </a:p>
-          <a:p>
-            <a:endParaRPr lang="nb-NO" dirty="0"/>
-          </a:p>
-          <a:p>
-            <a:r>
-              <a:rPr lang="nb-NO" dirty="0"/>
-              <a:t>The use of </a:t>
-            </a:r>
-            <a:r>
-              <a:rPr lang="nb-NO" dirty="0" err="1"/>
-              <a:t>particle</a:t>
-            </a:r>
-            <a:r>
-              <a:rPr lang="nb-NO" dirty="0"/>
-              <a:t> </a:t>
-            </a:r>
-            <a:r>
-              <a:rPr lang="nb-NO" dirty="0" err="1"/>
-              <a:t>distances</a:t>
-            </a:r>
-            <a:r>
-              <a:rPr lang="nb-NO" dirty="0"/>
-              <a:t> to </a:t>
-            </a:r>
-            <a:r>
-              <a:rPr lang="nb-NO" dirty="0" err="1"/>
-              <a:t>satisfy</a:t>
-            </a:r>
-            <a:r>
-              <a:rPr lang="nb-NO" dirty="0"/>
-              <a:t> </a:t>
-            </a:r>
-            <a:r>
-              <a:rPr lang="nb-NO" dirty="0" err="1"/>
-              <a:t>cusp</a:t>
-            </a:r>
-            <a:r>
-              <a:rPr lang="nb-NO" dirty="0"/>
-              <a:t> </a:t>
-            </a:r>
-            <a:r>
-              <a:rPr lang="nb-NO" dirty="0" err="1"/>
-              <a:t>conditions</a:t>
-            </a:r>
-            <a:endParaRPr lang="nb-NO" dirty="0"/>
-          </a:p>
-          <a:p>
-            <a:r>
-              <a:rPr lang="nb-NO" dirty="0"/>
-              <a:t>The use of </a:t>
-            </a:r>
-            <a:r>
-              <a:rPr lang="en-US" dirty="0"/>
-              <a:t>permutation-equivariant functions to achieve anti-symmetry in higher dimensions</a:t>
-            </a:r>
-          </a:p>
-          <a:p>
-            <a:r>
-              <a:rPr lang="nb-NO" dirty="0"/>
-              <a:t>Testing </a:t>
-            </a:r>
-            <a:r>
-              <a:rPr lang="nb-NO" dirty="0" err="1"/>
-              <a:t>on</a:t>
-            </a:r>
-            <a:r>
-              <a:rPr lang="nb-NO" dirty="0"/>
-              <a:t> more systems</a:t>
-            </a:r>
-          </a:p>
-          <a:p>
-            <a:endParaRPr lang="nb-NO" dirty="0"/>
-          </a:p>
-        </p:txBody>
-      </p:sp>
+            <a:endParaRPr lang="en-US"/>
+          </a:p>
+        </p:txBody>
+      </p:sp>
+      <p:pic>
+        <p:nvPicPr>
+          <p:cNvPr id="5" name="Bilde 4">
+            <a:extLst>
+              <a:ext uri="{FF2B5EF4-FFF2-40B4-BE49-F238E27FC236}">
+                <a16:creationId xmlns:a16="http://schemas.microsoft.com/office/drawing/2014/main" id="{FE0C455F-A374-8B0F-22C3-0F418CCD614B}"/>
+              </a:ext>
+            </a:extLst>
+          </p:cNvPr>
+          <p:cNvPicPr>
+            <a:picLocks noChangeAspect="1"/>
+          </p:cNvPicPr>
+          <p:nvPr/>
+        </p:nvPicPr>
+        <p:blipFill>
+          <a:blip r:embed="rId2"/>
+          <a:stretch>
+            <a:fillRect/>
+          </a:stretch>
+        </p:blipFill>
+        <p:spPr>
+          <a:xfrm>
+            <a:off x="1893874" y="1165529"/>
+            <a:ext cx="7331356" cy="4887571"/>
+          </a:xfrm>
+          <a:prstGeom prst="rect">
+            <a:avLst/>
+          </a:prstGeom>
+        </p:spPr>
+      </p:pic>
     </p:spTree>
     <p:extLst>
       <p:ext uri="{BB962C8B-B14F-4D97-AF65-F5344CB8AC3E}">
-        <p14:creationId xmlns:p14="http://schemas.microsoft.com/office/powerpoint/2010/main" val="3900022957"/>
+        <p14:creationId xmlns:p14="http://schemas.microsoft.com/office/powerpoint/2010/main" val="4070567356"/>
       </p:ext>
     </p:extLst>
   </p:cSld>
@@ -5735,6 +5678,280 @@
     <p:extLst>
       <p:ext uri="{BB962C8B-B14F-4D97-AF65-F5344CB8AC3E}">
         <p14:creationId xmlns:p14="http://schemas.microsoft.com/office/powerpoint/2010/main" val="3723907965"/>
+      </p:ext>
+    </p:extLst>
+  </p:cSld>
+  <p:clrMapOvr>
+    <a:masterClrMapping/>
+  </p:clrMapOvr>
+</p:sld>
+</file>
+
+<file path=ppt/slides/slide20.xml><?xml version="1.0" encoding="utf-8"?>
+<p:sld xmlns:a="http://schemas.openxmlformats.org/drawingml/2006/main" xmlns:r="http://schemas.openxmlformats.org/officeDocument/2006/relationships" xmlns:p="http://schemas.openxmlformats.org/presentationml/2006/main">
+  <p:cSld>
+    <p:spTree>
+      <p:nvGrpSpPr>
+        <p:cNvPr id="1" name=""/>
+        <p:cNvGrpSpPr/>
+        <p:nvPr/>
+      </p:nvGrpSpPr>
+      <p:grpSpPr>
+        <a:xfrm>
+          <a:off x="0" y="0"/>
+          <a:ext cx="0" cy="0"/>
+          <a:chOff x="0" y="0"/>
+          <a:chExt cx="0" cy="0"/>
+        </a:xfrm>
+      </p:grpSpPr>
+      <p:sp>
+        <p:nvSpPr>
+          <p:cNvPr id="2" name="Title 1">
+            <a:extLst>
+              <a:ext uri="{FF2B5EF4-FFF2-40B4-BE49-F238E27FC236}">
+                <a16:creationId xmlns:a16="http://schemas.microsoft.com/office/drawing/2014/main" id="{F80BD860-5497-D80F-838E-0B43A062B81F}"/>
+              </a:ext>
+            </a:extLst>
+          </p:cNvPr>
+          <p:cNvSpPr>
+            <a:spLocks noGrp="1"/>
+          </p:cNvSpPr>
+          <p:nvPr>
+            <p:ph type="title"/>
+          </p:nvPr>
+        </p:nvSpPr>
+        <p:spPr/>
+        <p:txBody>
+          <a:bodyPr/>
+          <a:lstStyle/>
+          <a:p>
+            <a:r>
+              <a:rPr lang="en-US" noProof="0" dirty="0"/>
+              <a:t>Conclusion and perspectives for future work</a:t>
+            </a:r>
+          </a:p>
+        </p:txBody>
+      </p:sp>
+      <p:sp>
+        <p:nvSpPr>
+          <p:cNvPr id="3" name="Content Placeholder 2">
+            <a:extLst>
+              <a:ext uri="{FF2B5EF4-FFF2-40B4-BE49-F238E27FC236}">
+                <a16:creationId xmlns:a16="http://schemas.microsoft.com/office/drawing/2014/main" id="{307A4E7C-DE35-C261-31E5-51DFBB8E679F}"/>
+              </a:ext>
+            </a:extLst>
+          </p:cNvPr>
+          <p:cNvSpPr>
+            <a:spLocks noGrp="1"/>
+          </p:cNvSpPr>
+          <p:nvPr>
+            <p:ph idx="1"/>
+          </p:nvPr>
+        </p:nvSpPr>
+        <p:spPr/>
+        <p:txBody>
+          <a:bodyPr/>
+          <a:lstStyle/>
+          <a:p>
+            <a:r>
+              <a:rPr lang="nb-NO" dirty="0" err="1"/>
+              <a:t>Combined</a:t>
+            </a:r>
+            <a:r>
+              <a:rPr lang="nb-NO" dirty="0"/>
+              <a:t> </a:t>
+            </a:r>
+            <a:r>
+              <a:rPr lang="nb-NO" dirty="0" err="1"/>
+              <a:t>Hartree-Fock</a:t>
+            </a:r>
+            <a:r>
+              <a:rPr lang="nb-NO" dirty="0"/>
+              <a:t> determinant </a:t>
+            </a:r>
+            <a:r>
+              <a:rPr lang="nb-NO" dirty="0" err="1"/>
+              <a:t>with</a:t>
+            </a:r>
+            <a:r>
+              <a:rPr lang="nb-NO" dirty="0"/>
+              <a:t> a neural </a:t>
+            </a:r>
+            <a:r>
+              <a:rPr lang="nb-NO" dirty="0" err="1"/>
+              <a:t>network</a:t>
+            </a:r>
+            <a:endParaRPr lang="nb-NO" dirty="0"/>
+          </a:p>
+          <a:p>
+            <a:r>
+              <a:rPr lang="en-US" dirty="0"/>
+              <a:t>Several optimizations of the method</a:t>
+            </a:r>
+          </a:p>
+          <a:p>
+            <a:r>
+              <a:rPr lang="nb-NO" dirty="0" err="1"/>
+              <a:t>Shown</a:t>
+            </a:r>
+            <a:r>
+              <a:rPr lang="nb-NO" dirty="0"/>
+              <a:t> </a:t>
+            </a:r>
+            <a:r>
+              <a:rPr lang="nb-NO" dirty="0" err="1"/>
+              <a:t>the</a:t>
+            </a:r>
+            <a:r>
+              <a:rPr lang="nb-NO" dirty="0"/>
+              <a:t> </a:t>
+            </a:r>
+            <a:r>
+              <a:rPr lang="nb-NO" dirty="0" err="1"/>
+              <a:t>feasibility</a:t>
+            </a:r>
+            <a:r>
+              <a:rPr lang="nb-NO" dirty="0"/>
+              <a:t> of </a:t>
+            </a:r>
+            <a:r>
+              <a:rPr lang="nb-NO" dirty="0" err="1"/>
+              <a:t>using</a:t>
+            </a:r>
+            <a:r>
+              <a:rPr lang="nb-NO" dirty="0"/>
+              <a:t> </a:t>
+            </a:r>
+            <a:r>
+              <a:rPr lang="nb-NO" dirty="0" err="1"/>
+              <a:t>autmatic-differentiation</a:t>
+            </a:r>
+            <a:r>
+              <a:rPr lang="nb-NO" dirty="0"/>
+              <a:t> for </a:t>
+            </a:r>
+            <a:r>
+              <a:rPr lang="nb-NO" dirty="0" err="1"/>
+              <a:t>the</a:t>
+            </a:r>
+            <a:r>
+              <a:rPr lang="nb-NO" dirty="0"/>
+              <a:t> double derivatives</a:t>
+            </a:r>
+          </a:p>
+          <a:p>
+            <a:r>
+              <a:rPr lang="nb-NO" dirty="0" err="1"/>
+              <a:t>Implemented</a:t>
+            </a:r>
+            <a:r>
+              <a:rPr lang="nb-NO" dirty="0"/>
+              <a:t> </a:t>
+            </a:r>
+            <a:r>
+              <a:rPr lang="nb-NO" dirty="0" err="1"/>
+              <a:t>several</a:t>
+            </a:r>
+            <a:r>
+              <a:rPr lang="nb-NO" dirty="0"/>
+              <a:t> </a:t>
+            </a:r>
+            <a:r>
+              <a:rPr lang="nb-NO" dirty="0" err="1"/>
+              <a:t>other</a:t>
+            </a:r>
+            <a:r>
+              <a:rPr lang="nb-NO" dirty="0"/>
+              <a:t> many-body </a:t>
+            </a:r>
+            <a:r>
+              <a:rPr lang="nb-NO" dirty="0" err="1"/>
+              <a:t>methods</a:t>
+            </a:r>
+            <a:r>
+              <a:rPr lang="nb-NO" dirty="0"/>
+              <a:t> in Julia</a:t>
+            </a:r>
+          </a:p>
+          <a:p>
+            <a:endParaRPr lang="nb-NO" dirty="0"/>
+          </a:p>
+          <a:p>
+            <a:r>
+              <a:rPr lang="nb-NO" dirty="0"/>
+              <a:t>The use of </a:t>
+            </a:r>
+            <a:r>
+              <a:rPr lang="nb-NO" dirty="0" err="1"/>
+              <a:t>particle</a:t>
+            </a:r>
+            <a:r>
+              <a:rPr lang="nb-NO" dirty="0"/>
+              <a:t> </a:t>
+            </a:r>
+            <a:r>
+              <a:rPr lang="nb-NO" dirty="0" err="1"/>
+              <a:t>distances</a:t>
+            </a:r>
+            <a:r>
+              <a:rPr lang="nb-NO" dirty="0"/>
+              <a:t> to </a:t>
+            </a:r>
+            <a:r>
+              <a:rPr lang="nb-NO" dirty="0" err="1"/>
+              <a:t>satisfy</a:t>
+            </a:r>
+            <a:r>
+              <a:rPr lang="nb-NO" dirty="0"/>
+              <a:t> </a:t>
+            </a:r>
+            <a:r>
+              <a:rPr lang="nb-NO" dirty="0" err="1"/>
+              <a:t>cusp</a:t>
+            </a:r>
+            <a:r>
+              <a:rPr lang="nb-NO" dirty="0"/>
+              <a:t> </a:t>
+            </a:r>
+            <a:r>
+              <a:rPr lang="nb-NO" dirty="0" err="1"/>
+              <a:t>conditions</a:t>
+            </a:r>
+            <a:endParaRPr lang="nb-NO" dirty="0"/>
+          </a:p>
+          <a:p>
+            <a:r>
+              <a:rPr lang="nb-NO" dirty="0"/>
+              <a:t>The use of </a:t>
+            </a:r>
+            <a:r>
+              <a:rPr lang="en-US" dirty="0"/>
+              <a:t>permutation-equivariant functions to achieve anti-symmetry in higher dimensions</a:t>
+            </a:r>
+          </a:p>
+          <a:p>
+            <a:r>
+              <a:rPr lang="nb-NO" dirty="0"/>
+              <a:t>Testing </a:t>
+            </a:r>
+            <a:r>
+              <a:rPr lang="nb-NO" dirty="0" err="1"/>
+              <a:t>on</a:t>
+            </a:r>
+            <a:r>
+              <a:rPr lang="nb-NO" dirty="0"/>
+              <a:t> more systems</a:t>
+            </a:r>
+          </a:p>
+          <a:p>
+            <a:endParaRPr lang="nb-NO" dirty="0"/>
+          </a:p>
+        </p:txBody>
+      </p:sp>
+    </p:spTree>
+    <p:extLst>
+      <p:ext uri="{BB962C8B-B14F-4D97-AF65-F5344CB8AC3E}">
+        <p14:creationId xmlns:p14="http://schemas.microsoft.com/office/powerpoint/2010/main" val="3900022957"/>
       </p:ext>
     </p:extLst>
   </p:cSld>
@@ -6324,10 +6541,10 @@
       </p:sp>
       <p:pic>
         <p:nvPicPr>
-          <p:cNvPr id="5" name="Bilde 4">
+          <p:cNvPr id="7" name="Bilde 6">
             <a:extLst>
               <a:ext uri="{FF2B5EF4-FFF2-40B4-BE49-F238E27FC236}">
-                <a16:creationId xmlns:a16="http://schemas.microsoft.com/office/drawing/2014/main" id="{A926737E-0CE9-CB30-07AF-10945535551E}"/>
+                <a16:creationId xmlns:a16="http://schemas.microsoft.com/office/drawing/2014/main" id="{F2C5ED5E-30AE-0817-DF36-D3E6EB898F37}"/>
               </a:ext>
             </a:extLst>
           </p:cNvPr>
@@ -6344,8 +6561,8 @@
         </p:blipFill>
         <p:spPr>
           <a:xfrm>
-            <a:off x="2644878" y="3287353"/>
-            <a:ext cx="4800762" cy="1457375"/>
+            <a:off x="4218039" y="2028086"/>
+            <a:ext cx="2188768" cy="704539"/>
           </a:xfrm>
           <a:prstGeom prst="rect">
             <a:avLst/>
@@ -6354,10 +6571,10 @@
       </p:pic>
       <p:pic>
         <p:nvPicPr>
-          <p:cNvPr id="7" name="Bilde 6">
+          <p:cNvPr id="6" name="Bilde 5">
             <a:extLst>
               <a:ext uri="{FF2B5EF4-FFF2-40B4-BE49-F238E27FC236}">
-                <a16:creationId xmlns:a16="http://schemas.microsoft.com/office/drawing/2014/main" id="{F2C5ED5E-30AE-0817-DF36-D3E6EB898F37}"/>
+                <a16:creationId xmlns:a16="http://schemas.microsoft.com/office/drawing/2014/main" id="{25626021-916E-3DF4-36FC-F8A3A542A3FD}"/>
               </a:ext>
             </a:extLst>
           </p:cNvPr>
@@ -6374,8 +6591,8 @@
         </p:blipFill>
         <p:spPr>
           <a:xfrm>
-            <a:off x="4218039" y="2028086"/>
-            <a:ext cx="2188768" cy="704539"/>
+            <a:off x="2620679" y="3385256"/>
+            <a:ext cx="5877745" cy="1238423"/>
           </a:xfrm>
           <a:prstGeom prst="rect">
             <a:avLst/>
@@ -6593,124 +6810,12 @@
           <a:chExt cx="0" cy="0"/>
         </a:xfrm>
       </p:grpSpPr>
-      <p:sp>
-        <p:nvSpPr>
-          <p:cNvPr id="2" name="Title 1">
+      <p:pic>
+        <p:nvPicPr>
+          <p:cNvPr id="5" name="Bilde 4">
             <a:extLst>
               <a:ext uri="{FF2B5EF4-FFF2-40B4-BE49-F238E27FC236}">
-                <a16:creationId xmlns:a16="http://schemas.microsoft.com/office/drawing/2014/main" id="{1F7C74C9-6C68-F353-9856-8598C7746238}"/>
-              </a:ext>
-            </a:extLst>
-          </p:cNvPr>
-          <p:cNvSpPr>
-            <a:spLocks noGrp="1"/>
-          </p:cNvSpPr>
-          <p:nvPr>
-            <p:ph type="title"/>
-          </p:nvPr>
-        </p:nvSpPr>
-        <p:spPr/>
-        <p:txBody>
-          <a:bodyPr/>
-          <a:lstStyle/>
-          <a:p>
-            <a:r>
-              <a:rPr lang="en-US" noProof="0" dirty="0"/>
-              <a:t>Coupled Cluster</a:t>
-            </a:r>
-          </a:p>
-        </p:txBody>
-      </p:sp>
-      <p:sp>
-        <p:nvSpPr>
-          <p:cNvPr id="3" name="Content Placeholder 2">
-            <a:extLst>
-              <a:ext uri="{FF2B5EF4-FFF2-40B4-BE49-F238E27FC236}">
-                <a16:creationId xmlns:a16="http://schemas.microsoft.com/office/drawing/2014/main" id="{B5C213DA-2D7B-C2A2-A1B8-96767B69CB55}"/>
-              </a:ext>
-            </a:extLst>
-          </p:cNvPr>
-          <p:cNvSpPr>
-            <a:spLocks noGrp="1"/>
-          </p:cNvSpPr>
-          <p:nvPr>
-            <p:ph idx="1"/>
-          </p:nvPr>
-        </p:nvSpPr>
-        <p:spPr>
-          <a:xfrm>
-            <a:off x="1261871" y="1828800"/>
-            <a:ext cx="7803471" cy="4663440"/>
-          </a:xfrm>
-        </p:spPr>
-        <p:txBody>
-          <a:bodyPr>
-            <a:normAutofit/>
-          </a:bodyPr>
-          <a:lstStyle/>
-          <a:p>
-            <a:r>
-              <a:rPr lang="nb-NO" dirty="0"/>
-              <a:t>Many </a:t>
-            </a:r>
-            <a:r>
-              <a:rPr lang="nb-NO" dirty="0" err="1"/>
-              <a:t>Slater</a:t>
-            </a:r>
-            <a:r>
-              <a:rPr lang="nb-NO" dirty="0"/>
-              <a:t> determinants</a:t>
-            </a:r>
-          </a:p>
-          <a:p>
-            <a:pPr marL="0" indent="0">
-              <a:buNone/>
-            </a:pPr>
-            <a:endParaRPr lang="nb-NO" dirty="0"/>
-          </a:p>
-          <a:p>
-            <a:r>
-              <a:rPr lang="nb-NO" dirty="0"/>
-              <a:t>Using just a few operators</a:t>
-            </a:r>
-          </a:p>
-          <a:p>
-            <a:endParaRPr lang="nb-NO" dirty="0"/>
-          </a:p>
-          <a:p>
-            <a:endParaRPr lang="nb-NO" dirty="0"/>
-          </a:p>
-          <a:p>
-            <a:endParaRPr lang="nb-NO" dirty="0"/>
-          </a:p>
-          <a:p>
-            <a:endParaRPr lang="nb-NO" dirty="0"/>
-          </a:p>
-          <a:p>
-            <a:r>
-              <a:rPr lang="nb-NO" dirty="0"/>
-              <a:t>Not </a:t>
-            </a:r>
-            <a:r>
-              <a:rPr lang="nb-NO" dirty="0" err="1"/>
-              <a:t>variational</a:t>
-            </a:r>
-            <a:endParaRPr lang="nb-NO" dirty="0"/>
-          </a:p>
-          <a:p>
-            <a:endParaRPr lang="nb-NO" dirty="0"/>
-          </a:p>
-          <a:p>
-            <a:endParaRPr lang="nb-NO" dirty="0"/>
-          </a:p>
-        </p:txBody>
-      </p:sp>
-      <p:pic>
-        <p:nvPicPr>
-          <p:cNvPr id="13" name="Bilde 12">
-            <a:extLst>
-              <a:ext uri="{FF2B5EF4-FFF2-40B4-BE49-F238E27FC236}">
-                <a16:creationId xmlns:a16="http://schemas.microsoft.com/office/drawing/2014/main" id="{6652A13A-4E62-4309-F235-BD8CB3949542}"/>
+                <a16:creationId xmlns:a16="http://schemas.microsoft.com/office/drawing/2014/main" id="{662987DD-3D3E-EF73-9CCA-EBBE24223961}"/>
               </a:ext>
             </a:extLst>
           </p:cNvPr>
@@ -6727,7 +6832,149 @@
         </p:blipFill>
         <p:spPr>
           <a:xfrm>
-            <a:off x="1153021" y="3486924"/>
+            <a:off x="1835449" y="2015063"/>
+            <a:ext cx="4515480" cy="847843"/>
+          </a:xfrm>
+          <a:prstGeom prst="rect">
+            <a:avLst/>
+          </a:prstGeom>
+        </p:spPr>
+      </p:pic>
+      <p:sp>
+        <p:nvSpPr>
+          <p:cNvPr id="2" name="Title 1">
+            <a:extLst>
+              <a:ext uri="{FF2B5EF4-FFF2-40B4-BE49-F238E27FC236}">
+                <a16:creationId xmlns:a16="http://schemas.microsoft.com/office/drawing/2014/main" id="{1F7C74C9-6C68-F353-9856-8598C7746238}"/>
+              </a:ext>
+            </a:extLst>
+          </p:cNvPr>
+          <p:cNvSpPr>
+            <a:spLocks noGrp="1"/>
+          </p:cNvSpPr>
+          <p:nvPr>
+            <p:ph type="title"/>
+          </p:nvPr>
+        </p:nvSpPr>
+        <p:spPr/>
+        <p:txBody>
+          <a:bodyPr/>
+          <a:lstStyle/>
+          <a:p>
+            <a:r>
+              <a:rPr lang="en-US" noProof="0" dirty="0"/>
+              <a:t>Coupled Cluster</a:t>
+            </a:r>
+          </a:p>
+        </p:txBody>
+      </p:sp>
+      <p:sp>
+        <p:nvSpPr>
+          <p:cNvPr id="3" name="Content Placeholder 2">
+            <a:extLst>
+              <a:ext uri="{FF2B5EF4-FFF2-40B4-BE49-F238E27FC236}">
+                <a16:creationId xmlns:a16="http://schemas.microsoft.com/office/drawing/2014/main" id="{B5C213DA-2D7B-C2A2-A1B8-96767B69CB55}"/>
+              </a:ext>
+            </a:extLst>
+          </p:cNvPr>
+          <p:cNvSpPr>
+            <a:spLocks noGrp="1"/>
+          </p:cNvSpPr>
+          <p:nvPr>
+            <p:ph idx="1"/>
+          </p:nvPr>
+        </p:nvSpPr>
+        <p:spPr>
+          <a:xfrm>
+            <a:off x="1261871" y="1828800"/>
+            <a:ext cx="7803471" cy="4663440"/>
+          </a:xfrm>
+        </p:spPr>
+        <p:txBody>
+          <a:bodyPr>
+            <a:normAutofit/>
+          </a:bodyPr>
+          <a:lstStyle/>
+          <a:p>
+            <a:r>
+              <a:rPr lang="nb-NO" dirty="0"/>
+              <a:t>Many </a:t>
+            </a:r>
+            <a:r>
+              <a:rPr lang="nb-NO" dirty="0" err="1"/>
+              <a:t>Slater</a:t>
+            </a:r>
+            <a:r>
+              <a:rPr lang="nb-NO" dirty="0"/>
+              <a:t> determinants</a:t>
+            </a:r>
+          </a:p>
+          <a:p>
+            <a:pPr marL="0" indent="0">
+              <a:buNone/>
+            </a:pPr>
+            <a:endParaRPr lang="nb-NO" dirty="0"/>
+          </a:p>
+          <a:p>
+            <a:r>
+              <a:rPr lang="nb-NO" dirty="0"/>
+              <a:t>Using just a few operators</a:t>
+            </a:r>
+          </a:p>
+          <a:p>
+            <a:endParaRPr lang="nb-NO" dirty="0"/>
+          </a:p>
+          <a:p>
+            <a:endParaRPr lang="nb-NO" dirty="0"/>
+          </a:p>
+          <a:p>
+            <a:endParaRPr lang="nb-NO" dirty="0"/>
+          </a:p>
+          <a:p>
+            <a:endParaRPr lang="nb-NO" dirty="0"/>
+          </a:p>
+          <a:p>
+            <a:r>
+              <a:rPr lang="nb-NO" dirty="0"/>
+              <a:t>Not </a:t>
+            </a:r>
+            <a:r>
+              <a:rPr lang="nb-NO" dirty="0" err="1"/>
+              <a:t>variational</a:t>
+            </a:r>
+            <a:endParaRPr lang="nb-NO" dirty="0"/>
+          </a:p>
+          <a:p>
+            <a:endParaRPr lang="nb-NO" dirty="0"/>
+          </a:p>
+          <a:p>
+            <a:endParaRPr lang="nb-NO" dirty="0"/>
+          </a:p>
+        </p:txBody>
+      </p:sp>
+      <p:pic>
+        <p:nvPicPr>
+          <p:cNvPr id="13" name="Bilde 12">
+            <a:extLst>
+              <a:ext uri="{FF2B5EF4-FFF2-40B4-BE49-F238E27FC236}">
+                <a16:creationId xmlns:a16="http://schemas.microsoft.com/office/drawing/2014/main" id="{6652A13A-4E62-4309-F235-BD8CB3949542}"/>
+              </a:ext>
+            </a:extLst>
+          </p:cNvPr>
+          <p:cNvPicPr>
+            <a:picLocks noChangeAspect="1"/>
+          </p:cNvPicPr>
+          <p:nvPr/>
+        </p:nvPicPr>
+        <p:blipFill>
+          <a:blip r:embed="rId3"/>
+          <a:stretch>
+            <a:fillRect/>
+          </a:stretch>
+        </p:blipFill>
+        <p:spPr>
+          <a:xfrm>
+            <a:off x="1722345" y="3167858"/>
             <a:ext cx="8021169" cy="981212"/>
           </a:xfrm>
           <a:prstGeom prst="rect">
@@ -6750,14 +6997,14 @@
           <p:nvPr/>
         </p:nvPicPr>
         <p:blipFill>
-          <a:blip r:embed="rId3"/>
+          <a:blip r:embed="rId4"/>
           <a:stretch>
             <a:fillRect/>
           </a:stretch>
         </p:blipFill>
         <p:spPr>
           <a:xfrm>
-            <a:off x="1153021" y="4219797"/>
+            <a:off x="1722345" y="4039590"/>
             <a:ext cx="4153480" cy="771633"/>
           </a:xfrm>
           <a:prstGeom prst="rect">
@@ -6780,7 +7027,7 @@
           <p:nvPr/>
         </p:nvPicPr>
         <p:blipFill>
-          <a:blip r:embed="rId4"/>
+          <a:blip r:embed="rId5"/>
           <a:stretch>
             <a:fillRect/>
           </a:stretch>
@@ -6810,7 +7057,7 @@
           <p:nvPr/>
         </p:nvPicPr>
         <p:blipFill>
-          <a:blip r:embed="rId5"/>
+          <a:blip r:embed="rId6"/>
           <a:stretch>
             <a:fillRect/>
           </a:stretch>
@@ -6840,7 +7087,7 @@
           <p:nvPr/>
         </p:nvPicPr>
         <p:blipFill>
-          <a:blip r:embed="rId6"/>
+          <a:blip r:embed="rId7"/>
           <a:stretch>
             <a:fillRect/>
           </a:stretch>
@@ -7000,33 +7247,6 @@
           <a:p>
             <a:r>
               <a:rPr lang="nb-NO" dirty="0"/>
-              <a:t>No need to </a:t>
-            </a:r>
-            <a:r>
-              <a:rPr lang="nb-NO" dirty="0" err="1"/>
-              <a:t>normalize</a:t>
-            </a:r>
-            <a:r>
-              <a:rPr lang="nb-NO" dirty="0"/>
-              <a:t> </a:t>
-            </a:r>
-            <a:r>
-              <a:rPr lang="nb-NO" dirty="0" err="1"/>
-              <a:t>wave</a:t>
-            </a:r>
-            <a:r>
-              <a:rPr lang="nb-NO" dirty="0"/>
-              <a:t> </a:t>
-            </a:r>
-            <a:r>
-              <a:rPr lang="nb-NO" dirty="0" err="1"/>
-              <a:t>function</a:t>
-            </a:r>
-            <a:endParaRPr lang="nb-NO" dirty="0"/>
-          </a:p>
-          <a:p>
-            <a:r>
-              <a:rPr lang="nb-NO" dirty="0"/>
               <a:t>Derivative of </a:t>
             </a:r>
             <a:r>
@@ -7314,13 +7534,8 @@
           <a:p>
             <a:r>
               <a:rPr lang="nb-NO" dirty="0"/>
-              <a:t>Must be </a:t>
-            </a:r>
-            <a:r>
-              <a:rPr lang="nb-NO" dirty="0" err="1"/>
-              <a:t>optimized</a:t>
-            </a:r>
-            <a:endParaRPr lang="nb-NO" dirty="0"/>
+              <a:t>Many parameters</a:t>
+            </a:r>
           </a:p>
           <a:p>
             <a:r>
